--- a/Finalized Code/Rutgers DS Bootcamp - The Five Guys  - Project 3 - Report (1).pptx
+++ b/Finalized Code/Rutgers DS Bootcamp - The Five Guys  - Project 3 - Report (1).pptx
@@ -5,29 +5,30 @@
     <p:sldMasterId id="2147483660" r:id="rId1"/>
   </p:sldMasterIdLst>
   <p:notesMasterIdLst>
-    <p:notesMasterId r:id="rId22"/>
+    <p:notesMasterId r:id="rId23"/>
   </p:notesMasterIdLst>
   <p:sldIdLst>
     <p:sldId id="256" r:id="rId2"/>
     <p:sldId id="257" r:id="rId3"/>
-    <p:sldId id="277" r:id="rId4"/>
-    <p:sldId id="258" r:id="rId5"/>
-    <p:sldId id="261" r:id="rId6"/>
-    <p:sldId id="262" r:id="rId7"/>
-    <p:sldId id="294" r:id="rId8"/>
-    <p:sldId id="297" r:id="rId9"/>
-    <p:sldId id="275" r:id="rId10"/>
-    <p:sldId id="263" r:id="rId11"/>
-    <p:sldId id="295" r:id="rId12"/>
-    <p:sldId id="268" r:id="rId13"/>
-    <p:sldId id="271" r:id="rId14"/>
-    <p:sldId id="299" r:id="rId15"/>
-    <p:sldId id="300" r:id="rId16"/>
-    <p:sldId id="301" r:id="rId17"/>
-    <p:sldId id="302" r:id="rId18"/>
-    <p:sldId id="304" r:id="rId19"/>
-    <p:sldId id="305" r:id="rId20"/>
-    <p:sldId id="280" r:id="rId21"/>
+    <p:sldId id="307" r:id="rId4"/>
+    <p:sldId id="277" r:id="rId5"/>
+    <p:sldId id="258" r:id="rId6"/>
+    <p:sldId id="261" r:id="rId7"/>
+    <p:sldId id="262" r:id="rId8"/>
+    <p:sldId id="294" r:id="rId9"/>
+    <p:sldId id="297" r:id="rId10"/>
+    <p:sldId id="275" r:id="rId11"/>
+    <p:sldId id="263" r:id="rId12"/>
+    <p:sldId id="295" r:id="rId13"/>
+    <p:sldId id="268" r:id="rId14"/>
+    <p:sldId id="271" r:id="rId15"/>
+    <p:sldId id="299" r:id="rId16"/>
+    <p:sldId id="300" r:id="rId17"/>
+    <p:sldId id="301" r:id="rId18"/>
+    <p:sldId id="302" r:id="rId19"/>
+    <p:sldId id="304" r:id="rId20"/>
+    <p:sldId id="305" r:id="rId21"/>
+    <p:sldId id="280" r:id="rId22"/>
   </p:sldIdLst>
   <p:sldSz cx="9144000" cy="6858000" type="screen4x3"/>
   <p:notesSz cx="6858000" cy="9144000"/>
@@ -2874,7 +2875,7 @@
           <a:p>
             <a:fld id="{CE058F4C-6B1A-4901-9A19-260396C79F74}" type="datetimeFigureOut">
               <a:rPr lang="en-US" smtClean="0"/>
-              <a:t>10/14/2020</a:t>
+              <a:t>10/15/2020</a:t>
             </a:fld>
             <a:endParaRPr lang="en-US"/>
           </a:p>
@@ -3315,87 +3316,8 @@
           <a:p>
             <a:r>
               <a:rPr lang="en-US" dirty="0"/>
-              <a:t>This is a great first try.  Adding temperature really increased our scores.  </a:t>
-            </a:r>
-          </a:p>
-          <a:p>
-            <a:endParaRPr lang="en-US" dirty="0"/>
-          </a:p>
-          <a:p>
-            <a:r>
-              <a:rPr lang="en-US" dirty="0"/>
-              <a:t>So there are some complications when predicting </a:t>
-            </a:r>
-            <a:r>
-              <a:rPr lang="en-US" dirty="0" err="1"/>
-              <a:t>powerburn</a:t>
-            </a:r>
-            <a:r>
-              <a:rPr lang="en-US" dirty="0"/>
-              <a:t> that we oversimplified.  The price of natural gas isn’t just 1 number.  There are over 200 price points in the united states.  Furthermore, the price we are pulling in is for the FUTURE month.  It still reflects what is happening in today’s supply/demand picture, but not to the most accurate degree.</a:t>
-            </a:r>
-          </a:p>
-          <a:p>
-            <a:endParaRPr lang="en-US" dirty="0"/>
-          </a:p>
-          <a:p>
-            <a:r>
-              <a:rPr lang="en-US" dirty="0"/>
-              <a:t>To better refine this number I could use daily natural gas pricing from a few selected points that are more tied into electricity production.  For example TETCO-M3 is pricing point located in Pennsylvania that is tied to over 3k MWH of possible demand.  This price would be better to use than lets say Iroquois Z1 which is a </a:t>
-            </a:r>
-            <a:r>
-              <a:rPr lang="en-US" dirty="0" err="1"/>
-              <a:t>pricng</a:t>
-            </a:r>
-            <a:r>
-              <a:rPr lang="en-US" dirty="0"/>
-              <a:t> point in northern NY on the border w/ Canada which isn’t really connected to electricity pricing at all, it would be more sensitive to heating demand in </a:t>
-            </a:r>
-            <a:r>
-              <a:rPr lang="en-US" dirty="0" err="1"/>
-              <a:t>boston</a:t>
-            </a:r>
-            <a:r>
-              <a:rPr lang="en-US" dirty="0"/>
-              <a:t>.</a:t>
-            </a:r>
-          </a:p>
-          <a:p>
-            <a:endParaRPr lang="en-US" dirty="0"/>
-          </a:p>
-          <a:p>
-            <a:r>
-              <a:rPr lang="en-US" dirty="0"/>
-              <a:t>However, this model did get better as we added more information to it and I’m certain it would get better w/ more precise data (that currently lives behind firewalls and paywalls)</a:t>
-            </a:r>
-          </a:p>
-          <a:p>
-            <a:endParaRPr lang="en-US" dirty="0"/>
-          </a:p>
-          <a:p>
-            <a:r>
-              <a:rPr lang="en-US" dirty="0"/>
-              <a:t>2</a:t>
-            </a:r>
-            <a:r>
-              <a:rPr lang="en-US" baseline="30000" dirty="0"/>
-              <a:t>nd</a:t>
-            </a:r>
-            <a:r>
-              <a:rPr lang="en-US" dirty="0"/>
-              <a:t>, I’d also try and derive </a:t>
-            </a:r>
-            <a:r>
-              <a:rPr lang="en-US" dirty="0" err="1"/>
-              <a:t>powerburn</a:t>
-            </a:r>
-            <a:r>
-              <a:rPr lang="en-US" dirty="0"/>
-              <a:t> from historical natural gas flows and temperature.  We could scrape pipeline data that does categorize flows for electricity generation, bring in temperature again and go about a similar prediction.  With both predictions in hand a trader could then say if the price prediction and fundamental prediction were to converge does that mean price has to go up or down… a trading opportunity.  </a:t>
-            </a:r>
-          </a:p>
-          <a:p>
-            <a:endParaRPr lang="en-US" dirty="0"/>
+              <a:t>With our data now collated it’s time to predict!</a:t>
+            </a:r>
           </a:p>
         </p:txBody>
       </p:sp>
@@ -3425,7 +3347,7 @@
     </p:spTree>
     <p:extLst>
       <p:ext uri="{BB962C8B-B14F-4D97-AF65-F5344CB8AC3E}">
-        <p14:creationId xmlns:p14="http://schemas.microsoft.com/office/powerpoint/2010/main" val="646225910"/>
+        <p14:creationId xmlns:p14="http://schemas.microsoft.com/office/powerpoint/2010/main" val="2287007251"/>
       </p:ext>
     </p:extLst>
   </p:cSld>
@@ -3481,7 +3403,7 @@
           <a:p>
             <a:r>
               <a:rPr lang="en-US" dirty="0"/>
-              <a:t>PATCH</a:t>
+              <a:t>DEREK</a:t>
             </a:r>
           </a:p>
           <a:p>
@@ -3489,18 +3411,50 @@
           </a:p>
           <a:p>
             <a:r>
+              <a:rPr lang="en-US" dirty="0"/>
+              <a:t>This is a great first try.  Adding temperature really increased our scores.  </a:t>
+            </a:r>
+          </a:p>
+          <a:p>
+            <a:endParaRPr lang="en-US" dirty="0"/>
+          </a:p>
+          <a:p>
+            <a:r>
+              <a:rPr lang="en-US" dirty="0"/>
+              <a:t>So there are some complications when predicting </a:t>
+            </a:r>
+            <a:r>
               <a:rPr lang="en-US" dirty="0" err="1"/>
-              <a:t>Porject</a:t>
+              <a:t>powerburn</a:t>
             </a:r>
             <a:r>
               <a:rPr lang="en-US" dirty="0"/>
-              <a:t> 2 - The EIA publishes a weekly number that shows how much gas flowed into or out of storage.  The number published Thursday of this week captures the weekly flows from 2 weeks prior.  They break this info up geographically.</a:t>
-            </a:r>
+              <a:t> that we oversimplified.  The price of natural gas isn’t just 1 number.  There are over 200 price points in the united states.  Furthermore, the price we are pulling in is for the FUTURE month.  It still reflects what is happening in today’s supply/demand picture, but not to the most accurate degree.</a:t>
+            </a:r>
+          </a:p>
+          <a:p>
+            <a:endParaRPr lang="en-US" dirty="0"/>
           </a:p>
           <a:p>
             <a:r>
               <a:rPr lang="en-US" dirty="0"/>
-              <a:t>Our model here isn’t so much a prediction as it is a comparison of this year to year’s prior and it’s an important bit of info for a trader.  It can show what’s possible. </a:t>
+              <a:t>To better refine this number I could use daily natural gas pricing from a few selected points that are more tied into electricity production.  For example TETCO-M3 is pricing point located in Pennsylvania that is tied to over 3k MWH of possible demand.  This price would be better to use than lets say Iroquois Z1 which is a </a:t>
+            </a:r>
+            <a:r>
+              <a:rPr lang="en-US" dirty="0" err="1"/>
+              <a:t>pricng</a:t>
+            </a:r>
+            <a:r>
+              <a:rPr lang="en-US" dirty="0"/>
+              <a:t> point in northern NY on the border w/ Canada which isn’t really connected to electricity pricing at all, it would be more sensitive to heating demand in </a:t>
+            </a:r>
+            <a:r>
+              <a:rPr lang="en-US" dirty="0" err="1"/>
+              <a:t>boston</a:t>
+            </a:r>
+            <a:r>
+              <a:rPr lang="en-US" dirty="0"/>
+              <a:t>.</a:t>
             </a:r>
           </a:p>
           <a:p>
@@ -3509,7 +3463,32 @@
           <a:p>
             <a:r>
               <a:rPr lang="en-US" dirty="0"/>
-              <a:t>We are where we are for natural gas storage today, but if we did the same thing as we did last year where would we be, what about 2 years ago… it’s a way to visualize the data and see what can or can’t be possible.</a:t>
+              <a:t>However, this model did get better as we added more information to it and I’m certain it would get better w/ more precise data (that currently lives behind firewalls and paywalls)</a:t>
+            </a:r>
+          </a:p>
+          <a:p>
+            <a:endParaRPr lang="en-US" dirty="0"/>
+          </a:p>
+          <a:p>
+            <a:r>
+              <a:rPr lang="en-US" dirty="0"/>
+              <a:t>2</a:t>
+            </a:r>
+            <a:r>
+              <a:rPr lang="en-US" baseline="30000" dirty="0"/>
+              <a:t>nd</a:t>
+            </a:r>
+            <a:r>
+              <a:rPr lang="en-US" dirty="0"/>
+              <a:t>, I’d also try and derive </a:t>
+            </a:r>
+            <a:r>
+              <a:rPr lang="en-US" dirty="0" err="1"/>
+              <a:t>powerburn</a:t>
+            </a:r>
+            <a:r>
+              <a:rPr lang="en-US" dirty="0"/>
+              <a:t> from historical natural gas flows and temperature.  We could scrape pipeline data that does categorize flows for electricity generation, bring in temperature again and go about a similar prediction.  With both predictions in hand a trader could then say if the price prediction and fundamental prediction were to converge does that mean price has to go up or down… a trading opportunity.  </a:t>
             </a:r>
           </a:p>
           <a:p>
@@ -3543,7 +3522,7 @@
     </p:spTree>
     <p:extLst>
       <p:ext uri="{BB962C8B-B14F-4D97-AF65-F5344CB8AC3E}">
-        <p14:creationId xmlns:p14="http://schemas.microsoft.com/office/powerpoint/2010/main" val="1490196939"/>
+        <p14:creationId xmlns:p14="http://schemas.microsoft.com/office/powerpoint/2010/main" val="646225910"/>
       </p:ext>
     </p:extLst>
   </p:cSld>
@@ -3599,7 +3578,7 @@
           <a:p>
             <a:r>
               <a:rPr lang="en-US" dirty="0"/>
-              <a:t>MATT</a:t>
+              <a:t>PATCH</a:t>
             </a:r>
           </a:p>
           <a:p>
@@ -3607,17 +3586,31 @@
           </a:p>
           <a:p>
             <a:r>
+              <a:rPr lang="en-US" dirty="0" err="1"/>
+              <a:t>Porject</a:t>
+            </a:r>
+            <a:r>
               <a:rPr lang="en-US" dirty="0"/>
-              <a:t>We have to pull in the data and do a few transformations on it so that we can compare weeks to weeks.  We added a </a:t>
-            </a:r>
-            <a:r>
-              <a:rPr lang="en-US" dirty="0" err="1"/>
-              <a:t>week_number</a:t>
-            </a:r>
+              <a:t> 2 - The EIA publishes a weekly number that shows how much gas flowed into or out of storage.  The number published Thursday of this week captures the weekly flows from 2 weeks prior.  They break this info up geographically.</a:t>
+            </a:r>
+          </a:p>
+          <a:p>
             <a:r>
               <a:rPr lang="en-US" dirty="0"/>
-              <a:t> column to accomplish that. And yes sometimes there are 53 weeks in a year and they can cause a pain.  (There aren’t really 53 weeks in a year, but there can be 53 Thursdays which is where some issues come up.</a:t>
-            </a:r>
+              <a:t>Our model here isn’t so much a prediction as it is a comparison of this year to year’s prior and it’s an important bit of info for a trader.  It can show what’s possible. </a:t>
+            </a:r>
+          </a:p>
+          <a:p>
+            <a:endParaRPr lang="en-US" dirty="0"/>
+          </a:p>
+          <a:p>
+            <a:r>
+              <a:rPr lang="en-US" dirty="0"/>
+              <a:t>We are where we are for natural gas storage today, but if we did the same thing as we did last year where would we be, what about 2 years ago… it’s a way to visualize the data and see what can or can’t be possible.</a:t>
+            </a:r>
+          </a:p>
+          <a:p>
+            <a:endParaRPr lang="en-US" dirty="0"/>
           </a:p>
         </p:txBody>
       </p:sp>
@@ -3647,7 +3640,7 @@
     </p:spTree>
     <p:extLst>
       <p:ext uri="{BB962C8B-B14F-4D97-AF65-F5344CB8AC3E}">
-        <p14:creationId xmlns:p14="http://schemas.microsoft.com/office/powerpoint/2010/main" val="1894350692"/>
+        <p14:creationId xmlns:p14="http://schemas.microsoft.com/office/powerpoint/2010/main" val="1490196939"/>
       </p:ext>
     </p:extLst>
   </p:cSld>
@@ -3710,7 +3703,18 @@
             <a:endParaRPr lang="en-US" dirty="0"/>
           </a:p>
           <a:p>
-            <a:endParaRPr lang="en-US" dirty="0"/>
+            <a:r>
+              <a:rPr lang="en-US" dirty="0"/>
+              <a:t>We have to pull in the data and do a few transformations on it so that we can compare weeks to weeks.  We added a </a:t>
+            </a:r>
+            <a:r>
+              <a:rPr lang="en-US" dirty="0" err="1"/>
+              <a:t>week_number</a:t>
+            </a:r>
+            <a:r>
+              <a:rPr lang="en-US" dirty="0"/>
+              <a:t> column to accomplish that. And yes sometimes there are 53 weeks in a year and they can cause a pain.  (There aren’t really 53 weeks in a year, but there can be 53 Thursdays which is where some issues come up.</a:t>
+            </a:r>
           </a:p>
         </p:txBody>
       </p:sp>
@@ -3740,7 +3744,7 @@
     </p:spTree>
     <p:extLst>
       <p:ext uri="{BB962C8B-B14F-4D97-AF65-F5344CB8AC3E}">
-        <p14:creationId xmlns:p14="http://schemas.microsoft.com/office/powerpoint/2010/main" val="1473474064"/>
+        <p14:creationId xmlns:p14="http://schemas.microsoft.com/office/powerpoint/2010/main" val="1894350692"/>
       </p:ext>
     </p:extLst>
   </p:cSld>
@@ -3803,18 +3807,7 @@
             <a:endParaRPr lang="en-US" dirty="0"/>
           </a:p>
           <a:p>
-            <a:r>
-              <a:rPr lang="en-US" dirty="0"/>
-              <a:t>This is an amazing easy to read diagram of what natural gas storage looks like today…. And it adds in the </a:t>
-            </a:r>
-            <a:r>
-              <a:rPr lang="en-US" dirty="0" err="1"/>
-              <a:t>question.’if</a:t>
-            </a:r>
-            <a:r>
-              <a:rPr lang="en-US" dirty="0"/>
-              <a:t> we do what we did last year… where will we be. </a:t>
-            </a:r>
+            <a:endParaRPr lang="en-US" dirty="0"/>
           </a:p>
         </p:txBody>
       </p:sp>
@@ -3844,7 +3837,7 @@
     </p:spTree>
     <p:extLst>
       <p:ext uri="{BB962C8B-B14F-4D97-AF65-F5344CB8AC3E}">
-        <p14:creationId xmlns:p14="http://schemas.microsoft.com/office/powerpoint/2010/main" val="3424430935"/>
+        <p14:creationId xmlns:p14="http://schemas.microsoft.com/office/powerpoint/2010/main" val="1473474064"/>
       </p:ext>
     </p:extLst>
   </p:cSld>
@@ -3900,7 +3893,7 @@
           <a:p>
             <a:r>
               <a:rPr lang="en-US" dirty="0"/>
-              <a:t>PATCH</a:t>
+              <a:t>MATT</a:t>
             </a:r>
           </a:p>
           <a:p>
@@ -3909,23 +3902,16 @@
           <a:p>
             <a:r>
               <a:rPr lang="en-US" dirty="0"/>
-              <a:t>The EIA publishes a weekly number that shows how much gas flowed into or out of storage.  Has anyone seen trading places? The orange forecast?... The number published Thursday of this week captures the weekly flows from 2 weeks prior.  They break this info up geographically.</a:t>
-            </a:r>
-          </a:p>
-          <a:p>
-            <a:endParaRPr lang="en-US" dirty="0"/>
-          </a:p>
-          <a:p>
-            <a:endParaRPr lang="en-US" dirty="0"/>
-          </a:p>
-          <a:p>
+              <a:t>This is an amazing easy to read diagram of what natural gas storage looks like today…. And it adds in the </a:t>
+            </a:r>
+            <a:r>
+              <a:rPr lang="en-US" dirty="0" err="1"/>
+              <a:t>question.’if</a:t>
+            </a:r>
             <a:r>
               <a:rPr lang="en-US" dirty="0"/>
-              <a:t>Can we sample storages w/ their real flow data to predict what the government number will be?</a:t>
-            </a:r>
-          </a:p>
-          <a:p>
-            <a:endParaRPr lang="en-US" dirty="0"/>
+              <a:t> we do what we did last year… where will we be. </a:t>
+            </a:r>
           </a:p>
         </p:txBody>
       </p:sp>
@@ -3955,7 +3941,7 @@
     </p:spTree>
     <p:extLst>
       <p:ext uri="{BB962C8B-B14F-4D97-AF65-F5344CB8AC3E}">
-        <p14:creationId xmlns:p14="http://schemas.microsoft.com/office/powerpoint/2010/main" val="3157159794"/>
+        <p14:creationId xmlns:p14="http://schemas.microsoft.com/office/powerpoint/2010/main" val="3424430935"/>
       </p:ext>
     </p:extLst>
   </p:cSld>
@@ -4011,7 +3997,7 @@
           <a:p>
             <a:r>
               <a:rPr lang="en-US" dirty="0"/>
-              <a:t>RESUL</a:t>
+              <a:t>PATCH</a:t>
             </a:r>
           </a:p>
           <a:p>
@@ -4020,32 +4006,23 @@
           <a:p>
             <a:r>
               <a:rPr lang="en-US" dirty="0"/>
-              <a:t>Every week on Thursday the government publishes a number that represents the total amount of natural gas in the ground as of the week prior.  So today being the 15</a:t>
-            </a:r>
-            <a:r>
-              <a:rPr lang="en-US" baseline="30000" dirty="0"/>
-              <a:t>th</a:t>
-            </a:r>
+              <a:t>The EIA publishes a weekly number that shows how much gas flowed into or out of storage.  Has anyone seen trading places? The orange forecast?... The number published Thursday of this week captures the weekly flows from 2 weeks prior.  They break this info up geographically.</a:t>
+            </a:r>
+          </a:p>
+          <a:p>
+            <a:endParaRPr lang="en-US" dirty="0"/>
+          </a:p>
+          <a:p>
+            <a:endParaRPr lang="en-US" dirty="0"/>
+          </a:p>
+          <a:p>
             <a:r>
               <a:rPr lang="en-US" dirty="0"/>
-              <a:t>, the number did come out today, and showed gas in the ground as of October 8</a:t>
-            </a:r>
-            <a:r>
-              <a:rPr lang="en-US" baseline="30000" dirty="0"/>
-              <a:t>th</a:t>
-            </a:r>
-            <a:r>
-              <a:rPr lang="en-US" dirty="0"/>
-              <a:t>.  You’d think it would be easy to predict but 5-6 times a year the number is very much different than what people expect.  Most expectations I believed are calculated with weather, and watching certain specific larger storages in the country.  However, w/ the tools we have </a:t>
-            </a:r>
-            <a:r>
-              <a:rPr lang="en-US" dirty="0" err="1"/>
-              <a:t>leanred</a:t>
-            </a:r>
-            <a:r>
-              <a:rPr lang="en-US" dirty="0"/>
-              <a:t> this semester scraping every possible storage is a real possibility and being right 3 times a year when other people are “wrong” would help me pay for this course.  </a:t>
-            </a:r>
+              <a:t>Can we sample storages w/ their real flow data to predict what the government number will be?</a:t>
+            </a:r>
+          </a:p>
+          <a:p>
+            <a:endParaRPr lang="en-US" dirty="0"/>
           </a:p>
         </p:txBody>
       </p:sp>
@@ -4075,7 +4052,7 @@
     </p:spTree>
     <p:extLst>
       <p:ext uri="{BB962C8B-B14F-4D97-AF65-F5344CB8AC3E}">
-        <p14:creationId xmlns:p14="http://schemas.microsoft.com/office/powerpoint/2010/main" val="1407854667"/>
+        <p14:creationId xmlns:p14="http://schemas.microsoft.com/office/powerpoint/2010/main" val="3157159794"/>
       </p:ext>
     </p:extLst>
   </p:cSld>
@@ -4131,7 +4108,7 @@
           <a:p>
             <a:r>
               <a:rPr lang="en-US" dirty="0"/>
-              <a:t>Derek</a:t>
+              <a:t>RESUL</a:t>
             </a:r>
           </a:p>
           <a:p>
@@ -4139,16 +4116,33 @@
           </a:p>
           <a:p>
             <a:r>
+              <a:rPr lang="en-US" dirty="0"/>
+              <a:t>Every week on Thursday the government publishes a number that represents the total amount of natural gas in the ground as of the week prior.  So today being the 15</a:t>
+            </a:r>
+            <a:r>
+              <a:rPr lang="en-US" baseline="30000" dirty="0"/>
+              <a:t>th</a:t>
+            </a:r>
+            <a:r>
+              <a:rPr lang="en-US" dirty="0"/>
+              <a:t>, the number did come out today, and showed gas in the ground as of October 8</a:t>
+            </a:r>
+            <a:r>
+              <a:rPr lang="en-US" baseline="30000" dirty="0"/>
+              <a:t>th</a:t>
+            </a:r>
+            <a:r>
+              <a:rPr lang="en-US" dirty="0"/>
+              <a:t>.  You’d think it would be easy to predict but 5-6 times a year the number is very much different than what people expect.  Most expectations I believed are calculated with weather, and watching certain specific larger storages in the country.  However, w/ the tools we have </a:t>
+            </a:r>
+            <a:r>
               <a:rPr lang="en-US" dirty="0" err="1"/>
-              <a:t>Enstor</a:t>
+              <a:t>leanred</a:t>
             </a:r>
             <a:r>
               <a:rPr lang="en-US" dirty="0"/>
-              <a:t> is a company that owns a few storages across the country.  We chose them because they all had a similar website set up that allowed to create one scraper to get the information we were looking for.</a:t>
-            </a:r>
-          </a:p>
-          <a:p>
-            <a:endParaRPr lang="en-US" dirty="0"/>
+              <a:t> this semester scraping every possible storage is a real possibility and being right 3 times a year when other people are “wrong” would help me pay for this course.  </a:t>
+            </a:r>
           </a:p>
         </p:txBody>
       </p:sp>
@@ -4178,7 +4172,7 @@
     </p:spTree>
     <p:extLst>
       <p:ext uri="{BB962C8B-B14F-4D97-AF65-F5344CB8AC3E}">
-        <p14:creationId xmlns:p14="http://schemas.microsoft.com/office/powerpoint/2010/main" val="1079712171"/>
+        <p14:creationId xmlns:p14="http://schemas.microsoft.com/office/powerpoint/2010/main" val="1407854667"/>
       </p:ext>
     </p:extLst>
   </p:cSld>
@@ -4234,7 +4228,7 @@
           <a:p>
             <a:r>
               <a:rPr lang="en-US" dirty="0"/>
-              <a:t>MATT</a:t>
+              <a:t>Derek</a:t>
             </a:r>
           </a:p>
           <a:p>
@@ -4242,26 +4236,12 @@
           </a:p>
           <a:p>
             <a:r>
+              <a:rPr lang="en-US" dirty="0" err="1"/>
+              <a:t>Enstor</a:t>
+            </a:r>
+            <a:r>
               <a:rPr lang="en-US" dirty="0"/>
-              <a:t>This is the look that one day gives you for one storage.</a:t>
-            </a:r>
-          </a:p>
-          <a:p>
-            <a:br>
-              <a:rPr lang="en-US" dirty="0"/>
-            </a:br>
-            <a:r>
-              <a:rPr lang="en-US" dirty="0"/>
-              <a:t>We had to scrape 4 websites, combine the information into 1 day per cavern, then to match our EIA prediction sum up 7 days that end on Thursday.</a:t>
-            </a:r>
-          </a:p>
-          <a:p>
-            <a:endParaRPr lang="en-US" dirty="0"/>
-          </a:p>
-          <a:p>
-            <a:r>
-              <a:rPr lang="en-US" dirty="0"/>
-              <a:t>Transformation to the extreme</a:t>
+              <a:t> is a company that owns a few storages across the country.  We chose them because they all had a similar website set up that allowed to create one scraper to get the information we were looking for.</a:t>
             </a:r>
           </a:p>
           <a:p>
@@ -4295,7 +4275,7 @@
     </p:spTree>
     <p:extLst>
       <p:ext uri="{BB962C8B-B14F-4D97-AF65-F5344CB8AC3E}">
-        <p14:creationId xmlns:p14="http://schemas.microsoft.com/office/powerpoint/2010/main" val="557453651"/>
+        <p14:creationId xmlns:p14="http://schemas.microsoft.com/office/powerpoint/2010/main" val="1079712171"/>
       </p:ext>
     </p:extLst>
   </p:cSld>
@@ -4351,7 +4331,7 @@
           <a:p>
             <a:r>
               <a:rPr lang="en-US" dirty="0"/>
-              <a:t>RESUL</a:t>
+              <a:t>MATT</a:t>
             </a:r>
           </a:p>
           <a:p>
@@ -4360,8 +4340,29 @@
           <a:p>
             <a:r>
               <a:rPr lang="en-US" dirty="0"/>
-              <a:t>We chose 4 storages that are very small in comparison to the larger picture of natural gas storage.  Also are storages area  bit more focused in the southeast and the EIA number is the CONUS in total.  This was expected.  This is a great first step.</a:t>
-            </a:r>
+              <a:t>This is the look that one day gives you for one storage.</a:t>
+            </a:r>
+          </a:p>
+          <a:p>
+            <a:br>
+              <a:rPr lang="en-US" dirty="0"/>
+            </a:br>
+            <a:r>
+              <a:rPr lang="en-US" dirty="0"/>
+              <a:t>We had to scrape 4 websites, combine the information into 1 day per cavern, then to match our EIA prediction sum up 7 days that end on Thursday.</a:t>
+            </a:r>
+          </a:p>
+          <a:p>
+            <a:endParaRPr lang="en-US" dirty="0"/>
+          </a:p>
+          <a:p>
+            <a:r>
+              <a:rPr lang="en-US" dirty="0"/>
+              <a:t>Transformation to the extreme</a:t>
+            </a:r>
+          </a:p>
+          <a:p>
+            <a:endParaRPr lang="en-US" dirty="0"/>
           </a:p>
         </p:txBody>
       </p:sp>
@@ -4391,7 +4392,7 @@
     </p:spTree>
     <p:extLst>
       <p:ext uri="{BB962C8B-B14F-4D97-AF65-F5344CB8AC3E}">
-        <p14:creationId xmlns:p14="http://schemas.microsoft.com/office/powerpoint/2010/main" val="2315031482"/>
+        <p14:creationId xmlns:p14="http://schemas.microsoft.com/office/powerpoint/2010/main" val="557453651"/>
       </p:ext>
     </p:extLst>
   </p:cSld>
@@ -4543,11 +4544,16 @@
           <a:p>
             <a:r>
               <a:rPr lang="en-US" dirty="0"/>
-              <a:t>We now have the tools to make predictions for fundamental numbers in natural gas.  This will make me better understand the market in front of me.  I can view storage as it sits today and where it would be if we follow prior years past, and I am most excited that we brought all our tools together for our final step.  The EIA number is a weekly test of our skills now and I’m excited to get the </a:t>
-            </a:r>
-            <a:r>
-              <a:rPr lang="en-US"/>
-              <a:t>number higher.</a:t>
+              <a:t>RESUL</a:t>
+            </a:r>
+          </a:p>
+          <a:p>
+            <a:endParaRPr lang="en-US" dirty="0"/>
+          </a:p>
+          <a:p>
+            <a:r>
+              <a:rPr lang="en-US" dirty="0"/>
+              <a:t>We chose 4 storages that are very small in comparison to the larger picture of natural gas storage.  Also are storages area  bit more focused in the southeast and the EIA number is the CONUS in total.  This was expected.  This is a great first step.</a:t>
             </a:r>
           </a:p>
         </p:txBody>
@@ -4570,6 +4576,97 @@
             <a:fld id="{4CD02862-8E0D-4E4F-946D-71113BB3C307}" type="slidenum">
               <a:rPr lang="en-US" smtClean="0"/>
               <a:t>20</a:t>
+            </a:fld>
+            <a:endParaRPr lang="en-US"/>
+          </a:p>
+        </p:txBody>
+      </p:sp>
+    </p:spTree>
+    <p:extLst>
+      <p:ext uri="{BB962C8B-B14F-4D97-AF65-F5344CB8AC3E}">
+        <p14:creationId xmlns:p14="http://schemas.microsoft.com/office/powerpoint/2010/main" val="2315031482"/>
+      </p:ext>
+    </p:extLst>
+  </p:cSld>
+  <p:clrMapOvr>
+    <a:masterClrMapping/>
+  </p:clrMapOvr>
+</p:notes>
+</file>
+
+<file path=ppt/notesSlides/notesSlide21.xml><?xml version="1.0" encoding="utf-8"?>
+<p:notes xmlns:a="http://schemas.openxmlformats.org/drawingml/2006/main" xmlns:r="http://schemas.openxmlformats.org/officeDocument/2006/relationships" xmlns:p="http://schemas.openxmlformats.org/presentationml/2006/main">
+  <p:cSld>
+    <p:spTree>
+      <p:nvGrpSpPr>
+        <p:cNvPr id="1" name=""/>
+        <p:cNvGrpSpPr/>
+        <p:nvPr/>
+      </p:nvGrpSpPr>
+      <p:grpSpPr>
+        <a:xfrm>
+          <a:off x="0" y="0"/>
+          <a:ext cx="0" cy="0"/>
+          <a:chOff x="0" y="0"/>
+          <a:chExt cx="0" cy="0"/>
+        </a:xfrm>
+      </p:grpSpPr>
+      <p:sp>
+        <p:nvSpPr>
+          <p:cNvPr id="2" name="Slide Image Placeholder 1"/>
+          <p:cNvSpPr>
+            <a:spLocks noGrp="1" noRot="1" noChangeAspect="1"/>
+          </p:cNvSpPr>
+          <p:nvPr>
+            <p:ph type="sldImg"/>
+          </p:nvPr>
+        </p:nvSpPr>
+        <p:spPr/>
+      </p:sp>
+      <p:sp>
+        <p:nvSpPr>
+          <p:cNvPr id="3" name="Notes Placeholder 2"/>
+          <p:cNvSpPr>
+            <a:spLocks noGrp="1"/>
+          </p:cNvSpPr>
+          <p:nvPr>
+            <p:ph type="body" idx="1"/>
+          </p:nvPr>
+        </p:nvSpPr>
+        <p:spPr/>
+        <p:txBody>
+          <a:bodyPr/>
+          <a:lstStyle/>
+          <a:p>
+            <a:r>
+              <a:rPr lang="en-US" dirty="0"/>
+              <a:t>We now have the tools to make predictions for fundamental numbers in natural gas.  This will make me better understand the market in front of me.  I can view storage as it sits today and where it would be if we follow prior years past, and I am most excited that we brought all our tools together for our final step.  The EIA number is a weekly test of our skills now and I’m excited to get the </a:t>
+            </a:r>
+            <a:r>
+              <a:rPr lang="en-US"/>
+              <a:t>number higher.</a:t>
+            </a:r>
+          </a:p>
+        </p:txBody>
+      </p:sp>
+      <p:sp>
+        <p:nvSpPr>
+          <p:cNvPr id="4" name="Slide Number Placeholder 3"/>
+          <p:cNvSpPr>
+            <a:spLocks noGrp="1"/>
+          </p:cNvSpPr>
+          <p:nvPr>
+            <p:ph type="sldNum" sz="quarter" idx="5"/>
+          </p:nvPr>
+        </p:nvSpPr>
+        <p:spPr/>
+        <p:txBody>
+          <a:bodyPr/>
+          <a:lstStyle/>
+          <a:p>
+            <a:fld id="{4CD02862-8E0D-4E4F-946D-71113BB3C307}" type="slidenum">
+              <a:rPr lang="en-US" smtClean="0"/>
+              <a:t>21</a:t>
             </a:fld>
             <a:endParaRPr lang="en-US"/>
           </a:p>
@@ -4634,17 +4731,13 @@
           <a:p>
             <a:r>
               <a:rPr lang="en-US" dirty="0"/>
-              <a:t>PATCH</a:t>
-            </a:r>
-          </a:p>
-          <a:p>
+              <a:t>We used the above </a:t>
+            </a:r>
+            <a:r>
+              <a:rPr lang="en-US"/>
+              <a:t>technology throughout.</a:t>
+            </a:r>
             <a:endParaRPr lang="en-US" dirty="0"/>
-          </a:p>
-          <a:p>
-            <a:r>
-              <a:rPr lang="en-US" dirty="0"/>
-              <a:t>We created a project in 3 steps so that we could slowly build up to a larger prediction, larger scale problem.  The first 2 steps were a bit more simple in their set up and execution, but still provide critical insights into natural gas trading. </a:t>
-            </a:r>
           </a:p>
         </p:txBody>
       </p:sp>
@@ -4674,7 +4767,7 @@
     </p:spTree>
     <p:extLst>
       <p:ext uri="{BB962C8B-B14F-4D97-AF65-F5344CB8AC3E}">
-        <p14:creationId xmlns:p14="http://schemas.microsoft.com/office/powerpoint/2010/main" val="2096890713"/>
+        <p14:creationId xmlns:p14="http://schemas.microsoft.com/office/powerpoint/2010/main" val="1116409688"/>
       </p:ext>
     </p:extLst>
   </p:cSld>
@@ -4730,7 +4823,7 @@
           <a:p>
             <a:r>
               <a:rPr lang="en-US" dirty="0"/>
-              <a:t>Patch</a:t>
+              <a:t>PATCH</a:t>
             </a:r>
           </a:p>
           <a:p>
@@ -4739,38 +4832,8 @@
           <a:p>
             <a:r>
               <a:rPr lang="en-US" dirty="0"/>
-              <a:t>There’s almost too much free info, but it’s never in the right form you want it, it’s never easily scraped, timeouts… </a:t>
-            </a:r>
-            <a:r>
-              <a:rPr lang="en-US" dirty="0" err="1"/>
-              <a:t>wha</a:t>
-            </a:r>
-            <a:r>
-              <a:rPr lang="en-US" dirty="0"/>
-              <a:t> </a:t>
-            </a:r>
-            <a:r>
-              <a:rPr lang="en-US" dirty="0" err="1"/>
-              <a:t>wha</a:t>
-            </a:r>
-            <a:r>
-              <a:rPr lang="en-US" dirty="0"/>
-              <a:t> </a:t>
-            </a:r>
-            <a:r>
-              <a:rPr lang="en-US" dirty="0" err="1"/>
-              <a:t>wha</a:t>
-            </a:r>
-            <a:r>
-              <a:rPr lang="en-US" dirty="0"/>
-              <a:t> complain</a:t>
-            </a:r>
-          </a:p>
-          <a:p>
-            <a:endParaRPr lang="en-US" dirty="0"/>
-          </a:p>
-          <a:p>
-            <a:endParaRPr lang="en-US" dirty="0"/>
+              <a:t>We created a project in 3 steps so that we could slowly build up to a larger prediction, larger scale problem.  The first 2 steps were a bit more simple in their set up and execution, but still provide critical insights into natural gas trading. </a:t>
+            </a:r>
           </a:p>
         </p:txBody>
       </p:sp>
@@ -4800,7 +4863,7 @@
     </p:spTree>
     <p:extLst>
       <p:ext uri="{BB962C8B-B14F-4D97-AF65-F5344CB8AC3E}">
-        <p14:creationId xmlns:p14="http://schemas.microsoft.com/office/powerpoint/2010/main" val="1749659531"/>
+        <p14:creationId xmlns:p14="http://schemas.microsoft.com/office/powerpoint/2010/main" val="2096890713"/>
       </p:ext>
     </p:extLst>
   </p:cSld>
@@ -4855,73 +4918,45 @@
           <a:lstStyle/>
           <a:p>
             <a:r>
-              <a:rPr lang="en-US" b="1" dirty="0"/>
+              <a:rPr lang="en-US" dirty="0"/>
               <a:t>Patch</a:t>
             </a:r>
           </a:p>
           <a:p>
-            <a:endParaRPr lang="en-US" b="1" dirty="0"/>
-          </a:p>
-          <a:p>
-            <a:r>
-              <a:rPr lang="en-US" b="1" dirty="0"/>
-              <a:t>Powerburn</a:t>
-            </a:r>
+            <a:endParaRPr lang="en-US" dirty="0"/>
+          </a:p>
+          <a:p>
             <a:r>
               <a:rPr lang="en-US" dirty="0"/>
-              <a:t> is natural gas burned for the purpose of electricity generation.  It is sometimes to referred to as a “spark spread” and spread just means the difference between to prices.  Natural gas is measured in dollars per </a:t>
+              <a:t>There’s almost too much free info, but it’s never in the right form you want it, it’s never easily scraped, timeouts… </a:t>
             </a:r>
             <a:r>
               <a:rPr lang="en-US" dirty="0" err="1"/>
-              <a:t>Dth</a:t>
+              <a:t>wha</a:t>
             </a:r>
             <a:r>
               <a:rPr lang="en-US" dirty="0"/>
-              <a:t> (Dekatherm), that is then converted into electricity which is priced in dollar per </a:t>
+              <a:t> </a:t>
             </a:r>
             <a:r>
               <a:rPr lang="en-US" dirty="0" err="1"/>
-              <a:t>MwH</a:t>
+              <a:t>wha</a:t>
             </a:r>
             <a:r>
               <a:rPr lang="en-US" dirty="0"/>
-              <a:t> (megawatt hour).  If gas is really cheap and electricity is really expensive people make money by turning that natural gas into power, however people who make power do have choices. </a:t>
+              <a:t> </a:t>
+            </a:r>
+            <a:r>
+              <a:rPr lang="en-US" dirty="0" err="1"/>
+              <a:t>wha</a:t>
+            </a:r>
+            <a:r>
+              <a:rPr lang="en-US" dirty="0"/>
+              <a:t> complain  I am going to introduce each problem then a member of the team will get into how it was solved.</a:t>
             </a:r>
           </a:p>
           <a:p>
             <a:endParaRPr lang="en-US" dirty="0"/>
-          </a:p>
-          <a:p>
-            <a:r>
-              <a:rPr lang="en-US" dirty="0"/>
-              <a:t>The chart above shows you all those choices… However Natural gas is about 30% and is based on price, Coal is about 15-20% and again based on price… the rest… some might say they are baseload. Meaning that they are always on when they are on.  Once you build a nuclear power plant you’re just the owner of a very expensive complicated tea pot, you’re just boiling water.  </a:t>
-            </a:r>
-          </a:p>
-          <a:p>
-            <a:endParaRPr lang="en-US" dirty="0"/>
-          </a:p>
-          <a:p>
-            <a:r>
-              <a:rPr lang="en-US" dirty="0"/>
-              <a:t>Anyways…..</a:t>
-            </a:r>
-          </a:p>
-          <a:p>
-            <a:endParaRPr lang="en-US" dirty="0"/>
-          </a:p>
-          <a:p>
-            <a:r>
-              <a:rPr lang="en-US" dirty="0"/>
-              <a:t>The hypothesis for this step of our project = “It is possible to predict </a:t>
-            </a:r>
-            <a:r>
-              <a:rPr lang="en-US" dirty="0" err="1"/>
-              <a:t>powerburn</a:t>
-            </a:r>
-            <a:r>
-              <a:rPr lang="en-US" dirty="0"/>
-              <a:t> as a function of input prices, temperature, and how much natural gas is being produced.”</a:t>
-            </a:r>
           </a:p>
           <a:p>
             <a:endParaRPr lang="en-US" dirty="0"/>
@@ -4957,7 +4992,7 @@
     </p:spTree>
     <p:extLst>
       <p:ext uri="{BB962C8B-B14F-4D97-AF65-F5344CB8AC3E}">
-        <p14:creationId xmlns:p14="http://schemas.microsoft.com/office/powerpoint/2010/main" val="1047666274"/>
+        <p14:creationId xmlns:p14="http://schemas.microsoft.com/office/powerpoint/2010/main" val="1749659531"/>
       </p:ext>
     </p:extLst>
   </p:cSld>
@@ -5012,8 +5047,37 @@
           <a:lstStyle/>
           <a:p>
             <a:r>
+              <a:rPr lang="en-US" b="1" dirty="0"/>
+              <a:t>Patch</a:t>
+            </a:r>
+          </a:p>
+          <a:p>
+            <a:endParaRPr lang="en-US" b="1" dirty="0"/>
+          </a:p>
+          <a:p>
+            <a:r>
+              <a:rPr lang="en-US" b="1" dirty="0"/>
+              <a:t>Powerburn</a:t>
+            </a:r>
+            <a:r>
               <a:rPr lang="en-US" dirty="0"/>
-              <a:t>DEREK</a:t>
+              <a:t> is natural gas burned for the purpose of electricity generation.  It is sometimes to referred to as a “spark spread” and spread just means the difference between to prices.  Natural gas is measured in dollars per </a:t>
+            </a:r>
+            <a:r>
+              <a:rPr lang="en-US" dirty="0" err="1"/>
+              <a:t>Dth</a:t>
+            </a:r>
+            <a:r>
+              <a:rPr lang="en-US" dirty="0"/>
+              <a:t> (Dekatherm), that is then converted into electricity which is priced in dollar per </a:t>
+            </a:r>
+            <a:r>
+              <a:rPr lang="en-US" dirty="0" err="1"/>
+              <a:t>MwH</a:t>
+            </a:r>
+            <a:r>
+              <a:rPr lang="en-US" dirty="0"/>
+              <a:t> (megawatt hour).  If gas is really cheap and electricity is really expensive people make money by turning that natural gas into power, however people who make power do have choices. </a:t>
             </a:r>
           </a:p>
           <a:p>
@@ -5022,7 +5086,7 @@
           <a:p>
             <a:r>
               <a:rPr lang="en-US" dirty="0"/>
-              <a:t>Our parameters from the EIA website are Production – how much natural gas is being produced in the country per month. </a:t>
+              <a:t>The chart above shows you all those choices… However Natural gas is about 30% and is based on price, Coal is about 15-20% and again based on price… the rest… some might say they are baseload. Meaning that they are always on when they are on.  Once you build a nuclear power plant you’re just the owner of a very expensive complicated tea pot, you’re just boiling water.  </a:t>
             </a:r>
           </a:p>
           <a:p>
@@ -5031,24 +5095,16 @@
           <a:p>
             <a:r>
               <a:rPr lang="en-US" dirty="0"/>
-              <a:t>We brought this variable in because production of natural gas has increased, its ease of use.  Electricity companies have moved more towards using an abundant </a:t>
-            </a:r>
-            <a:r>
-              <a:rPr lang="en-US" dirty="0" err="1"/>
-              <a:t>feedsource</a:t>
-            </a:r>
+              <a:t>Anyways…..</a:t>
+            </a:r>
+          </a:p>
+          <a:p>
+            <a:endParaRPr lang="en-US" dirty="0"/>
+          </a:p>
+          <a:p>
             <a:r>
               <a:rPr lang="en-US" dirty="0"/>
-              <a:t>.  In somewhat of a self fulfilling prophecy if you frack it they will burn it.  </a:t>
-            </a:r>
-          </a:p>
-          <a:p>
-            <a:endParaRPr lang="en-US" dirty="0"/>
-          </a:p>
-          <a:p>
-            <a:r>
-              <a:rPr lang="en-US" dirty="0"/>
-              <a:t>The </a:t>
+              <a:t>The hypothesis for this step of our project = “It is possible to predict </a:t>
             </a:r>
             <a:r>
               <a:rPr lang="en-US" dirty="0" err="1"/>
@@ -5056,8 +5112,14 @@
             </a:r>
             <a:r>
               <a:rPr lang="en-US" dirty="0"/>
-              <a:t> – the number we are trying to predict also comes from this data source</a:t>
-            </a:r>
+              <a:t> as a function of input prices, temperature, and how much natural gas is being produced.”</a:t>
+            </a:r>
+          </a:p>
+          <a:p>
+            <a:endParaRPr lang="en-US" dirty="0"/>
+          </a:p>
+          <a:p>
+            <a:endParaRPr lang="en-US" dirty="0"/>
           </a:p>
         </p:txBody>
       </p:sp>
@@ -5087,7 +5149,7 @@
     </p:spTree>
     <p:extLst>
       <p:ext uri="{BB962C8B-B14F-4D97-AF65-F5344CB8AC3E}">
-        <p14:creationId xmlns:p14="http://schemas.microsoft.com/office/powerpoint/2010/main" val="3879643838"/>
+        <p14:creationId xmlns:p14="http://schemas.microsoft.com/office/powerpoint/2010/main" val="1047666274"/>
       </p:ext>
     </p:extLst>
   </p:cSld>
@@ -5151,164 +5213,43 @@
           </a:p>
           <a:p>
             <a:r>
+              <a:rPr lang="en-US" dirty="0"/>
+              <a:t>Our parameters from the EIA website are Production – how much natural gas is being produced in the country per month. </a:t>
+            </a:r>
+          </a:p>
+          <a:p>
+            <a:endParaRPr lang="en-US" dirty="0"/>
+          </a:p>
+          <a:p>
+            <a:r>
+              <a:rPr lang="en-US" dirty="0"/>
+              <a:t>We brought this variable in because production of natural gas has increased, its ease of use.  Electricity companies have moved more towards using an abundant </a:t>
+            </a:r>
+            <a:r>
               <a:rPr lang="en-US" dirty="0" err="1"/>
-              <a:t>Quandl</a:t>
+              <a:t>feedsource</a:t>
             </a:r>
             <a:r>
               <a:rPr lang="en-US" dirty="0"/>
-              <a:t> is a public API … </a:t>
-            </a:r>
-            <a:r>
-              <a:rPr lang="en-US" sz="1200" b="0" i="0" kern="1200" dirty="0">
-                <a:solidFill>
-                  <a:schemeClr val="tx1"/>
-                </a:solidFill>
-                <a:effectLst/>
-                <a:latin typeface="+mn-lt"/>
-                <a:ea typeface="+mn-ea"/>
-                <a:cs typeface="+mn-cs"/>
-              </a:rPr>
-              <a:t>Designed for professionals, </a:t>
-            </a:r>
-            <a:r>
-              <a:rPr lang="en-US" sz="1200" b="0" i="0" kern="1200" dirty="0" err="1">
-                <a:solidFill>
-                  <a:schemeClr val="tx1"/>
-                </a:solidFill>
-                <a:effectLst/>
-                <a:latin typeface="+mn-lt"/>
-                <a:ea typeface="+mn-ea"/>
-                <a:cs typeface="+mn-cs"/>
-              </a:rPr>
-              <a:t>Quandl</a:t>
-            </a:r>
-            <a:r>
-              <a:rPr lang="en-US" sz="1200" b="0" i="0" kern="1200" dirty="0">
-                <a:solidFill>
-                  <a:schemeClr val="tx1"/>
-                </a:solidFill>
-                <a:effectLst/>
-                <a:latin typeface="+mn-lt"/>
-                <a:ea typeface="+mn-ea"/>
-                <a:cs typeface="+mn-cs"/>
-              </a:rPr>
-              <a:t> delivers </a:t>
-            </a:r>
-            <a:r>
-              <a:rPr lang="en-US" sz="1200" b="0" i="0" u="none" strike="noStrike" kern="1200" dirty="0">
-                <a:solidFill>
-                  <a:schemeClr val="tx1"/>
-                </a:solidFill>
-                <a:effectLst/>
-                <a:latin typeface="+mn-lt"/>
-                <a:ea typeface="+mn-ea"/>
-                <a:cs typeface="+mn-cs"/>
-                <a:hlinkClick r:id="rId3"/>
-              </a:rPr>
-              <a:t>financial, economic</a:t>
-            </a:r>
-            <a:r>
-              <a:rPr lang="en-US" sz="1200" b="0" i="0" kern="1200" dirty="0">
-                <a:solidFill>
-                  <a:schemeClr val="tx1"/>
-                </a:solidFill>
-                <a:effectLst/>
-                <a:latin typeface="+mn-lt"/>
-                <a:ea typeface="+mn-ea"/>
-                <a:cs typeface="+mn-cs"/>
-              </a:rPr>
-              <a:t> and </a:t>
-            </a:r>
-            <a:r>
-              <a:rPr lang="en-US" sz="1200" b="0" i="0" u="none" strike="noStrike" kern="1200" dirty="0">
-                <a:solidFill>
-                  <a:schemeClr val="tx1"/>
-                </a:solidFill>
-                <a:effectLst/>
-                <a:latin typeface="+mn-lt"/>
-                <a:ea typeface="+mn-ea"/>
-                <a:cs typeface="+mn-cs"/>
-                <a:hlinkClick r:id="rId4"/>
-              </a:rPr>
-              <a:t>alternative data</a:t>
-            </a:r>
-            <a:r>
-              <a:rPr lang="en-US" sz="1200" b="0" i="0" kern="1200" dirty="0">
-                <a:solidFill>
-                  <a:schemeClr val="tx1"/>
-                </a:solidFill>
-                <a:effectLst/>
-                <a:latin typeface="+mn-lt"/>
-                <a:ea typeface="+mn-ea"/>
-                <a:cs typeface="+mn-cs"/>
-              </a:rPr>
-              <a:t> to over 400,000 people worldwide.</a:t>
-            </a:r>
-          </a:p>
-          <a:p>
-            <a:endParaRPr lang="en-US" sz="1200" b="0" i="0" kern="1200" dirty="0">
-              <a:solidFill>
-                <a:schemeClr val="tx1"/>
-              </a:solidFill>
-              <a:effectLst/>
-              <a:latin typeface="+mn-lt"/>
-              <a:ea typeface="+mn-ea"/>
-              <a:cs typeface="+mn-cs"/>
-            </a:endParaRPr>
-          </a:p>
-          <a:p>
-            <a:r>
-              <a:rPr lang="en-US" sz="1200" b="0" i="0" kern="1200" dirty="0">
-                <a:solidFill>
-                  <a:schemeClr val="tx1"/>
-                </a:solidFill>
-                <a:effectLst/>
-                <a:latin typeface="+mn-lt"/>
-                <a:ea typeface="+mn-ea"/>
-                <a:cs typeface="+mn-cs"/>
-              </a:rPr>
-              <a:t>We used it to pull in pricing data for coal and natural gas. </a:t>
-            </a:r>
-          </a:p>
-          <a:p>
-            <a:r>
-              <a:rPr lang="en-US" sz="1200" b="0" i="0" kern="1200" dirty="0">
-                <a:solidFill>
-                  <a:schemeClr val="tx1"/>
-                </a:solidFill>
-                <a:effectLst/>
-                <a:latin typeface="+mn-lt"/>
-                <a:ea typeface="+mn-ea"/>
-                <a:cs typeface="+mn-cs"/>
-              </a:rPr>
-              <a:t>The coal prices are for the 4 major trading hubs of coal in the united states.  These prices are collected weekly.  They are measured in dollars per short ton.  The final column on the right is the natural gas settlement, this we took a 7 day average to match up w/ the coal price.</a:t>
-            </a:r>
-          </a:p>
-          <a:p>
-            <a:endParaRPr lang="en-US" sz="1200" b="0" i="0" kern="1200" dirty="0">
-              <a:solidFill>
-                <a:schemeClr val="tx1"/>
-              </a:solidFill>
-              <a:effectLst/>
-              <a:latin typeface="+mn-lt"/>
-              <a:ea typeface="+mn-ea"/>
-              <a:cs typeface="+mn-cs"/>
-            </a:endParaRPr>
-          </a:p>
-          <a:p>
-            <a:r>
-              <a:rPr lang="en-US" sz="1200" b="0" i="0" kern="1200" dirty="0">
-                <a:solidFill>
-                  <a:schemeClr val="tx1"/>
-                </a:solidFill>
-                <a:effectLst/>
-                <a:latin typeface="+mn-lt"/>
-                <a:ea typeface="+mn-ea"/>
-                <a:cs typeface="+mn-cs"/>
-              </a:rPr>
-              <a:t>The Natural gas settlement is for gas located in Louisiana, but it is used as the “home base” that many other natural gas hubs trade vs.</a:t>
-            </a:r>
+              <a:t>.  In somewhat of a self fulfilling prophecy if you frack it they will burn it.  </a:t>
+            </a:r>
+          </a:p>
+          <a:p>
             <a:endParaRPr lang="en-US" dirty="0"/>
+          </a:p>
+          <a:p>
+            <a:r>
+              <a:rPr lang="en-US" dirty="0"/>
+              <a:t>The </a:t>
+            </a:r>
+            <a:r>
+              <a:rPr lang="en-US" dirty="0" err="1"/>
+              <a:t>powerburn</a:t>
+            </a:r>
+            <a:r>
+              <a:rPr lang="en-US" dirty="0"/>
+              <a:t> – the number we are trying to predict also comes from this data source</a:t>
+            </a:r>
           </a:p>
         </p:txBody>
       </p:sp>
@@ -5338,7 +5279,7 @@
     </p:spTree>
     <p:extLst>
       <p:ext uri="{BB962C8B-B14F-4D97-AF65-F5344CB8AC3E}">
-        <p14:creationId xmlns:p14="http://schemas.microsoft.com/office/powerpoint/2010/main" val="2200198139"/>
+        <p14:creationId xmlns:p14="http://schemas.microsoft.com/office/powerpoint/2010/main" val="3879643838"/>
       </p:ext>
     </p:extLst>
   </p:cSld>
@@ -5401,39 +5342,165 @@
             <a:endParaRPr lang="en-US" dirty="0"/>
           </a:p>
           <a:p>
+            <a:r>
+              <a:rPr lang="en-US" dirty="0" err="1"/>
+              <a:t>Quandl</a:t>
+            </a:r>
+            <a:r>
+              <a:rPr lang="en-US" dirty="0"/>
+              <a:t> is a public API … </a:t>
+            </a:r>
+            <a:r>
+              <a:rPr lang="en-US" sz="1200" b="0" i="0" kern="1200" dirty="0">
+                <a:solidFill>
+                  <a:schemeClr val="tx1"/>
+                </a:solidFill>
+                <a:effectLst/>
+                <a:latin typeface="+mn-lt"/>
+                <a:ea typeface="+mn-ea"/>
+                <a:cs typeface="+mn-cs"/>
+              </a:rPr>
+              <a:t>Designed for professionals, </a:t>
+            </a:r>
+            <a:r>
+              <a:rPr lang="en-US" sz="1200" b="0" i="0" kern="1200" dirty="0" err="1">
+                <a:solidFill>
+                  <a:schemeClr val="tx1"/>
+                </a:solidFill>
+                <a:effectLst/>
+                <a:latin typeface="+mn-lt"/>
+                <a:ea typeface="+mn-ea"/>
+                <a:cs typeface="+mn-cs"/>
+              </a:rPr>
+              <a:t>Quandl</a:t>
+            </a:r>
+            <a:r>
+              <a:rPr lang="en-US" sz="1200" b="0" i="0" kern="1200" dirty="0">
+                <a:solidFill>
+                  <a:schemeClr val="tx1"/>
+                </a:solidFill>
+                <a:effectLst/>
+                <a:latin typeface="+mn-lt"/>
+                <a:ea typeface="+mn-ea"/>
+                <a:cs typeface="+mn-cs"/>
+              </a:rPr>
+              <a:t> delivers </a:t>
+            </a:r>
+            <a:r>
+              <a:rPr lang="en-US" sz="1200" b="0" i="0" u="none" strike="noStrike" kern="1200" dirty="0">
+                <a:solidFill>
+                  <a:schemeClr val="tx1"/>
+                </a:solidFill>
+                <a:effectLst/>
+                <a:latin typeface="+mn-lt"/>
+                <a:ea typeface="+mn-ea"/>
+                <a:cs typeface="+mn-cs"/>
+                <a:hlinkClick r:id="rId3"/>
+              </a:rPr>
+              <a:t>financial, economic</a:t>
+            </a:r>
+            <a:r>
+              <a:rPr lang="en-US" sz="1200" b="0" i="0" kern="1200" dirty="0">
+                <a:solidFill>
+                  <a:schemeClr val="tx1"/>
+                </a:solidFill>
+                <a:effectLst/>
+                <a:latin typeface="+mn-lt"/>
+                <a:ea typeface="+mn-ea"/>
+                <a:cs typeface="+mn-cs"/>
+              </a:rPr>
+              <a:t> and </a:t>
+            </a:r>
+            <a:r>
+              <a:rPr lang="en-US" sz="1200" b="0" i="0" u="none" strike="noStrike" kern="1200" dirty="0">
+                <a:solidFill>
+                  <a:schemeClr val="tx1"/>
+                </a:solidFill>
+                <a:effectLst/>
+                <a:latin typeface="+mn-lt"/>
+                <a:ea typeface="+mn-ea"/>
+                <a:cs typeface="+mn-cs"/>
+                <a:hlinkClick r:id="rId4"/>
+              </a:rPr>
+              <a:t>alternative data</a:t>
+            </a:r>
+            <a:r>
+              <a:rPr lang="en-US" sz="1200" b="0" i="0" kern="1200" dirty="0">
+                <a:solidFill>
+                  <a:schemeClr val="tx1"/>
+                </a:solidFill>
+                <a:effectLst/>
+                <a:latin typeface="+mn-lt"/>
+                <a:ea typeface="+mn-ea"/>
+                <a:cs typeface="+mn-cs"/>
+              </a:rPr>
+              <a:t> to over 400,000 people worldwide.</a:t>
+            </a:r>
+          </a:p>
+          <a:p>
+            <a:endParaRPr lang="en-US" sz="1200" b="0" i="0" kern="1200" dirty="0">
+              <a:solidFill>
+                <a:schemeClr val="tx1"/>
+              </a:solidFill>
+              <a:effectLst/>
+              <a:latin typeface="+mn-lt"/>
+              <a:ea typeface="+mn-ea"/>
+              <a:cs typeface="+mn-cs"/>
+            </a:endParaRPr>
+          </a:p>
+          <a:p>
+            <a:r>
+              <a:rPr lang="en-US" sz="1200" b="0" i="0" kern="1200" dirty="0">
+                <a:solidFill>
+                  <a:schemeClr val="tx1"/>
+                </a:solidFill>
+                <a:effectLst/>
+                <a:latin typeface="+mn-lt"/>
+                <a:ea typeface="+mn-ea"/>
+                <a:cs typeface="+mn-cs"/>
+              </a:rPr>
+              <a:t>We used it to pull in pricing data for coal and natural gas. </a:t>
+            </a:r>
+          </a:p>
+          <a:p>
+            <a:r>
+              <a:rPr lang="en-US" sz="1200" b="0" i="0" kern="1200" dirty="0">
+                <a:solidFill>
+                  <a:schemeClr val="tx1"/>
+                </a:solidFill>
+                <a:effectLst/>
+                <a:latin typeface="+mn-lt"/>
+                <a:ea typeface="+mn-ea"/>
+                <a:cs typeface="+mn-cs"/>
+              </a:rPr>
+              <a:t>The coal prices are for the 4 major trading hubs of coal in the united states.  These prices are collected weekly.  They are measured in dollars per short ton.  The final column on the right is the natural gas settlement, this we took a 7 day average to match up w/ the coal price.</a:t>
+            </a:r>
+          </a:p>
+          <a:p>
+            <a:endParaRPr lang="en-US" sz="1200" b="0" i="0" kern="1200" dirty="0">
+              <a:solidFill>
+                <a:schemeClr val="tx1"/>
+              </a:solidFill>
+              <a:effectLst/>
+              <a:latin typeface="+mn-lt"/>
+              <a:ea typeface="+mn-ea"/>
+              <a:cs typeface="+mn-cs"/>
+            </a:endParaRPr>
+          </a:p>
+          <a:p>
+            <a:r>
+              <a:rPr lang="en-US" sz="1200" b="0" i="0" kern="1200" dirty="0">
+                <a:solidFill>
+                  <a:schemeClr val="tx1"/>
+                </a:solidFill>
+                <a:effectLst/>
+                <a:latin typeface="+mn-lt"/>
+                <a:ea typeface="+mn-ea"/>
+                <a:cs typeface="+mn-cs"/>
+              </a:rPr>
+              <a:t>The Natural gas settlement is for gas located in Louisiana, but it is used as the “home base” that many other natural gas hubs trade vs.</a:t>
+            </a:r>
             <a:endParaRPr lang="en-US" dirty="0"/>
-          </a:p>
-          <a:p>
-            <a:r>
-              <a:rPr lang="en-US" dirty="0"/>
-              <a:t>So we brought that info in and unfortunately only scored about 30% on testing.  I was a little bummed out by this number.  NG </a:t>
-            </a:r>
-            <a:r>
-              <a:rPr lang="en-US" dirty="0" err="1"/>
-              <a:t>powerburn</a:t>
-            </a:r>
-            <a:r>
-              <a:rPr lang="en-US" dirty="0"/>
-              <a:t> should go up when NG prices go down relative to the pricing of coal.  It should also go up just because there’s more NG today than there was a few months ago…. But it wasn’t enough.</a:t>
-            </a:r>
-          </a:p>
-          <a:p>
-            <a:endParaRPr lang="en-US" dirty="0"/>
-          </a:p>
-          <a:p>
-            <a:r>
-              <a:rPr lang="en-US" dirty="0"/>
-              <a:t>The thought to add temperature as another variable makes sense, as temperatures warm up the need for electricity increases, it might be a more powerful pull on demand than just price.  When it gets hot more electricity is produced to turn on AC and while it does come down to price not all of that demand can be explained by just price…..</a:t>
-            </a:r>
-          </a:p>
-          <a:p>
-            <a:endParaRPr lang="en-US" dirty="0"/>
-          </a:p>
-          <a:p>
-            <a:r>
-              <a:rPr lang="en-US" dirty="0"/>
-              <a:t>Anyways… we added temperature, this was the CONUS average temperature for the month.</a:t>
-            </a:r>
           </a:p>
         </p:txBody>
       </p:sp>
@@ -5463,7 +5530,7 @@
     </p:spTree>
     <p:extLst>
       <p:ext uri="{BB962C8B-B14F-4D97-AF65-F5344CB8AC3E}">
-        <p14:creationId xmlns:p14="http://schemas.microsoft.com/office/powerpoint/2010/main" val="1527693528"/>
+        <p14:creationId xmlns:p14="http://schemas.microsoft.com/office/powerpoint/2010/main" val="2200198139"/>
       </p:ext>
     </p:extLst>
   </p:cSld>
@@ -5526,9 +5593,38 @@
             <a:endParaRPr lang="en-US" dirty="0"/>
           </a:p>
           <a:p>
+            <a:endParaRPr lang="en-US" dirty="0"/>
+          </a:p>
+          <a:p>
             <a:r>
               <a:rPr lang="en-US" dirty="0"/>
-              <a:t>With our data now collated it’s time to predict!</a:t>
+              <a:t>So we brought that info in and unfortunately only scored about 30% on testing.  I was a little bummed out by this number.  NG </a:t>
+            </a:r>
+            <a:r>
+              <a:rPr lang="en-US" dirty="0" err="1"/>
+              <a:t>powerburn</a:t>
+            </a:r>
+            <a:r>
+              <a:rPr lang="en-US" dirty="0"/>
+              <a:t> should go up when NG prices go down relative to the pricing of coal.  It should also go up just because there’s more NG today than there was a few months ago…. But it wasn’t enough.</a:t>
+            </a:r>
+          </a:p>
+          <a:p>
+            <a:endParaRPr lang="en-US" dirty="0"/>
+          </a:p>
+          <a:p>
+            <a:r>
+              <a:rPr lang="en-US" dirty="0"/>
+              <a:t>The thought to add temperature as another variable makes sense, as temperatures warm up the need for electricity increases, it might be a more powerful pull on demand than just price.  When it gets hot more electricity is produced to turn on AC and while it does come down to price not all of that demand can be explained by just price…..</a:t>
+            </a:r>
+          </a:p>
+          <a:p>
+            <a:endParaRPr lang="en-US" dirty="0"/>
+          </a:p>
+          <a:p>
+            <a:r>
+              <a:rPr lang="en-US" dirty="0"/>
+              <a:t>Anyways… we added temperature, this was the CONUS average temperature for the month.</a:t>
             </a:r>
           </a:p>
         </p:txBody>
@@ -5559,7 +5655,7 @@
     </p:spTree>
     <p:extLst>
       <p:ext uri="{BB962C8B-B14F-4D97-AF65-F5344CB8AC3E}">
-        <p14:creationId xmlns:p14="http://schemas.microsoft.com/office/powerpoint/2010/main" val="2287007251"/>
+        <p14:creationId xmlns:p14="http://schemas.microsoft.com/office/powerpoint/2010/main" val="1527693528"/>
       </p:ext>
     </p:extLst>
   </p:cSld>
@@ -5700,7 +5796,7 @@
           <a:p>
             <a:fld id="{8A262FCB-144E-4C2C-9C33-C30271442828}" type="datetime1">
               <a:rPr lang="en-US" smtClean="0"/>
-              <a:t>10/14/2020</a:t>
+              <a:t>10/15/2020</a:t>
             </a:fld>
             <a:endParaRPr lang="en-US"/>
           </a:p>
@@ -5870,7 +5966,7 @@
           <a:p>
             <a:fld id="{9F74C140-DF75-4380-9C8E-9992C6E46E80}" type="datetime1">
               <a:rPr lang="en-US" smtClean="0"/>
-              <a:t>10/14/2020</a:t>
+              <a:t>10/15/2020</a:t>
             </a:fld>
             <a:endParaRPr lang="en-US"/>
           </a:p>
@@ -6050,7 +6146,7 @@
           <a:p>
             <a:fld id="{88AEB25D-18AF-49A6-AD83-E3B83664264C}" type="datetime1">
               <a:rPr lang="en-US" smtClean="0"/>
-              <a:t>10/14/2020</a:t>
+              <a:t>10/15/2020</a:t>
             </a:fld>
             <a:endParaRPr lang="en-US"/>
           </a:p>
@@ -6220,7 +6316,7 @@
           <a:p>
             <a:fld id="{4D175C0F-C00D-4E38-946D-38F662D7F390}" type="datetime1">
               <a:rPr lang="en-US" smtClean="0"/>
-              <a:t>10/14/2020</a:t>
+              <a:t>10/15/2020</a:t>
             </a:fld>
             <a:endParaRPr lang="en-US"/>
           </a:p>
@@ -6464,7 +6560,7 @@
           <a:p>
             <a:fld id="{E9CB9244-CD47-4B16-B9A6-FB990AC52DF2}" type="datetime1">
               <a:rPr lang="en-US" smtClean="0"/>
-              <a:t>10/14/2020</a:t>
+              <a:t>10/15/2020</a:t>
             </a:fld>
             <a:endParaRPr lang="en-US"/>
           </a:p>
@@ -6696,7 +6792,7 @@
           <a:p>
             <a:fld id="{1DDD4856-0109-481C-B401-2ECB925347D6}" type="datetime1">
               <a:rPr lang="en-US" smtClean="0"/>
-              <a:t>10/14/2020</a:t>
+              <a:t>10/15/2020</a:t>
             </a:fld>
             <a:endParaRPr lang="en-US"/>
           </a:p>
@@ -7063,7 +7159,7 @@
           <a:p>
             <a:fld id="{0806CE70-0FBB-4DF0-802B-91AC1C6D1A4F}" type="datetime1">
               <a:rPr lang="en-US" smtClean="0"/>
-              <a:t>10/14/2020</a:t>
+              <a:t>10/15/2020</a:t>
             </a:fld>
             <a:endParaRPr lang="en-US"/>
           </a:p>
@@ -7181,7 +7277,7 @@
           <a:p>
             <a:fld id="{5F2B8F73-210B-4A22-833A-5580414E4C46}" type="datetime1">
               <a:rPr lang="en-US" smtClean="0"/>
-              <a:t>10/14/2020</a:t>
+              <a:t>10/15/2020</a:t>
             </a:fld>
             <a:endParaRPr lang="en-US"/>
           </a:p>
@@ -7276,7 +7372,7 @@
           <a:p>
             <a:fld id="{62F35924-FA68-4CB0-9782-47F7D0BC7BDD}" type="datetime1">
               <a:rPr lang="en-US" smtClean="0"/>
-              <a:t>10/14/2020</a:t>
+              <a:t>10/15/2020</a:t>
             </a:fld>
             <a:endParaRPr lang="en-US"/>
           </a:p>
@@ -7553,7 +7649,7 @@
           <a:p>
             <a:fld id="{8955C806-5CDF-467F-B76D-B14EFF38065E}" type="datetime1">
               <a:rPr lang="en-US" smtClean="0"/>
-              <a:t>10/14/2020</a:t>
+              <a:t>10/15/2020</a:t>
             </a:fld>
             <a:endParaRPr lang="en-US"/>
           </a:p>
@@ -7810,7 +7906,7 @@
           <a:p>
             <a:fld id="{68C70507-B710-41E9-850F-3E50D7BCBEF7}" type="datetime1">
               <a:rPr lang="en-US" smtClean="0"/>
-              <a:t>10/14/2020</a:t>
+              <a:t>10/15/2020</a:t>
             </a:fld>
             <a:endParaRPr lang="en-US"/>
           </a:p>
@@ -8023,7 +8119,7 @@
           <a:p>
             <a:fld id="{9107C2AB-5ABD-457B-B3E5-8FC105D7C963}" type="datetime1">
               <a:rPr lang="en-US" smtClean="0"/>
-              <a:t>10/14/2020</a:t>
+              <a:t>10/15/2020</a:t>
             </a:fld>
             <a:endParaRPr lang="en-US"/>
           </a:p>
@@ -8617,52 +8713,12 @@
           <a:chExt cx="0" cy="0"/>
         </a:xfrm>
       </p:grpSpPr>
-      <p:sp>
-        <p:nvSpPr>
-          <p:cNvPr id="2" name="Title 1">
-            <a:extLst>
-              <a:ext uri="{FF2B5EF4-FFF2-40B4-BE49-F238E27FC236}">
-                <a16:creationId xmlns:a16="http://schemas.microsoft.com/office/drawing/2014/main" id="{A8E5541F-7BFA-479C-B8B4-DDE116914320}"/>
-              </a:ext>
-            </a:extLst>
-          </p:cNvPr>
-          <p:cNvSpPr>
-            <a:spLocks noGrp="1"/>
-          </p:cNvSpPr>
-          <p:nvPr>
-            <p:ph type="title"/>
-          </p:nvPr>
-        </p:nvSpPr>
-        <p:spPr>
-          <a:xfrm>
-            <a:off x="522632" y="58022"/>
-            <a:ext cx="7886700" cy="705648"/>
-          </a:xfrm>
-        </p:spPr>
-        <p:txBody>
-          <a:bodyPr>
-            <a:normAutofit/>
-          </a:bodyPr>
-          <a:lstStyle/>
-          <a:p>
-            <a:r>
-              <a:rPr lang="en-US" sz="3200" dirty="0">
-                <a:latin typeface="Microsoft Sans Serif" panose="020B0604020202020204" pitchFamily="34" charset="0"/>
-                <a:ea typeface="Microsoft Sans Serif" panose="020B0604020202020204" pitchFamily="34" charset="0"/>
-                <a:cs typeface="Microsoft Sans Serif" panose="020B0604020202020204" pitchFamily="34" charset="0"/>
-              </a:rPr>
-              <a:t>Prediction</a:t>
-            </a:r>
-            <a:endParaRPr lang="en-US" sz="3200" dirty="0"/>
-          </a:p>
-        </p:txBody>
-      </p:sp>
       <p:pic>
         <p:nvPicPr>
-          <p:cNvPr id="5" name="Picture 4">
+          <p:cNvPr id="4" name="Picture 3">
             <a:extLst>
               <a:ext uri="{FF2B5EF4-FFF2-40B4-BE49-F238E27FC236}">
-                <a16:creationId xmlns:a16="http://schemas.microsoft.com/office/drawing/2014/main" id="{F112826D-8205-4543-9CA7-8C18E18B2A81}"/>
+                <a16:creationId xmlns:a16="http://schemas.microsoft.com/office/drawing/2014/main" id="{449380A0-F828-40F6-ABA0-CB684060C995}"/>
               </a:ext>
             </a:extLst>
           </p:cNvPr>
@@ -8679,8 +8735,8 @@
         </p:blipFill>
         <p:spPr>
           <a:xfrm>
-            <a:off x="0" y="6276894"/>
-            <a:ext cx="1991003" cy="581106"/>
+            <a:off x="0" y="266843"/>
+            <a:ext cx="9143999" cy="6324314"/>
           </a:xfrm>
           <a:prstGeom prst="rect">
             <a:avLst/>
@@ -8689,28 +8745,110 @@
       </p:pic>
       <p:sp>
         <p:nvSpPr>
-          <p:cNvPr id="8" name="Rectangle 7">
+          <p:cNvPr id="6" name="TextBox 5">
             <a:extLst>
               <a:ext uri="{FF2B5EF4-FFF2-40B4-BE49-F238E27FC236}">
-                <a16:creationId xmlns:a16="http://schemas.microsoft.com/office/drawing/2014/main" id="{7819BA35-EE0F-4ABB-BEBA-21534EB9317F}"/>
+                <a16:creationId xmlns:a16="http://schemas.microsoft.com/office/drawing/2014/main" id="{450BAF91-4632-4A48-A0BC-20AB5D0D29E5}"/>
               </a:ext>
             </a:extLst>
           </p:cNvPr>
-          <p:cNvSpPr/>
+          <p:cNvSpPr txBox="1"/>
           <p:nvPr/>
         </p:nvSpPr>
         <p:spPr>
           <a:xfrm>
-            <a:off x="522632" y="6276894"/>
-            <a:ext cx="7992717" cy="45719"/>
+            <a:off x="543339" y="4258222"/>
+            <a:ext cx="5380383" cy="1754326"/>
           </a:xfrm>
           <a:prstGeom prst="rect">
             <a:avLst/>
           </a:prstGeom>
           <a:solidFill>
-            <a:srgbClr val="E51836"/>
+            <a:schemeClr val="bg1"/>
           </a:solidFill>
-          <a:ln>
+        </p:spPr>
+        <p:txBody>
+          <a:bodyPr wrap="square" rtlCol="0" anchor="ctr">
+            <a:spAutoFit/>
+          </a:bodyPr>
+          <a:lstStyle/>
+          <a:p>
+            <a:endParaRPr lang="en-US" sz="3600" dirty="0">
+              <a:latin typeface="Microsoft Sans Serif" panose="020B0604020202020204" pitchFamily="34" charset="0"/>
+              <a:ea typeface="Microsoft Sans Serif" panose="020B0604020202020204" pitchFamily="34" charset="0"/>
+              <a:cs typeface="Microsoft Sans Serif" panose="020B0604020202020204" pitchFamily="34" charset="0"/>
+            </a:endParaRPr>
+          </a:p>
+          <a:p>
+            <a:r>
+              <a:rPr lang="en-US" sz="3600" dirty="0">
+                <a:latin typeface="Microsoft Sans Serif" panose="020B0604020202020204" pitchFamily="34" charset="0"/>
+                <a:ea typeface="Microsoft Sans Serif" panose="020B0604020202020204" pitchFamily="34" charset="0"/>
+                <a:cs typeface="Microsoft Sans Serif" panose="020B0604020202020204" pitchFamily="34" charset="0"/>
+              </a:rPr>
+              <a:t> 2. Prediction</a:t>
+            </a:r>
+          </a:p>
+          <a:p>
+            <a:endParaRPr lang="en-US" sz="3600" dirty="0">
+              <a:latin typeface="Microsoft Sans Serif" panose="020B0604020202020204" pitchFamily="34" charset="0"/>
+              <a:ea typeface="Microsoft Sans Serif" panose="020B0604020202020204" pitchFamily="34" charset="0"/>
+              <a:cs typeface="Microsoft Sans Serif" panose="020B0604020202020204" pitchFamily="34" charset="0"/>
+            </a:endParaRPr>
+          </a:p>
+        </p:txBody>
+      </p:sp>
+      <p:sp>
+        <p:nvSpPr>
+          <p:cNvPr id="2" name="Slide Number Placeholder 1">
+            <a:extLst>
+              <a:ext uri="{FF2B5EF4-FFF2-40B4-BE49-F238E27FC236}">
+                <a16:creationId xmlns:a16="http://schemas.microsoft.com/office/drawing/2014/main" id="{0C20A05A-1E61-419B-8225-50C27E807A0F}"/>
+              </a:ext>
+            </a:extLst>
+          </p:cNvPr>
+          <p:cNvSpPr>
+            <a:spLocks noGrp="1"/>
+          </p:cNvSpPr>
+          <p:nvPr>
+            <p:ph type="sldNum" sz="quarter" idx="12"/>
+          </p:nvPr>
+        </p:nvSpPr>
+        <p:spPr/>
+        <p:txBody>
+          <a:bodyPr/>
+          <a:lstStyle/>
+          <a:p>
+            <a:fld id="{2BD03CB1-4DB3-405C-876B-B27AD0EBE084}" type="slidenum">
+              <a:rPr lang="en-US" smtClean="0"/>
+              <a:t>10</a:t>
+            </a:fld>
+            <a:endParaRPr lang="en-US"/>
+          </a:p>
+        </p:txBody>
+      </p:sp>
+      <p:sp>
+        <p:nvSpPr>
+          <p:cNvPr id="3" name="Rectangle 2">
+            <a:extLst>
+              <a:ext uri="{FF2B5EF4-FFF2-40B4-BE49-F238E27FC236}">
+                <a16:creationId xmlns:a16="http://schemas.microsoft.com/office/drawing/2014/main" id="{B58459CE-3466-455A-8FD5-9D14FA580553}"/>
+              </a:ext>
+            </a:extLst>
+          </p:cNvPr>
+          <p:cNvSpPr/>
+          <p:nvPr/>
+        </p:nvSpPr>
+        <p:spPr>
+          <a:xfrm>
+            <a:off x="649357" y="4850296"/>
+            <a:ext cx="543339" cy="556591"/>
+          </a:xfrm>
+          <a:prstGeom prst="rect">
+            <a:avLst/>
+          </a:prstGeom>
+          <a:noFill/>
+          <a:ln w="57150">
             <a:solidFill>
               <a:srgbClr val="E51836"/>
             </a:solidFill>
@@ -8741,226 +8879,62 @@
           </a:p>
         </p:txBody>
       </p:sp>
-      <p:cxnSp>
-        <p:nvCxnSpPr>
-          <p:cNvPr id="10" name="Straight Connector 9">
+      <p:sp>
+        <p:nvSpPr>
+          <p:cNvPr id="7" name="Rectangle 6">
             <a:extLst>
               <a:ext uri="{FF2B5EF4-FFF2-40B4-BE49-F238E27FC236}">
-                <a16:creationId xmlns:a16="http://schemas.microsoft.com/office/drawing/2014/main" id="{2A2D717B-FED3-4573-B2FE-57087D39430D}"/>
+                <a16:creationId xmlns:a16="http://schemas.microsoft.com/office/drawing/2014/main" id="{CE672193-1A1B-4AF5-A2D5-06BD5A09B613}"/>
               </a:ext>
             </a:extLst>
           </p:cNvPr>
-          <p:cNvCxnSpPr/>
+          <p:cNvSpPr/>
           <p:nvPr/>
-        </p:nvCxnSpPr>
+        </p:nvSpPr>
         <p:spPr>
           <a:xfrm>
-            <a:off x="522632" y="763670"/>
-            <a:ext cx="7992717" cy="0"/>
-          </a:xfrm>
-          <a:prstGeom prst="line">
+            <a:off x="649356" y="4572000"/>
+            <a:ext cx="4863548" cy="1166191"/>
+          </a:xfrm>
+          <a:prstGeom prst="rect">
             <a:avLst/>
           </a:prstGeom>
-          <a:ln>
+          <a:noFill/>
+          <a:ln w="57150">
             <a:solidFill>
               <a:srgbClr val="E51836"/>
             </a:solidFill>
           </a:ln>
         </p:spPr>
         <p:style>
-          <a:lnRef idx="1">
-            <a:schemeClr val="accent1"/>
+          <a:lnRef idx="2">
+            <a:schemeClr val="accent1">
+              <a:shade val="50000"/>
+            </a:schemeClr>
           </a:lnRef>
-          <a:fillRef idx="0">
+          <a:fillRef idx="1">
             <a:schemeClr val="accent1"/>
           </a:fillRef>
           <a:effectRef idx="0">
             <a:schemeClr val="accent1"/>
           </a:effectRef>
           <a:fontRef idx="minor">
-            <a:schemeClr val="tx1"/>
+            <a:schemeClr val="lt1"/>
           </a:fontRef>
         </p:style>
-      </p:cxnSp>
-      <p:sp>
-        <p:nvSpPr>
-          <p:cNvPr id="11" name="Slide Number Placeholder 10">
-            <a:extLst>
-              <a:ext uri="{FF2B5EF4-FFF2-40B4-BE49-F238E27FC236}">
-                <a16:creationId xmlns:a16="http://schemas.microsoft.com/office/drawing/2014/main" id="{3638B894-F5CB-41EC-A4AE-32E1D6A3E77D}"/>
-              </a:ext>
-            </a:extLst>
-          </p:cNvPr>
-          <p:cNvSpPr>
-            <a:spLocks noGrp="1"/>
-          </p:cNvSpPr>
-          <p:nvPr>
-            <p:ph type="sldNum" sz="quarter" idx="12"/>
-          </p:nvPr>
-        </p:nvSpPr>
-        <p:spPr/>
-        <p:txBody>
-          <a:bodyPr/>
-          <a:lstStyle/>
-          <a:p>
-            <a:fld id="{2BD03CB1-4DB3-405C-876B-B27AD0EBE084}" type="slidenum">
-              <a:rPr lang="en-US" smtClean="0"/>
-              <a:t>10</a:t>
-            </a:fld>
+        <p:txBody>
+          <a:bodyPr rtlCol="0" anchor="ctr"/>
+          <a:lstStyle/>
+          <a:p>
+            <a:pPr algn="ctr"/>
             <a:endParaRPr lang="en-US"/>
           </a:p>
         </p:txBody>
       </p:sp>
-      <p:sp>
-        <p:nvSpPr>
-          <p:cNvPr id="3" name="TextBox 2">
-            <a:extLst>
-              <a:ext uri="{FF2B5EF4-FFF2-40B4-BE49-F238E27FC236}">
-                <a16:creationId xmlns:a16="http://schemas.microsoft.com/office/drawing/2014/main" id="{02C658B5-A6EC-4802-97AA-6D3AE7F71821}"/>
-              </a:ext>
-            </a:extLst>
-          </p:cNvPr>
-          <p:cNvSpPr txBox="1"/>
-          <p:nvPr/>
-        </p:nvSpPr>
-        <p:spPr>
-          <a:xfrm>
-            <a:off x="1024200" y="1321108"/>
-            <a:ext cx="7183093" cy="738664"/>
-          </a:xfrm>
-          <a:prstGeom prst="rect">
-            <a:avLst/>
-          </a:prstGeom>
-          <a:noFill/>
-        </p:spPr>
-        <p:txBody>
-          <a:bodyPr wrap="square" rtlCol="0">
-            <a:spAutoFit/>
-          </a:bodyPr>
-          <a:lstStyle/>
-          <a:p>
-            <a:r>
-              <a:rPr lang="en-US" sz="2100" dirty="0">
-                <a:latin typeface="Microsoft Sans Serif" panose="020B0604020202020204" pitchFamily="34" charset="0"/>
-                <a:ea typeface="Microsoft Sans Serif" panose="020B0604020202020204" pitchFamily="34" charset="0"/>
-                <a:cs typeface="Microsoft Sans Serif" panose="020B0604020202020204" pitchFamily="34" charset="0"/>
-              </a:rPr>
-              <a:t>We found that with the data collected we are only able to predict slightly less than 50% of activity of Powerburn </a:t>
-            </a:r>
-          </a:p>
-        </p:txBody>
-      </p:sp>
-      <p:pic>
-        <p:nvPicPr>
-          <p:cNvPr id="7" name="Picture 6">
-            <a:extLst>
-              <a:ext uri="{FF2B5EF4-FFF2-40B4-BE49-F238E27FC236}">
-                <a16:creationId xmlns:a16="http://schemas.microsoft.com/office/drawing/2014/main" id="{31EF0BCC-D618-4B5A-B081-CEC990253C0D}"/>
-              </a:ext>
-            </a:extLst>
-          </p:cNvPr>
-          <p:cNvPicPr>
-            <a:picLocks noChangeAspect="1"/>
-          </p:cNvPicPr>
-          <p:nvPr/>
-        </p:nvPicPr>
-        <p:blipFill>
-          <a:blip r:embed="rId4"/>
-          <a:stretch>
-            <a:fillRect/>
-          </a:stretch>
-        </p:blipFill>
-        <p:spPr>
-          <a:xfrm>
-            <a:off x="4465982" y="3369800"/>
-            <a:ext cx="4096322" cy="2724530"/>
-          </a:xfrm>
-          <a:prstGeom prst="rect">
-            <a:avLst/>
-          </a:prstGeom>
-        </p:spPr>
-      </p:pic>
-      <p:pic>
-        <p:nvPicPr>
-          <p:cNvPr id="13" name="Picture 12">
-            <a:extLst>
-              <a:ext uri="{FF2B5EF4-FFF2-40B4-BE49-F238E27FC236}">
-                <a16:creationId xmlns:a16="http://schemas.microsoft.com/office/drawing/2014/main" id="{3E6F1244-BE5C-4B7B-9A6F-F12DB9A635DA}"/>
-              </a:ext>
-            </a:extLst>
-          </p:cNvPr>
-          <p:cNvPicPr>
-            <a:picLocks noChangeAspect="1"/>
-          </p:cNvPicPr>
-          <p:nvPr/>
-        </p:nvPicPr>
-        <p:blipFill>
-          <a:blip r:embed="rId5"/>
-          <a:stretch>
-            <a:fillRect/>
-          </a:stretch>
-        </p:blipFill>
-        <p:spPr>
-          <a:xfrm>
-            <a:off x="1224490" y="4274801"/>
-            <a:ext cx="2943636" cy="457264"/>
-          </a:xfrm>
-          <a:prstGeom prst="rect">
-            <a:avLst/>
-          </a:prstGeom>
-        </p:spPr>
-      </p:pic>
-      <p:pic>
-        <p:nvPicPr>
-          <p:cNvPr id="3074" name="Picture 2">
-            <a:extLst>
-              <a:ext uri="{FF2B5EF4-FFF2-40B4-BE49-F238E27FC236}">
-                <a16:creationId xmlns:a16="http://schemas.microsoft.com/office/drawing/2014/main" id="{05937DD1-9DD3-47C4-AC65-37E299DB8CAA}"/>
-              </a:ext>
-            </a:extLst>
-          </p:cNvPr>
-          <p:cNvPicPr>
-            <a:picLocks noChangeAspect="1" noChangeArrowheads="1"/>
-          </p:cNvPicPr>
-          <p:nvPr/>
-        </p:nvPicPr>
-        <p:blipFill>
-          <a:blip r:embed="rId6">
-            <a:extLst>
-              <a:ext uri="{28A0092B-C50C-407E-A947-70E740481C1C}">
-                <a14:useLocalDpi xmlns:a14="http://schemas.microsoft.com/office/drawing/2010/main" val="0"/>
-              </a:ext>
-            </a:extLst>
-          </a:blip>
-          <a:srcRect/>
-          <a:stretch>
-            <a:fillRect/>
-          </a:stretch>
-        </p:blipFill>
-        <p:spPr bwMode="auto">
-          <a:xfrm>
-            <a:off x="1224490" y="2308499"/>
-            <a:ext cx="1438275" cy="771525"/>
-          </a:xfrm>
-          <a:prstGeom prst="rect">
-            <a:avLst/>
-          </a:prstGeom>
-          <a:noFill/>
-          <a:extLst>
-            <a:ext uri="{909E8E84-426E-40DD-AFC4-6F175D3DCCD1}">
-              <a14:hiddenFill xmlns:a14="http://schemas.microsoft.com/office/drawing/2010/main">
-                <a:solidFill>
-                  <a:srgbClr val="FFFFFF"/>
-                </a:solidFill>
-              </a14:hiddenFill>
-            </a:ext>
-          </a:extLst>
-        </p:spPr>
-      </p:pic>
     </p:spTree>
     <p:extLst>
       <p:ext uri="{BB962C8B-B14F-4D97-AF65-F5344CB8AC3E}">
-        <p14:creationId xmlns:p14="http://schemas.microsoft.com/office/powerpoint/2010/main" val="509987201"/>
+        <p14:creationId xmlns:p14="http://schemas.microsoft.com/office/powerpoint/2010/main" val="3613910301"/>
       </p:ext>
     </p:extLst>
   </p:cSld>
@@ -8987,12 +8961,52 @@
           <a:chExt cx="0" cy="0"/>
         </a:xfrm>
       </p:grpSpPr>
+      <p:sp>
+        <p:nvSpPr>
+          <p:cNvPr id="2" name="Title 1">
+            <a:extLst>
+              <a:ext uri="{FF2B5EF4-FFF2-40B4-BE49-F238E27FC236}">
+                <a16:creationId xmlns:a16="http://schemas.microsoft.com/office/drawing/2014/main" id="{A8E5541F-7BFA-479C-B8B4-DDE116914320}"/>
+              </a:ext>
+            </a:extLst>
+          </p:cNvPr>
+          <p:cNvSpPr>
+            <a:spLocks noGrp="1"/>
+          </p:cNvSpPr>
+          <p:nvPr>
+            <p:ph type="title"/>
+          </p:nvPr>
+        </p:nvSpPr>
+        <p:spPr>
+          <a:xfrm>
+            <a:off x="522632" y="58022"/>
+            <a:ext cx="7886700" cy="705648"/>
+          </a:xfrm>
+        </p:spPr>
+        <p:txBody>
+          <a:bodyPr>
+            <a:normAutofit/>
+          </a:bodyPr>
+          <a:lstStyle/>
+          <a:p>
+            <a:r>
+              <a:rPr lang="en-US" sz="3200" dirty="0">
+                <a:latin typeface="Microsoft Sans Serif" panose="020B0604020202020204" pitchFamily="34" charset="0"/>
+                <a:ea typeface="Microsoft Sans Serif" panose="020B0604020202020204" pitchFamily="34" charset="0"/>
+                <a:cs typeface="Microsoft Sans Serif" panose="020B0604020202020204" pitchFamily="34" charset="0"/>
+              </a:rPr>
+              <a:t>Prediction</a:t>
+            </a:r>
+            <a:endParaRPr lang="en-US" sz="3200" dirty="0"/>
+          </a:p>
+        </p:txBody>
+      </p:sp>
       <p:pic>
         <p:nvPicPr>
-          <p:cNvPr id="4" name="Picture 3">
+          <p:cNvPr id="5" name="Picture 4">
             <a:extLst>
               <a:ext uri="{FF2B5EF4-FFF2-40B4-BE49-F238E27FC236}">
-                <a16:creationId xmlns:a16="http://schemas.microsoft.com/office/drawing/2014/main" id="{449380A0-F828-40F6-ABA0-CB684060C995}"/>
+                <a16:creationId xmlns:a16="http://schemas.microsoft.com/office/drawing/2014/main" id="{F112826D-8205-4543-9CA7-8C18E18B2A81}"/>
               </a:ext>
             </a:extLst>
           </p:cNvPr>
@@ -9009,8 +9023,8 @@
         </p:blipFill>
         <p:spPr>
           <a:xfrm>
-            <a:off x="0" y="266843"/>
-            <a:ext cx="9143999" cy="6324314"/>
+            <a:off x="0" y="6276894"/>
+            <a:ext cx="1991003" cy="581106"/>
           </a:xfrm>
           <a:prstGeom prst="rect">
             <a:avLst/>
@@ -9019,110 +9033,28 @@
       </p:pic>
       <p:sp>
         <p:nvSpPr>
-          <p:cNvPr id="6" name="TextBox 5">
+          <p:cNvPr id="8" name="Rectangle 7">
             <a:extLst>
               <a:ext uri="{FF2B5EF4-FFF2-40B4-BE49-F238E27FC236}">
-                <a16:creationId xmlns:a16="http://schemas.microsoft.com/office/drawing/2014/main" id="{450BAF91-4632-4A48-A0BC-20AB5D0D29E5}"/>
+                <a16:creationId xmlns:a16="http://schemas.microsoft.com/office/drawing/2014/main" id="{7819BA35-EE0F-4ABB-BEBA-21534EB9317F}"/>
               </a:ext>
             </a:extLst>
           </p:cNvPr>
-          <p:cNvSpPr txBox="1"/>
+          <p:cNvSpPr/>
           <p:nvPr/>
         </p:nvSpPr>
         <p:spPr>
           <a:xfrm>
-            <a:off x="543339" y="4258222"/>
-            <a:ext cx="5380383" cy="1754326"/>
+            <a:off x="522632" y="6276894"/>
+            <a:ext cx="7992717" cy="45719"/>
           </a:xfrm>
           <a:prstGeom prst="rect">
             <a:avLst/>
           </a:prstGeom>
           <a:solidFill>
-            <a:schemeClr val="bg1"/>
+            <a:srgbClr val="E51836"/>
           </a:solidFill>
-        </p:spPr>
-        <p:txBody>
-          <a:bodyPr wrap="square" rtlCol="0" anchor="ctr">
-            <a:spAutoFit/>
-          </a:bodyPr>
-          <a:lstStyle/>
-          <a:p>
-            <a:endParaRPr lang="en-US" sz="3600" dirty="0">
-              <a:latin typeface="Microsoft Sans Serif" panose="020B0604020202020204" pitchFamily="34" charset="0"/>
-              <a:ea typeface="Microsoft Sans Serif" panose="020B0604020202020204" pitchFamily="34" charset="0"/>
-              <a:cs typeface="Microsoft Sans Serif" panose="020B0604020202020204" pitchFamily="34" charset="0"/>
-            </a:endParaRPr>
-          </a:p>
-          <a:p>
-            <a:r>
-              <a:rPr lang="en-US" sz="3600" dirty="0">
-                <a:latin typeface="Microsoft Sans Serif" panose="020B0604020202020204" pitchFamily="34" charset="0"/>
-                <a:ea typeface="Microsoft Sans Serif" panose="020B0604020202020204" pitchFamily="34" charset="0"/>
-                <a:cs typeface="Microsoft Sans Serif" panose="020B0604020202020204" pitchFamily="34" charset="0"/>
-              </a:rPr>
-              <a:t> 3. Forward Look</a:t>
-            </a:r>
-          </a:p>
-          <a:p>
-            <a:endParaRPr lang="en-US" sz="3600" dirty="0">
-              <a:latin typeface="Microsoft Sans Serif" panose="020B0604020202020204" pitchFamily="34" charset="0"/>
-              <a:ea typeface="Microsoft Sans Serif" panose="020B0604020202020204" pitchFamily="34" charset="0"/>
-              <a:cs typeface="Microsoft Sans Serif" panose="020B0604020202020204" pitchFamily="34" charset="0"/>
-            </a:endParaRPr>
-          </a:p>
-        </p:txBody>
-      </p:sp>
-      <p:sp>
-        <p:nvSpPr>
-          <p:cNvPr id="2" name="Slide Number Placeholder 1">
-            <a:extLst>
-              <a:ext uri="{FF2B5EF4-FFF2-40B4-BE49-F238E27FC236}">
-                <a16:creationId xmlns:a16="http://schemas.microsoft.com/office/drawing/2014/main" id="{0C20A05A-1E61-419B-8225-50C27E807A0F}"/>
-              </a:ext>
-            </a:extLst>
-          </p:cNvPr>
-          <p:cNvSpPr>
-            <a:spLocks noGrp="1"/>
-          </p:cNvSpPr>
-          <p:nvPr>
-            <p:ph type="sldNum" sz="quarter" idx="12"/>
-          </p:nvPr>
-        </p:nvSpPr>
-        <p:spPr/>
-        <p:txBody>
-          <a:bodyPr/>
-          <a:lstStyle/>
-          <a:p>
-            <a:fld id="{2BD03CB1-4DB3-405C-876B-B27AD0EBE084}" type="slidenum">
-              <a:rPr lang="en-US" smtClean="0"/>
-              <a:t>11</a:t>
-            </a:fld>
-            <a:endParaRPr lang="en-US"/>
-          </a:p>
-        </p:txBody>
-      </p:sp>
-      <p:sp>
-        <p:nvSpPr>
-          <p:cNvPr id="3" name="Rectangle 2">
-            <a:extLst>
-              <a:ext uri="{FF2B5EF4-FFF2-40B4-BE49-F238E27FC236}">
-                <a16:creationId xmlns:a16="http://schemas.microsoft.com/office/drawing/2014/main" id="{B58459CE-3466-455A-8FD5-9D14FA580553}"/>
-              </a:ext>
-            </a:extLst>
-          </p:cNvPr>
-          <p:cNvSpPr/>
-          <p:nvPr/>
-        </p:nvSpPr>
-        <p:spPr>
-          <a:xfrm>
-            <a:off x="649357" y="4850296"/>
-            <a:ext cx="543339" cy="556591"/>
-          </a:xfrm>
-          <a:prstGeom prst="rect">
-            <a:avLst/>
-          </a:prstGeom>
-          <a:noFill/>
-          <a:ln w="57150">
+          <a:ln>
             <a:solidFill>
               <a:srgbClr val="E51836"/>
             </a:solidFill>
@@ -9153,62 +9085,226 @@
           </a:p>
         </p:txBody>
       </p:sp>
-      <p:sp>
-        <p:nvSpPr>
-          <p:cNvPr id="7" name="Rectangle 6">
+      <p:cxnSp>
+        <p:nvCxnSpPr>
+          <p:cNvPr id="10" name="Straight Connector 9">
             <a:extLst>
               <a:ext uri="{FF2B5EF4-FFF2-40B4-BE49-F238E27FC236}">
-                <a16:creationId xmlns:a16="http://schemas.microsoft.com/office/drawing/2014/main" id="{CE672193-1A1B-4AF5-A2D5-06BD5A09B613}"/>
+                <a16:creationId xmlns:a16="http://schemas.microsoft.com/office/drawing/2014/main" id="{2A2D717B-FED3-4573-B2FE-57087D39430D}"/>
               </a:ext>
             </a:extLst>
           </p:cNvPr>
-          <p:cNvSpPr/>
+          <p:cNvCxnSpPr/>
           <p:nvPr/>
-        </p:nvSpPr>
+        </p:nvCxnSpPr>
         <p:spPr>
           <a:xfrm>
-            <a:off x="649356" y="4572000"/>
-            <a:ext cx="4863548" cy="1166191"/>
-          </a:xfrm>
-          <a:prstGeom prst="rect">
+            <a:off x="522632" y="763670"/>
+            <a:ext cx="7992717" cy="0"/>
+          </a:xfrm>
+          <a:prstGeom prst="line">
             <a:avLst/>
           </a:prstGeom>
-          <a:noFill/>
-          <a:ln w="57150">
+          <a:ln>
             <a:solidFill>
               <a:srgbClr val="E51836"/>
             </a:solidFill>
           </a:ln>
         </p:spPr>
         <p:style>
-          <a:lnRef idx="2">
-            <a:schemeClr val="accent1">
-              <a:shade val="50000"/>
-            </a:schemeClr>
+          <a:lnRef idx="1">
+            <a:schemeClr val="accent1"/>
           </a:lnRef>
-          <a:fillRef idx="1">
+          <a:fillRef idx="0">
             <a:schemeClr val="accent1"/>
           </a:fillRef>
           <a:effectRef idx="0">
             <a:schemeClr val="accent1"/>
           </a:effectRef>
           <a:fontRef idx="minor">
-            <a:schemeClr val="lt1"/>
+            <a:schemeClr val="tx1"/>
           </a:fontRef>
         </p:style>
-        <p:txBody>
-          <a:bodyPr rtlCol="0" anchor="ctr"/>
-          <a:lstStyle/>
-          <a:p>
-            <a:pPr algn="ctr"/>
+      </p:cxnSp>
+      <p:sp>
+        <p:nvSpPr>
+          <p:cNvPr id="11" name="Slide Number Placeholder 10">
+            <a:extLst>
+              <a:ext uri="{FF2B5EF4-FFF2-40B4-BE49-F238E27FC236}">
+                <a16:creationId xmlns:a16="http://schemas.microsoft.com/office/drawing/2014/main" id="{3638B894-F5CB-41EC-A4AE-32E1D6A3E77D}"/>
+              </a:ext>
+            </a:extLst>
+          </p:cNvPr>
+          <p:cNvSpPr>
+            <a:spLocks noGrp="1"/>
+          </p:cNvSpPr>
+          <p:nvPr>
+            <p:ph type="sldNum" sz="quarter" idx="12"/>
+          </p:nvPr>
+        </p:nvSpPr>
+        <p:spPr/>
+        <p:txBody>
+          <a:bodyPr/>
+          <a:lstStyle/>
+          <a:p>
+            <a:fld id="{2BD03CB1-4DB3-405C-876B-B27AD0EBE084}" type="slidenum">
+              <a:rPr lang="en-US" smtClean="0"/>
+              <a:t>11</a:t>
+            </a:fld>
             <a:endParaRPr lang="en-US"/>
           </a:p>
         </p:txBody>
       </p:sp>
+      <p:sp>
+        <p:nvSpPr>
+          <p:cNvPr id="3" name="TextBox 2">
+            <a:extLst>
+              <a:ext uri="{FF2B5EF4-FFF2-40B4-BE49-F238E27FC236}">
+                <a16:creationId xmlns:a16="http://schemas.microsoft.com/office/drawing/2014/main" id="{02C658B5-A6EC-4802-97AA-6D3AE7F71821}"/>
+              </a:ext>
+            </a:extLst>
+          </p:cNvPr>
+          <p:cNvSpPr txBox="1"/>
+          <p:nvPr/>
+        </p:nvSpPr>
+        <p:spPr>
+          <a:xfrm>
+            <a:off x="1024200" y="1321108"/>
+            <a:ext cx="7183093" cy="738664"/>
+          </a:xfrm>
+          <a:prstGeom prst="rect">
+            <a:avLst/>
+          </a:prstGeom>
+          <a:noFill/>
+        </p:spPr>
+        <p:txBody>
+          <a:bodyPr wrap="square" rtlCol="0">
+            <a:spAutoFit/>
+          </a:bodyPr>
+          <a:lstStyle/>
+          <a:p>
+            <a:r>
+              <a:rPr lang="en-US" sz="2100" dirty="0">
+                <a:latin typeface="Microsoft Sans Serif" panose="020B0604020202020204" pitchFamily="34" charset="0"/>
+                <a:ea typeface="Microsoft Sans Serif" panose="020B0604020202020204" pitchFamily="34" charset="0"/>
+                <a:cs typeface="Microsoft Sans Serif" panose="020B0604020202020204" pitchFamily="34" charset="0"/>
+              </a:rPr>
+              <a:t>We found that with the data collected we are only able to predict slightly less than 50% of activity of Powerburn </a:t>
+            </a:r>
+          </a:p>
+        </p:txBody>
+      </p:sp>
+      <p:pic>
+        <p:nvPicPr>
+          <p:cNvPr id="7" name="Picture 6">
+            <a:extLst>
+              <a:ext uri="{FF2B5EF4-FFF2-40B4-BE49-F238E27FC236}">
+                <a16:creationId xmlns:a16="http://schemas.microsoft.com/office/drawing/2014/main" id="{31EF0BCC-D618-4B5A-B081-CEC990253C0D}"/>
+              </a:ext>
+            </a:extLst>
+          </p:cNvPr>
+          <p:cNvPicPr>
+            <a:picLocks noChangeAspect="1"/>
+          </p:cNvPicPr>
+          <p:nvPr/>
+        </p:nvPicPr>
+        <p:blipFill>
+          <a:blip r:embed="rId4"/>
+          <a:stretch>
+            <a:fillRect/>
+          </a:stretch>
+        </p:blipFill>
+        <p:spPr>
+          <a:xfrm>
+            <a:off x="4465982" y="3369800"/>
+            <a:ext cx="4096322" cy="2724530"/>
+          </a:xfrm>
+          <a:prstGeom prst="rect">
+            <a:avLst/>
+          </a:prstGeom>
+        </p:spPr>
+      </p:pic>
+      <p:pic>
+        <p:nvPicPr>
+          <p:cNvPr id="13" name="Picture 12">
+            <a:extLst>
+              <a:ext uri="{FF2B5EF4-FFF2-40B4-BE49-F238E27FC236}">
+                <a16:creationId xmlns:a16="http://schemas.microsoft.com/office/drawing/2014/main" id="{3E6F1244-BE5C-4B7B-9A6F-F12DB9A635DA}"/>
+              </a:ext>
+            </a:extLst>
+          </p:cNvPr>
+          <p:cNvPicPr>
+            <a:picLocks noChangeAspect="1"/>
+          </p:cNvPicPr>
+          <p:nvPr/>
+        </p:nvPicPr>
+        <p:blipFill>
+          <a:blip r:embed="rId5"/>
+          <a:stretch>
+            <a:fillRect/>
+          </a:stretch>
+        </p:blipFill>
+        <p:spPr>
+          <a:xfrm>
+            <a:off x="1224490" y="4274801"/>
+            <a:ext cx="2943636" cy="457264"/>
+          </a:xfrm>
+          <a:prstGeom prst="rect">
+            <a:avLst/>
+          </a:prstGeom>
+        </p:spPr>
+      </p:pic>
+      <p:pic>
+        <p:nvPicPr>
+          <p:cNvPr id="3074" name="Picture 2">
+            <a:extLst>
+              <a:ext uri="{FF2B5EF4-FFF2-40B4-BE49-F238E27FC236}">
+                <a16:creationId xmlns:a16="http://schemas.microsoft.com/office/drawing/2014/main" id="{05937DD1-9DD3-47C4-AC65-37E299DB8CAA}"/>
+              </a:ext>
+            </a:extLst>
+          </p:cNvPr>
+          <p:cNvPicPr>
+            <a:picLocks noChangeAspect="1" noChangeArrowheads="1"/>
+          </p:cNvPicPr>
+          <p:nvPr/>
+        </p:nvPicPr>
+        <p:blipFill>
+          <a:blip r:embed="rId6">
+            <a:extLst>
+              <a:ext uri="{28A0092B-C50C-407E-A947-70E740481C1C}">
+                <a14:useLocalDpi xmlns:a14="http://schemas.microsoft.com/office/drawing/2010/main" val="0"/>
+              </a:ext>
+            </a:extLst>
+          </a:blip>
+          <a:srcRect/>
+          <a:stretch>
+            <a:fillRect/>
+          </a:stretch>
+        </p:blipFill>
+        <p:spPr bwMode="auto">
+          <a:xfrm>
+            <a:off x="1224490" y="2308499"/>
+            <a:ext cx="1438275" cy="771525"/>
+          </a:xfrm>
+          <a:prstGeom prst="rect">
+            <a:avLst/>
+          </a:prstGeom>
+          <a:noFill/>
+          <a:extLst>
+            <a:ext uri="{909E8E84-426E-40DD-AFC4-6F175D3DCCD1}">
+              <a14:hiddenFill xmlns:a14="http://schemas.microsoft.com/office/drawing/2010/main">
+                <a:solidFill>
+                  <a:srgbClr val="FFFFFF"/>
+                </a:solidFill>
+              </a14:hiddenFill>
+            </a:ext>
+          </a:extLst>
+        </p:spPr>
+      </p:pic>
     </p:spTree>
     <p:extLst>
       <p:ext uri="{BB962C8B-B14F-4D97-AF65-F5344CB8AC3E}">
-        <p14:creationId xmlns:p14="http://schemas.microsoft.com/office/powerpoint/2010/main" val="1587522947"/>
+        <p14:creationId xmlns:p14="http://schemas.microsoft.com/office/powerpoint/2010/main" val="509987201"/>
       </p:ext>
     </p:extLst>
   </p:cSld>
@@ -9235,31 +9331,146 @@
           <a:chExt cx="0" cy="0"/>
         </a:xfrm>
       </p:grpSpPr>
-      <p:sp>
-        <p:nvSpPr>
-          <p:cNvPr id="6" name="Rectangle 5">
+      <p:pic>
+        <p:nvPicPr>
+          <p:cNvPr id="4" name="Picture 3">
             <a:extLst>
               <a:ext uri="{FF2B5EF4-FFF2-40B4-BE49-F238E27FC236}">
-                <a16:creationId xmlns:a16="http://schemas.microsoft.com/office/drawing/2014/main" id="{22549ACC-C78E-4D46-BC7B-5EE8EC2D3A3B}"/>
+                <a16:creationId xmlns:a16="http://schemas.microsoft.com/office/drawing/2014/main" id="{449380A0-F828-40F6-ABA0-CB684060C995}"/>
               </a:ext>
             </a:extLst>
           </p:cNvPr>
-          <p:cNvSpPr/>
+          <p:cNvPicPr>
+            <a:picLocks noChangeAspect="1"/>
+          </p:cNvPicPr>
           <p:nvPr/>
-        </p:nvSpPr>
+        </p:nvPicPr>
+        <p:blipFill>
+          <a:blip r:embed="rId3"/>
+          <a:stretch>
+            <a:fillRect/>
+          </a:stretch>
+        </p:blipFill>
         <p:spPr>
           <a:xfrm>
-            <a:off x="522632" y="914376"/>
-            <a:ext cx="3631095" cy="1586916"/>
+            <a:off x="0" y="266843"/>
+            <a:ext cx="9143999" cy="6324314"/>
+          </a:xfrm>
+          <a:prstGeom prst="rect">
+            <a:avLst/>
+          </a:prstGeom>
+        </p:spPr>
+      </p:pic>
+      <p:sp>
+        <p:nvSpPr>
+          <p:cNvPr id="6" name="TextBox 5">
+            <a:extLst>
+              <a:ext uri="{FF2B5EF4-FFF2-40B4-BE49-F238E27FC236}">
+                <a16:creationId xmlns:a16="http://schemas.microsoft.com/office/drawing/2014/main" id="{450BAF91-4632-4A48-A0BC-20AB5D0D29E5}"/>
+              </a:ext>
+            </a:extLst>
+          </p:cNvPr>
+          <p:cNvSpPr txBox="1"/>
+          <p:nvPr/>
+        </p:nvSpPr>
+        <p:spPr>
+          <a:xfrm>
+            <a:off x="543339" y="4258222"/>
+            <a:ext cx="5380383" cy="1754326"/>
           </a:xfrm>
           <a:prstGeom prst="rect">
             <a:avLst/>
           </a:prstGeom>
           <a:solidFill>
-            <a:srgbClr val="E51836">
-              <a:alpha val="92000"/>
-            </a:srgbClr>
+            <a:schemeClr val="bg1"/>
           </a:solidFill>
+        </p:spPr>
+        <p:txBody>
+          <a:bodyPr wrap="square" rtlCol="0" anchor="ctr">
+            <a:spAutoFit/>
+          </a:bodyPr>
+          <a:lstStyle/>
+          <a:p>
+            <a:endParaRPr lang="en-US" sz="3600" dirty="0">
+              <a:latin typeface="Microsoft Sans Serif" panose="020B0604020202020204" pitchFamily="34" charset="0"/>
+              <a:ea typeface="Microsoft Sans Serif" panose="020B0604020202020204" pitchFamily="34" charset="0"/>
+              <a:cs typeface="Microsoft Sans Serif" panose="020B0604020202020204" pitchFamily="34" charset="0"/>
+            </a:endParaRPr>
+          </a:p>
+          <a:p>
+            <a:r>
+              <a:rPr lang="en-US" sz="3600" dirty="0">
+                <a:latin typeface="Microsoft Sans Serif" panose="020B0604020202020204" pitchFamily="34" charset="0"/>
+                <a:ea typeface="Microsoft Sans Serif" panose="020B0604020202020204" pitchFamily="34" charset="0"/>
+                <a:cs typeface="Microsoft Sans Serif" panose="020B0604020202020204" pitchFamily="34" charset="0"/>
+              </a:rPr>
+              <a:t> 3. Forward Look</a:t>
+            </a:r>
+          </a:p>
+          <a:p>
+            <a:endParaRPr lang="en-US" sz="3600" dirty="0">
+              <a:latin typeface="Microsoft Sans Serif" panose="020B0604020202020204" pitchFamily="34" charset="0"/>
+              <a:ea typeface="Microsoft Sans Serif" panose="020B0604020202020204" pitchFamily="34" charset="0"/>
+              <a:cs typeface="Microsoft Sans Serif" panose="020B0604020202020204" pitchFamily="34" charset="0"/>
+            </a:endParaRPr>
+          </a:p>
+        </p:txBody>
+      </p:sp>
+      <p:sp>
+        <p:nvSpPr>
+          <p:cNvPr id="2" name="Slide Number Placeholder 1">
+            <a:extLst>
+              <a:ext uri="{FF2B5EF4-FFF2-40B4-BE49-F238E27FC236}">
+                <a16:creationId xmlns:a16="http://schemas.microsoft.com/office/drawing/2014/main" id="{0C20A05A-1E61-419B-8225-50C27E807A0F}"/>
+              </a:ext>
+            </a:extLst>
+          </p:cNvPr>
+          <p:cNvSpPr>
+            <a:spLocks noGrp="1"/>
+          </p:cNvSpPr>
+          <p:nvPr>
+            <p:ph type="sldNum" sz="quarter" idx="12"/>
+          </p:nvPr>
+        </p:nvSpPr>
+        <p:spPr/>
+        <p:txBody>
+          <a:bodyPr/>
+          <a:lstStyle/>
+          <a:p>
+            <a:fld id="{2BD03CB1-4DB3-405C-876B-B27AD0EBE084}" type="slidenum">
+              <a:rPr lang="en-US" smtClean="0"/>
+              <a:t>12</a:t>
+            </a:fld>
+            <a:endParaRPr lang="en-US"/>
+          </a:p>
+        </p:txBody>
+      </p:sp>
+      <p:sp>
+        <p:nvSpPr>
+          <p:cNvPr id="3" name="Rectangle 2">
+            <a:extLst>
+              <a:ext uri="{FF2B5EF4-FFF2-40B4-BE49-F238E27FC236}">
+                <a16:creationId xmlns:a16="http://schemas.microsoft.com/office/drawing/2014/main" id="{B58459CE-3466-455A-8FD5-9D14FA580553}"/>
+              </a:ext>
+            </a:extLst>
+          </p:cNvPr>
+          <p:cNvSpPr/>
+          <p:nvPr/>
+        </p:nvSpPr>
+        <p:spPr>
+          <a:xfrm>
+            <a:off x="649357" y="4850296"/>
+            <a:ext cx="543339" cy="556591"/>
+          </a:xfrm>
+          <a:prstGeom prst="rect">
+            <a:avLst/>
+          </a:prstGeom>
+          <a:noFill/>
+          <a:ln w="57150">
+            <a:solidFill>
+              <a:srgbClr val="E51836"/>
+            </a:solidFill>
+          </a:ln>
         </p:spPr>
         <p:style>
           <a:lnRef idx="2">
@@ -9288,98 +9499,26 @@
       </p:sp>
       <p:sp>
         <p:nvSpPr>
-          <p:cNvPr id="2" name="Title 1">
+          <p:cNvPr id="7" name="Rectangle 6">
             <a:extLst>
               <a:ext uri="{FF2B5EF4-FFF2-40B4-BE49-F238E27FC236}">
-                <a16:creationId xmlns:a16="http://schemas.microsoft.com/office/drawing/2014/main" id="{A8E5541F-7BFA-479C-B8B4-DDE116914320}"/>
+                <a16:creationId xmlns:a16="http://schemas.microsoft.com/office/drawing/2014/main" id="{CE672193-1A1B-4AF5-A2D5-06BD5A09B613}"/>
               </a:ext>
             </a:extLst>
           </p:cNvPr>
-          <p:cNvSpPr>
-            <a:spLocks noGrp="1"/>
-          </p:cNvSpPr>
-          <p:nvPr>
-            <p:ph type="title"/>
-          </p:nvPr>
+          <p:cNvSpPr/>
+          <p:nvPr/>
         </p:nvSpPr>
         <p:spPr>
           <a:xfrm>
-            <a:off x="522632" y="58022"/>
-            <a:ext cx="7886700" cy="705648"/>
-          </a:xfrm>
-        </p:spPr>
-        <p:txBody>
-          <a:bodyPr>
-            <a:normAutofit/>
-          </a:bodyPr>
-          <a:lstStyle/>
-          <a:p>
-            <a:r>
-              <a:rPr lang="en-US" sz="3200" dirty="0">
-                <a:latin typeface="Microsoft Sans Serif" panose="020B0604020202020204" pitchFamily="34" charset="0"/>
-                <a:ea typeface="Microsoft Sans Serif" panose="020B0604020202020204" pitchFamily="34" charset="0"/>
-                <a:cs typeface="Microsoft Sans Serif" panose="020B0604020202020204" pitchFamily="34" charset="0"/>
-              </a:rPr>
-              <a:t>Data Assembly </a:t>
-            </a:r>
-            <a:endParaRPr lang="en-US" sz="3200" dirty="0"/>
-          </a:p>
-        </p:txBody>
-      </p:sp>
-      <p:pic>
-        <p:nvPicPr>
-          <p:cNvPr id="5" name="Picture 4">
-            <a:extLst>
-              <a:ext uri="{FF2B5EF4-FFF2-40B4-BE49-F238E27FC236}">
-                <a16:creationId xmlns:a16="http://schemas.microsoft.com/office/drawing/2014/main" id="{F112826D-8205-4543-9CA7-8C18E18B2A81}"/>
-              </a:ext>
-            </a:extLst>
-          </p:cNvPr>
-          <p:cNvPicPr>
-            <a:picLocks noChangeAspect="1"/>
-          </p:cNvPicPr>
-          <p:nvPr/>
-        </p:nvPicPr>
-        <p:blipFill>
-          <a:blip r:embed="rId3"/>
-          <a:stretch>
-            <a:fillRect/>
-          </a:stretch>
-        </p:blipFill>
-        <p:spPr>
-          <a:xfrm>
-            <a:off x="0" y="6276894"/>
-            <a:ext cx="1991003" cy="581106"/>
+            <a:off x="649356" y="4572000"/>
+            <a:ext cx="4863548" cy="1166191"/>
           </a:xfrm>
           <a:prstGeom prst="rect">
             <a:avLst/>
           </a:prstGeom>
-        </p:spPr>
-      </p:pic>
-      <p:sp>
-        <p:nvSpPr>
-          <p:cNvPr id="8" name="Rectangle 7">
-            <a:extLst>
-              <a:ext uri="{FF2B5EF4-FFF2-40B4-BE49-F238E27FC236}">
-                <a16:creationId xmlns:a16="http://schemas.microsoft.com/office/drawing/2014/main" id="{7819BA35-EE0F-4ABB-BEBA-21534EB9317F}"/>
-              </a:ext>
-            </a:extLst>
-          </p:cNvPr>
-          <p:cNvSpPr/>
-          <p:nvPr/>
-        </p:nvSpPr>
-        <p:spPr>
-          <a:xfrm>
-            <a:off x="522632" y="6276894"/>
-            <a:ext cx="7992717" cy="45719"/>
-          </a:xfrm>
-          <a:prstGeom prst="rect">
-            <a:avLst/>
-          </a:prstGeom>
-          <a:solidFill>
-            <a:srgbClr val="E51836"/>
-          </a:solidFill>
-          <a:ln>
+          <a:noFill/>
+          <a:ln w="57150">
             <a:solidFill>
               <a:srgbClr val="E51836"/>
             </a:solidFill>
@@ -9410,152 +9549,10 @@
           </a:p>
         </p:txBody>
       </p:sp>
-      <p:cxnSp>
-        <p:nvCxnSpPr>
-          <p:cNvPr id="10" name="Straight Connector 9">
-            <a:extLst>
-              <a:ext uri="{FF2B5EF4-FFF2-40B4-BE49-F238E27FC236}">
-                <a16:creationId xmlns:a16="http://schemas.microsoft.com/office/drawing/2014/main" id="{2A2D717B-FED3-4573-B2FE-57087D39430D}"/>
-              </a:ext>
-            </a:extLst>
-          </p:cNvPr>
-          <p:cNvCxnSpPr/>
-          <p:nvPr/>
-        </p:nvCxnSpPr>
-        <p:spPr>
-          <a:xfrm>
-            <a:off x="522632" y="763670"/>
-            <a:ext cx="7992717" cy="0"/>
-          </a:xfrm>
-          <a:prstGeom prst="line">
-            <a:avLst/>
-          </a:prstGeom>
-          <a:ln>
-            <a:solidFill>
-              <a:srgbClr val="E51836"/>
-            </a:solidFill>
-          </a:ln>
-        </p:spPr>
-        <p:style>
-          <a:lnRef idx="1">
-            <a:schemeClr val="accent1"/>
-          </a:lnRef>
-          <a:fillRef idx="0">
-            <a:schemeClr val="accent1"/>
-          </a:fillRef>
-          <a:effectRef idx="0">
-            <a:schemeClr val="accent1"/>
-          </a:effectRef>
-          <a:fontRef idx="minor">
-            <a:schemeClr val="tx1"/>
-          </a:fontRef>
-        </p:style>
-      </p:cxnSp>
-      <p:sp>
-        <p:nvSpPr>
-          <p:cNvPr id="11" name="Slide Number Placeholder 10">
-            <a:extLst>
-              <a:ext uri="{FF2B5EF4-FFF2-40B4-BE49-F238E27FC236}">
-                <a16:creationId xmlns:a16="http://schemas.microsoft.com/office/drawing/2014/main" id="{3638B894-F5CB-41EC-A4AE-32E1D6A3E77D}"/>
-              </a:ext>
-            </a:extLst>
-          </p:cNvPr>
-          <p:cNvSpPr>
-            <a:spLocks noGrp="1"/>
-          </p:cNvSpPr>
-          <p:nvPr>
-            <p:ph type="sldNum" sz="quarter" idx="12"/>
-          </p:nvPr>
-        </p:nvSpPr>
-        <p:spPr/>
-        <p:txBody>
-          <a:bodyPr/>
-          <a:lstStyle/>
-          <a:p>
-            <a:fld id="{2BD03CB1-4DB3-405C-876B-B27AD0EBE084}" type="slidenum">
-              <a:rPr lang="en-US" smtClean="0"/>
-              <a:t>12</a:t>
-            </a:fld>
-            <a:endParaRPr lang="en-US"/>
-          </a:p>
-        </p:txBody>
-      </p:sp>
-      <p:sp>
-        <p:nvSpPr>
-          <p:cNvPr id="3" name="TextBox 2">
-            <a:extLst>
-              <a:ext uri="{FF2B5EF4-FFF2-40B4-BE49-F238E27FC236}">
-                <a16:creationId xmlns:a16="http://schemas.microsoft.com/office/drawing/2014/main" id="{02C658B5-A6EC-4802-97AA-6D3AE7F71821}"/>
-              </a:ext>
-            </a:extLst>
-          </p:cNvPr>
-          <p:cNvSpPr txBox="1"/>
-          <p:nvPr/>
-        </p:nvSpPr>
-        <p:spPr>
-          <a:xfrm>
-            <a:off x="621194" y="1015336"/>
-            <a:ext cx="3532533" cy="1384995"/>
-          </a:xfrm>
-          <a:prstGeom prst="rect">
-            <a:avLst/>
-          </a:prstGeom>
-          <a:noFill/>
-        </p:spPr>
-        <p:txBody>
-          <a:bodyPr wrap="square" rtlCol="0">
-            <a:spAutoFit/>
-          </a:bodyPr>
-          <a:lstStyle/>
-          <a:p>
-            <a:r>
-              <a:rPr lang="en-US" sz="2100" dirty="0">
-                <a:solidFill>
-                  <a:schemeClr val="bg1"/>
-                </a:solidFill>
-                <a:latin typeface="Microsoft Sans Serif" panose="020B0604020202020204" pitchFamily="34" charset="0"/>
-                <a:ea typeface="Microsoft Sans Serif" panose="020B0604020202020204" pitchFamily="34" charset="0"/>
-                <a:cs typeface="Microsoft Sans Serif" panose="020B0604020202020204" pitchFamily="34" charset="0"/>
-              </a:rPr>
-              <a:t>Again we are pointing towards the EIA API and pulling in a separate set of data. </a:t>
-            </a:r>
-          </a:p>
-        </p:txBody>
-      </p:sp>
-      <p:pic>
-        <p:nvPicPr>
-          <p:cNvPr id="7" name="Picture 6">
-            <a:extLst>
-              <a:ext uri="{FF2B5EF4-FFF2-40B4-BE49-F238E27FC236}">
-                <a16:creationId xmlns:a16="http://schemas.microsoft.com/office/drawing/2014/main" id="{A59D15B5-FDFA-4B5F-951F-18EF0E9446DF}"/>
-              </a:ext>
-            </a:extLst>
-          </p:cNvPr>
-          <p:cNvPicPr>
-            <a:picLocks noChangeAspect="1"/>
-          </p:cNvPicPr>
-          <p:nvPr/>
-        </p:nvPicPr>
-        <p:blipFill>
-          <a:blip r:embed="rId4"/>
-          <a:stretch>
-            <a:fillRect/>
-          </a:stretch>
-        </p:blipFill>
-        <p:spPr>
-          <a:xfrm>
-            <a:off x="0" y="2792013"/>
-            <a:ext cx="9144000" cy="2909455"/>
-          </a:xfrm>
-          <a:prstGeom prst="rect">
-            <a:avLst/>
-          </a:prstGeom>
-        </p:spPr>
-      </p:pic>
     </p:spTree>
     <p:extLst>
       <p:ext uri="{BB962C8B-B14F-4D97-AF65-F5344CB8AC3E}">
-        <p14:creationId xmlns:p14="http://schemas.microsoft.com/office/powerpoint/2010/main" val="350369706"/>
+        <p14:creationId xmlns:p14="http://schemas.microsoft.com/office/powerpoint/2010/main" val="1587522947"/>
       </p:ext>
     </p:extLst>
   </p:cSld>
@@ -9584,6 +9581,57 @@
       </p:grpSpPr>
       <p:sp>
         <p:nvSpPr>
+          <p:cNvPr id="6" name="Rectangle 5">
+            <a:extLst>
+              <a:ext uri="{FF2B5EF4-FFF2-40B4-BE49-F238E27FC236}">
+                <a16:creationId xmlns:a16="http://schemas.microsoft.com/office/drawing/2014/main" id="{22549ACC-C78E-4D46-BC7B-5EE8EC2D3A3B}"/>
+              </a:ext>
+            </a:extLst>
+          </p:cNvPr>
+          <p:cNvSpPr/>
+          <p:nvPr/>
+        </p:nvSpPr>
+        <p:spPr>
+          <a:xfrm>
+            <a:off x="522632" y="914376"/>
+            <a:ext cx="3631095" cy="1586916"/>
+          </a:xfrm>
+          <a:prstGeom prst="rect">
+            <a:avLst/>
+          </a:prstGeom>
+          <a:solidFill>
+            <a:srgbClr val="E51836">
+              <a:alpha val="92000"/>
+            </a:srgbClr>
+          </a:solidFill>
+        </p:spPr>
+        <p:style>
+          <a:lnRef idx="2">
+            <a:schemeClr val="accent1">
+              <a:shade val="50000"/>
+            </a:schemeClr>
+          </a:lnRef>
+          <a:fillRef idx="1">
+            <a:schemeClr val="accent1"/>
+          </a:fillRef>
+          <a:effectRef idx="0">
+            <a:schemeClr val="accent1"/>
+          </a:effectRef>
+          <a:fontRef idx="minor">
+            <a:schemeClr val="lt1"/>
+          </a:fontRef>
+        </p:style>
+        <p:txBody>
+          <a:bodyPr rtlCol="0" anchor="ctr"/>
+          <a:lstStyle/>
+          <a:p>
+            <a:pPr algn="ctr"/>
+            <a:endParaRPr lang="en-US"/>
+          </a:p>
+        </p:txBody>
+      </p:sp>
+      <p:sp>
+        <p:nvSpPr>
           <p:cNvPr id="2" name="Title 1">
             <a:extLst>
               <a:ext uri="{FF2B5EF4-FFF2-40B4-BE49-F238E27FC236}">
@@ -9776,12 +9824,54 @@
           </a:p>
         </p:txBody>
       </p:sp>
+      <p:sp>
+        <p:nvSpPr>
+          <p:cNvPr id="3" name="TextBox 2">
+            <a:extLst>
+              <a:ext uri="{FF2B5EF4-FFF2-40B4-BE49-F238E27FC236}">
+                <a16:creationId xmlns:a16="http://schemas.microsoft.com/office/drawing/2014/main" id="{02C658B5-A6EC-4802-97AA-6D3AE7F71821}"/>
+              </a:ext>
+            </a:extLst>
+          </p:cNvPr>
+          <p:cNvSpPr txBox="1"/>
+          <p:nvPr/>
+        </p:nvSpPr>
+        <p:spPr>
+          <a:xfrm>
+            <a:off x="621194" y="1015336"/>
+            <a:ext cx="3532533" cy="1384995"/>
+          </a:xfrm>
+          <a:prstGeom prst="rect">
+            <a:avLst/>
+          </a:prstGeom>
+          <a:noFill/>
+        </p:spPr>
+        <p:txBody>
+          <a:bodyPr wrap="square" rtlCol="0">
+            <a:spAutoFit/>
+          </a:bodyPr>
+          <a:lstStyle/>
+          <a:p>
+            <a:r>
+              <a:rPr lang="en-US" sz="2100" dirty="0">
+                <a:solidFill>
+                  <a:schemeClr val="bg1"/>
+                </a:solidFill>
+                <a:latin typeface="Microsoft Sans Serif" panose="020B0604020202020204" pitchFamily="34" charset="0"/>
+                <a:ea typeface="Microsoft Sans Serif" panose="020B0604020202020204" pitchFamily="34" charset="0"/>
+                <a:cs typeface="Microsoft Sans Serif" panose="020B0604020202020204" pitchFamily="34" charset="0"/>
+              </a:rPr>
+              <a:t>Again we are pointing towards the EIA API and pulling in a separate set of data. </a:t>
+            </a:r>
+          </a:p>
+        </p:txBody>
+      </p:sp>
       <p:pic>
         <p:nvPicPr>
-          <p:cNvPr id="6" name="Picture 5">
+          <p:cNvPr id="7" name="Picture 6">
             <a:extLst>
               <a:ext uri="{FF2B5EF4-FFF2-40B4-BE49-F238E27FC236}">
-                <a16:creationId xmlns:a16="http://schemas.microsoft.com/office/drawing/2014/main" id="{866A441C-269E-4D6F-8A1F-21A1628F491D}"/>
+                <a16:creationId xmlns:a16="http://schemas.microsoft.com/office/drawing/2014/main" id="{A59D15B5-FDFA-4B5F-951F-18EF0E9446DF}"/>
               </a:ext>
             </a:extLst>
           </p:cNvPr>
@@ -9798,165 +9888,18 @@
         </p:blipFill>
         <p:spPr>
           <a:xfrm>
-            <a:off x="532573" y="928921"/>
-            <a:ext cx="5925377" cy="1905266"/>
+            <a:off x="0" y="2792013"/>
+            <a:ext cx="9144000" cy="2909455"/>
           </a:xfrm>
           <a:prstGeom prst="rect">
             <a:avLst/>
           </a:prstGeom>
-        </p:spPr>
-      </p:pic>
-      <p:sp>
-        <p:nvSpPr>
-          <p:cNvPr id="7" name="TextBox 6">
-            <a:extLst>
-              <a:ext uri="{FF2B5EF4-FFF2-40B4-BE49-F238E27FC236}">
-                <a16:creationId xmlns:a16="http://schemas.microsoft.com/office/drawing/2014/main" id="{B6BA52CE-7CC8-4310-8CF9-BBD252C4FE8A}"/>
-              </a:ext>
-            </a:extLst>
-          </p:cNvPr>
-          <p:cNvSpPr txBox="1"/>
-          <p:nvPr/>
-        </p:nvSpPr>
-        <p:spPr>
-          <a:xfrm>
-            <a:off x="6457950" y="1419889"/>
-            <a:ext cx="2649416" cy="923330"/>
-          </a:xfrm>
-          <a:prstGeom prst="rect">
-            <a:avLst/>
-          </a:prstGeom>
-          <a:noFill/>
-        </p:spPr>
-        <p:txBody>
-          <a:bodyPr wrap="square" rtlCol="0">
-            <a:spAutoFit/>
-          </a:bodyPr>
-          <a:lstStyle/>
-          <a:p>
-            <a:r>
-              <a:rPr lang="en-US" dirty="0"/>
-              <a:t>This is a pretty simple visualization of current storage. </a:t>
-            </a:r>
-          </a:p>
-        </p:txBody>
-      </p:sp>
-      <p:sp>
-        <p:nvSpPr>
-          <p:cNvPr id="12" name="TextBox 11">
-            <a:extLst>
-              <a:ext uri="{FF2B5EF4-FFF2-40B4-BE49-F238E27FC236}">
-                <a16:creationId xmlns:a16="http://schemas.microsoft.com/office/drawing/2014/main" id="{BDB17FCF-3C92-4884-AA22-CEE401A4C028}"/>
-              </a:ext>
-            </a:extLst>
-          </p:cNvPr>
-          <p:cNvSpPr txBox="1"/>
-          <p:nvPr/>
-        </p:nvSpPr>
-        <p:spPr>
-          <a:xfrm>
-            <a:off x="691661" y="2863789"/>
-            <a:ext cx="5193323" cy="646331"/>
-          </a:xfrm>
-          <a:prstGeom prst="rect">
-            <a:avLst/>
-          </a:prstGeom>
-          <a:noFill/>
-        </p:spPr>
-        <p:txBody>
-          <a:bodyPr wrap="square" rtlCol="0">
-            <a:spAutoFit/>
-          </a:bodyPr>
-          <a:lstStyle/>
-          <a:p>
-            <a:r>
-              <a:rPr lang="en-US" dirty="0"/>
-              <a:t>We want to show the max, the min, and current average…..</a:t>
-            </a:r>
-          </a:p>
-        </p:txBody>
-      </p:sp>
-      <p:pic>
-        <p:nvPicPr>
-          <p:cNvPr id="13" name="Picture 12">
-            <a:extLst>
-              <a:ext uri="{FF2B5EF4-FFF2-40B4-BE49-F238E27FC236}">
-                <a16:creationId xmlns:a16="http://schemas.microsoft.com/office/drawing/2014/main" id="{9071C669-7708-4B79-A7BF-90BFD5502B41}"/>
-              </a:ext>
-            </a:extLst>
-          </p:cNvPr>
-          <p:cNvPicPr>
-            <a:picLocks noChangeAspect="1"/>
-          </p:cNvPicPr>
-          <p:nvPr/>
-        </p:nvPicPr>
-        <p:blipFill>
-          <a:blip r:embed="rId5"/>
-          <a:stretch>
-            <a:fillRect/>
-          </a:stretch>
-        </p:blipFill>
-        <p:spPr>
-          <a:xfrm>
-            <a:off x="691661" y="3429000"/>
-            <a:ext cx="3781953" cy="2619741"/>
-          </a:xfrm>
-          <a:prstGeom prst="rect">
-            <a:avLst/>
-          </a:prstGeom>
-        </p:spPr>
-      </p:pic>
-      <p:pic>
-        <p:nvPicPr>
-          <p:cNvPr id="4100" name="Picture 4">
-            <a:extLst>
-              <a:ext uri="{FF2B5EF4-FFF2-40B4-BE49-F238E27FC236}">
-                <a16:creationId xmlns:a16="http://schemas.microsoft.com/office/drawing/2014/main" id="{0A36D5E0-0658-48B2-8756-E2F31D5BCDB5}"/>
-              </a:ext>
-            </a:extLst>
-          </p:cNvPr>
-          <p:cNvPicPr>
-            <a:picLocks noChangeAspect="1" noChangeArrowheads="1"/>
-          </p:cNvPicPr>
-          <p:nvPr/>
-        </p:nvPicPr>
-        <p:blipFill>
-          <a:blip r:embed="rId6">
-            <a:extLst>
-              <a:ext uri="{28A0092B-C50C-407E-A947-70E740481C1C}">
-                <a14:useLocalDpi xmlns:a14="http://schemas.microsoft.com/office/drawing/2010/main" val="0"/>
-              </a:ext>
-            </a:extLst>
-          </a:blip>
-          <a:srcRect/>
-          <a:stretch>
-            <a:fillRect/>
-          </a:stretch>
-        </p:blipFill>
-        <p:spPr bwMode="auto">
-          <a:xfrm>
-            <a:off x="5562703" y="2834187"/>
-            <a:ext cx="3201865" cy="3201865"/>
-          </a:xfrm>
-          <a:prstGeom prst="rect">
-            <a:avLst/>
-          </a:prstGeom>
-          <a:noFill/>
-          <a:extLst>
-            <a:ext uri="{909E8E84-426E-40DD-AFC4-6F175D3DCCD1}">
-              <a14:hiddenFill xmlns:a14="http://schemas.microsoft.com/office/drawing/2010/main">
-                <a:solidFill>
-                  <a:srgbClr val="FFFFFF"/>
-                </a:solidFill>
-              </a14:hiddenFill>
-            </a:ext>
-          </a:extLst>
         </p:spPr>
       </p:pic>
     </p:spTree>
     <p:extLst>
       <p:ext uri="{BB962C8B-B14F-4D97-AF65-F5344CB8AC3E}">
-        <p14:creationId xmlns:p14="http://schemas.microsoft.com/office/powerpoint/2010/main" val="262610427"/>
+        <p14:creationId xmlns:p14="http://schemas.microsoft.com/office/powerpoint/2010/main" val="350369706"/>
       </p:ext>
     </p:extLst>
   </p:cSld>
@@ -10017,7 +9960,7 @@
                 <a:ea typeface="Microsoft Sans Serif" panose="020B0604020202020204" pitchFamily="34" charset="0"/>
                 <a:cs typeface="Microsoft Sans Serif" panose="020B0604020202020204" pitchFamily="34" charset="0"/>
               </a:rPr>
-              <a:t>Data Assembly – Put it all Together </a:t>
+              <a:t>Data Assembly </a:t>
             </a:r>
             <a:endParaRPr lang="en-US" sz="3200" dirty="0"/>
           </a:p>
@@ -10179,10 +10122,10 @@
       </p:sp>
       <p:pic>
         <p:nvPicPr>
-          <p:cNvPr id="3" name="Picture 2">
+          <p:cNvPr id="6" name="Picture 5">
             <a:extLst>
               <a:ext uri="{FF2B5EF4-FFF2-40B4-BE49-F238E27FC236}">
-                <a16:creationId xmlns:a16="http://schemas.microsoft.com/office/drawing/2014/main" id="{5AA317FC-D2B1-4707-AE63-9A4C0CA68B80}"/>
+                <a16:creationId xmlns:a16="http://schemas.microsoft.com/office/drawing/2014/main" id="{866A441C-269E-4D6F-8A1F-21A1628F491D}"/>
               </a:ext>
             </a:extLst>
           </p:cNvPr>
@@ -10199,20 +10142,90 @@
         </p:blipFill>
         <p:spPr>
           <a:xfrm>
-            <a:off x="0" y="1010365"/>
-            <a:ext cx="9144000" cy="2418635"/>
+            <a:off x="532573" y="928921"/>
+            <a:ext cx="5925377" cy="1905266"/>
           </a:xfrm>
           <a:prstGeom prst="rect">
             <a:avLst/>
           </a:prstGeom>
         </p:spPr>
       </p:pic>
+      <p:sp>
+        <p:nvSpPr>
+          <p:cNvPr id="7" name="TextBox 6">
+            <a:extLst>
+              <a:ext uri="{FF2B5EF4-FFF2-40B4-BE49-F238E27FC236}">
+                <a16:creationId xmlns:a16="http://schemas.microsoft.com/office/drawing/2014/main" id="{B6BA52CE-7CC8-4310-8CF9-BBD252C4FE8A}"/>
+              </a:ext>
+            </a:extLst>
+          </p:cNvPr>
+          <p:cNvSpPr txBox="1"/>
+          <p:nvPr/>
+        </p:nvSpPr>
+        <p:spPr>
+          <a:xfrm>
+            <a:off x="6457950" y="1419889"/>
+            <a:ext cx="2649416" cy="923330"/>
+          </a:xfrm>
+          <a:prstGeom prst="rect">
+            <a:avLst/>
+          </a:prstGeom>
+          <a:noFill/>
+        </p:spPr>
+        <p:txBody>
+          <a:bodyPr wrap="square" rtlCol="0">
+            <a:spAutoFit/>
+          </a:bodyPr>
+          <a:lstStyle/>
+          <a:p>
+            <a:r>
+              <a:rPr lang="en-US" dirty="0"/>
+              <a:t>This is a pretty simple visualization of current storage. </a:t>
+            </a:r>
+          </a:p>
+        </p:txBody>
+      </p:sp>
+      <p:sp>
+        <p:nvSpPr>
+          <p:cNvPr id="12" name="TextBox 11">
+            <a:extLst>
+              <a:ext uri="{FF2B5EF4-FFF2-40B4-BE49-F238E27FC236}">
+                <a16:creationId xmlns:a16="http://schemas.microsoft.com/office/drawing/2014/main" id="{BDB17FCF-3C92-4884-AA22-CEE401A4C028}"/>
+              </a:ext>
+            </a:extLst>
+          </p:cNvPr>
+          <p:cNvSpPr txBox="1"/>
+          <p:nvPr/>
+        </p:nvSpPr>
+        <p:spPr>
+          <a:xfrm>
+            <a:off x="691661" y="2863789"/>
+            <a:ext cx="5193323" cy="646331"/>
+          </a:xfrm>
+          <a:prstGeom prst="rect">
+            <a:avLst/>
+          </a:prstGeom>
+          <a:noFill/>
+        </p:spPr>
+        <p:txBody>
+          <a:bodyPr wrap="square" rtlCol="0">
+            <a:spAutoFit/>
+          </a:bodyPr>
+          <a:lstStyle/>
+          <a:p>
+            <a:r>
+              <a:rPr lang="en-US" dirty="0"/>
+              <a:t>We want to show the max, the min, and current average…..</a:t>
+            </a:r>
+          </a:p>
+        </p:txBody>
+      </p:sp>
       <p:pic>
         <p:nvPicPr>
-          <p:cNvPr id="4" name="Picture 3">
+          <p:cNvPr id="13" name="Picture 12">
             <a:extLst>
               <a:ext uri="{FF2B5EF4-FFF2-40B4-BE49-F238E27FC236}">
-                <a16:creationId xmlns:a16="http://schemas.microsoft.com/office/drawing/2014/main" id="{B11E178B-C8B1-4C1E-9AAD-7B7BD6CE613D}"/>
+                <a16:creationId xmlns:a16="http://schemas.microsoft.com/office/drawing/2014/main" id="{9071C669-7708-4B79-A7BF-90BFD5502B41}"/>
               </a:ext>
             </a:extLst>
           </p:cNvPr>
@@ -10229,18 +10242,65 @@
         </p:blipFill>
         <p:spPr>
           <a:xfrm>
-            <a:off x="0" y="3462738"/>
-            <a:ext cx="9144000" cy="2531672"/>
+            <a:off x="691661" y="3429000"/>
+            <a:ext cx="3781953" cy="2619741"/>
           </a:xfrm>
           <a:prstGeom prst="rect">
             <a:avLst/>
           </a:prstGeom>
+        </p:spPr>
+      </p:pic>
+      <p:pic>
+        <p:nvPicPr>
+          <p:cNvPr id="4100" name="Picture 4">
+            <a:extLst>
+              <a:ext uri="{FF2B5EF4-FFF2-40B4-BE49-F238E27FC236}">
+                <a16:creationId xmlns:a16="http://schemas.microsoft.com/office/drawing/2014/main" id="{0A36D5E0-0658-48B2-8756-E2F31D5BCDB5}"/>
+              </a:ext>
+            </a:extLst>
+          </p:cNvPr>
+          <p:cNvPicPr>
+            <a:picLocks noChangeAspect="1" noChangeArrowheads="1"/>
+          </p:cNvPicPr>
+          <p:nvPr/>
+        </p:nvPicPr>
+        <p:blipFill>
+          <a:blip r:embed="rId6">
+            <a:extLst>
+              <a:ext uri="{28A0092B-C50C-407E-A947-70E740481C1C}">
+                <a14:useLocalDpi xmlns:a14="http://schemas.microsoft.com/office/drawing/2010/main" val="0"/>
+              </a:ext>
+            </a:extLst>
+          </a:blip>
+          <a:srcRect/>
+          <a:stretch>
+            <a:fillRect/>
+          </a:stretch>
+        </p:blipFill>
+        <p:spPr bwMode="auto">
+          <a:xfrm>
+            <a:off x="5562703" y="2834187"/>
+            <a:ext cx="3201865" cy="3201865"/>
+          </a:xfrm>
+          <a:prstGeom prst="rect">
+            <a:avLst/>
+          </a:prstGeom>
+          <a:noFill/>
+          <a:extLst>
+            <a:ext uri="{909E8E84-426E-40DD-AFC4-6F175D3DCCD1}">
+              <a14:hiddenFill xmlns:a14="http://schemas.microsoft.com/office/drawing/2010/main">
+                <a:solidFill>
+                  <a:srgbClr val="FFFFFF"/>
+                </a:solidFill>
+              </a14:hiddenFill>
+            </a:ext>
+          </a:extLst>
         </p:spPr>
       </p:pic>
     </p:spTree>
     <p:extLst>
       <p:ext uri="{BB962C8B-B14F-4D97-AF65-F5344CB8AC3E}">
-        <p14:creationId xmlns:p14="http://schemas.microsoft.com/office/powerpoint/2010/main" val="579389629"/>
+        <p14:creationId xmlns:p14="http://schemas.microsoft.com/office/powerpoint/2010/main" val="262610427"/>
       </p:ext>
     </p:extLst>
   </p:cSld>
@@ -10267,12 +10327,52 @@
           <a:chExt cx="0" cy="0"/>
         </a:xfrm>
       </p:grpSpPr>
+      <p:sp>
+        <p:nvSpPr>
+          <p:cNvPr id="2" name="Title 1">
+            <a:extLst>
+              <a:ext uri="{FF2B5EF4-FFF2-40B4-BE49-F238E27FC236}">
+                <a16:creationId xmlns:a16="http://schemas.microsoft.com/office/drawing/2014/main" id="{A8E5541F-7BFA-479C-B8B4-DDE116914320}"/>
+              </a:ext>
+            </a:extLst>
+          </p:cNvPr>
+          <p:cNvSpPr>
+            <a:spLocks noGrp="1"/>
+          </p:cNvSpPr>
+          <p:nvPr>
+            <p:ph type="title"/>
+          </p:nvPr>
+        </p:nvSpPr>
+        <p:spPr>
+          <a:xfrm>
+            <a:off x="522632" y="58022"/>
+            <a:ext cx="7886700" cy="705648"/>
+          </a:xfrm>
+        </p:spPr>
+        <p:txBody>
+          <a:bodyPr>
+            <a:normAutofit/>
+          </a:bodyPr>
+          <a:lstStyle/>
+          <a:p>
+            <a:r>
+              <a:rPr lang="en-US" sz="3200" dirty="0">
+                <a:latin typeface="Microsoft Sans Serif" panose="020B0604020202020204" pitchFamily="34" charset="0"/>
+                <a:ea typeface="Microsoft Sans Serif" panose="020B0604020202020204" pitchFamily="34" charset="0"/>
+                <a:cs typeface="Microsoft Sans Serif" panose="020B0604020202020204" pitchFamily="34" charset="0"/>
+              </a:rPr>
+              <a:t>Data Assembly – Put it all Together </a:t>
+            </a:r>
+            <a:endParaRPr lang="en-US" sz="3200" dirty="0"/>
+          </a:p>
+        </p:txBody>
+      </p:sp>
       <p:pic>
         <p:nvPicPr>
-          <p:cNvPr id="4" name="Picture 3">
+          <p:cNvPr id="5" name="Picture 4">
             <a:extLst>
               <a:ext uri="{FF2B5EF4-FFF2-40B4-BE49-F238E27FC236}">
-                <a16:creationId xmlns:a16="http://schemas.microsoft.com/office/drawing/2014/main" id="{449380A0-F828-40F6-ABA0-CB684060C995}"/>
+                <a16:creationId xmlns:a16="http://schemas.microsoft.com/office/drawing/2014/main" id="{F112826D-8205-4543-9CA7-8C18E18B2A81}"/>
               </a:ext>
             </a:extLst>
           </p:cNvPr>
@@ -10289,8 +10389,8 @@
         </p:blipFill>
         <p:spPr>
           <a:xfrm>
-            <a:off x="0" y="266843"/>
-            <a:ext cx="9143999" cy="6324314"/>
+            <a:off x="0" y="6276894"/>
+            <a:ext cx="1991003" cy="581106"/>
           </a:xfrm>
           <a:prstGeom prst="rect">
             <a:avLst/>
@@ -10299,110 +10399,28 @@
       </p:pic>
       <p:sp>
         <p:nvSpPr>
-          <p:cNvPr id="6" name="TextBox 5">
+          <p:cNvPr id="8" name="Rectangle 7">
             <a:extLst>
               <a:ext uri="{FF2B5EF4-FFF2-40B4-BE49-F238E27FC236}">
-                <a16:creationId xmlns:a16="http://schemas.microsoft.com/office/drawing/2014/main" id="{450BAF91-4632-4A48-A0BC-20AB5D0D29E5}"/>
+                <a16:creationId xmlns:a16="http://schemas.microsoft.com/office/drawing/2014/main" id="{7819BA35-EE0F-4ABB-BEBA-21534EB9317F}"/>
               </a:ext>
             </a:extLst>
           </p:cNvPr>
-          <p:cNvSpPr txBox="1"/>
+          <p:cNvSpPr/>
           <p:nvPr/>
         </p:nvSpPr>
         <p:spPr>
           <a:xfrm>
-            <a:off x="543339" y="4258222"/>
-            <a:ext cx="6130416" cy="1754326"/>
+            <a:off x="522632" y="6276894"/>
+            <a:ext cx="7992717" cy="45719"/>
           </a:xfrm>
           <a:prstGeom prst="rect">
             <a:avLst/>
           </a:prstGeom>
           <a:solidFill>
-            <a:schemeClr val="bg1"/>
+            <a:srgbClr val="E51836"/>
           </a:solidFill>
-        </p:spPr>
-        <p:txBody>
-          <a:bodyPr wrap="square" rtlCol="0" anchor="ctr">
-            <a:spAutoFit/>
-          </a:bodyPr>
-          <a:lstStyle/>
-          <a:p>
-            <a:endParaRPr lang="en-US" sz="3600" dirty="0">
-              <a:latin typeface="Microsoft Sans Serif" panose="020B0604020202020204" pitchFamily="34" charset="0"/>
-              <a:ea typeface="Microsoft Sans Serif" panose="020B0604020202020204" pitchFamily="34" charset="0"/>
-              <a:cs typeface="Microsoft Sans Serif" panose="020B0604020202020204" pitchFamily="34" charset="0"/>
-            </a:endParaRPr>
-          </a:p>
-          <a:p>
-            <a:r>
-              <a:rPr lang="en-US" sz="3600" dirty="0">
-                <a:latin typeface="Microsoft Sans Serif" panose="020B0604020202020204" pitchFamily="34" charset="0"/>
-                <a:ea typeface="Microsoft Sans Serif" panose="020B0604020202020204" pitchFamily="34" charset="0"/>
-                <a:cs typeface="Microsoft Sans Serif" panose="020B0604020202020204" pitchFamily="34" charset="0"/>
-              </a:rPr>
-              <a:t> 4. Scrape Predict Repeat</a:t>
-            </a:r>
-          </a:p>
-          <a:p>
-            <a:endParaRPr lang="en-US" sz="3600" dirty="0">
-              <a:latin typeface="Microsoft Sans Serif" panose="020B0604020202020204" pitchFamily="34" charset="0"/>
-              <a:ea typeface="Microsoft Sans Serif" panose="020B0604020202020204" pitchFamily="34" charset="0"/>
-              <a:cs typeface="Microsoft Sans Serif" panose="020B0604020202020204" pitchFamily="34" charset="0"/>
-            </a:endParaRPr>
-          </a:p>
-        </p:txBody>
-      </p:sp>
-      <p:sp>
-        <p:nvSpPr>
-          <p:cNvPr id="2" name="Slide Number Placeholder 1">
-            <a:extLst>
-              <a:ext uri="{FF2B5EF4-FFF2-40B4-BE49-F238E27FC236}">
-                <a16:creationId xmlns:a16="http://schemas.microsoft.com/office/drawing/2014/main" id="{0C20A05A-1E61-419B-8225-50C27E807A0F}"/>
-              </a:ext>
-            </a:extLst>
-          </p:cNvPr>
-          <p:cNvSpPr>
-            <a:spLocks noGrp="1"/>
-          </p:cNvSpPr>
-          <p:nvPr>
-            <p:ph type="sldNum" sz="quarter" idx="12"/>
-          </p:nvPr>
-        </p:nvSpPr>
-        <p:spPr/>
-        <p:txBody>
-          <a:bodyPr/>
-          <a:lstStyle/>
-          <a:p>
-            <a:fld id="{2BD03CB1-4DB3-405C-876B-B27AD0EBE084}" type="slidenum">
-              <a:rPr lang="en-US" smtClean="0"/>
-              <a:t>15</a:t>
-            </a:fld>
-            <a:endParaRPr lang="en-US"/>
-          </a:p>
-        </p:txBody>
-      </p:sp>
-      <p:sp>
-        <p:nvSpPr>
-          <p:cNvPr id="3" name="Rectangle 2">
-            <a:extLst>
-              <a:ext uri="{FF2B5EF4-FFF2-40B4-BE49-F238E27FC236}">
-                <a16:creationId xmlns:a16="http://schemas.microsoft.com/office/drawing/2014/main" id="{B58459CE-3466-455A-8FD5-9D14FA580553}"/>
-              </a:ext>
-            </a:extLst>
-          </p:cNvPr>
-          <p:cNvSpPr/>
-          <p:nvPr/>
-        </p:nvSpPr>
-        <p:spPr>
-          <a:xfrm>
-            <a:off x="649357" y="4850296"/>
-            <a:ext cx="543339" cy="556591"/>
-          </a:xfrm>
-          <a:prstGeom prst="rect">
-            <a:avLst/>
-          </a:prstGeom>
-          <a:noFill/>
-          <a:ln w="57150">
+          <a:ln>
             <a:solidFill>
               <a:srgbClr val="E51836"/>
             </a:solidFill>
@@ -10433,62 +10451,140 @@
           </a:p>
         </p:txBody>
       </p:sp>
-      <p:sp>
-        <p:nvSpPr>
-          <p:cNvPr id="7" name="Rectangle 6">
+      <p:cxnSp>
+        <p:nvCxnSpPr>
+          <p:cNvPr id="10" name="Straight Connector 9">
             <a:extLst>
               <a:ext uri="{FF2B5EF4-FFF2-40B4-BE49-F238E27FC236}">
-                <a16:creationId xmlns:a16="http://schemas.microsoft.com/office/drawing/2014/main" id="{CE672193-1A1B-4AF5-A2D5-06BD5A09B613}"/>
+                <a16:creationId xmlns:a16="http://schemas.microsoft.com/office/drawing/2014/main" id="{2A2D717B-FED3-4573-B2FE-57087D39430D}"/>
               </a:ext>
             </a:extLst>
           </p:cNvPr>
-          <p:cNvSpPr/>
+          <p:cNvCxnSpPr/>
           <p:nvPr/>
-        </p:nvSpPr>
+        </p:nvCxnSpPr>
         <p:spPr>
           <a:xfrm>
-            <a:off x="649355" y="4572000"/>
-            <a:ext cx="5355659" cy="1166191"/>
-          </a:xfrm>
-          <a:prstGeom prst="rect">
+            <a:off x="522632" y="763670"/>
+            <a:ext cx="7992717" cy="0"/>
+          </a:xfrm>
+          <a:prstGeom prst="line">
             <a:avLst/>
           </a:prstGeom>
-          <a:noFill/>
-          <a:ln w="57150">
+          <a:ln>
             <a:solidFill>
               <a:srgbClr val="E51836"/>
             </a:solidFill>
           </a:ln>
         </p:spPr>
         <p:style>
-          <a:lnRef idx="2">
-            <a:schemeClr val="accent1">
-              <a:shade val="50000"/>
-            </a:schemeClr>
+          <a:lnRef idx="1">
+            <a:schemeClr val="accent1"/>
           </a:lnRef>
-          <a:fillRef idx="1">
+          <a:fillRef idx="0">
             <a:schemeClr val="accent1"/>
           </a:fillRef>
           <a:effectRef idx="0">
             <a:schemeClr val="accent1"/>
           </a:effectRef>
           <a:fontRef idx="minor">
-            <a:schemeClr val="lt1"/>
+            <a:schemeClr val="tx1"/>
           </a:fontRef>
         </p:style>
-        <p:txBody>
-          <a:bodyPr rtlCol="0" anchor="ctr"/>
-          <a:lstStyle/>
-          <a:p>
-            <a:pPr algn="ctr"/>
+      </p:cxnSp>
+      <p:sp>
+        <p:nvSpPr>
+          <p:cNvPr id="11" name="Slide Number Placeholder 10">
+            <a:extLst>
+              <a:ext uri="{FF2B5EF4-FFF2-40B4-BE49-F238E27FC236}">
+                <a16:creationId xmlns:a16="http://schemas.microsoft.com/office/drawing/2014/main" id="{3638B894-F5CB-41EC-A4AE-32E1D6A3E77D}"/>
+              </a:ext>
+            </a:extLst>
+          </p:cNvPr>
+          <p:cNvSpPr>
+            <a:spLocks noGrp="1"/>
+          </p:cNvSpPr>
+          <p:nvPr>
+            <p:ph type="sldNum" sz="quarter" idx="12"/>
+          </p:nvPr>
+        </p:nvSpPr>
+        <p:spPr/>
+        <p:txBody>
+          <a:bodyPr/>
+          <a:lstStyle/>
+          <a:p>
+            <a:fld id="{2BD03CB1-4DB3-405C-876B-B27AD0EBE084}" type="slidenum">
+              <a:rPr lang="en-US" smtClean="0"/>
+              <a:t>15</a:t>
+            </a:fld>
             <a:endParaRPr lang="en-US"/>
           </a:p>
         </p:txBody>
       </p:sp>
+      <p:pic>
+        <p:nvPicPr>
+          <p:cNvPr id="3" name="Picture 2">
+            <a:extLst>
+              <a:ext uri="{FF2B5EF4-FFF2-40B4-BE49-F238E27FC236}">
+                <a16:creationId xmlns:a16="http://schemas.microsoft.com/office/drawing/2014/main" id="{5AA317FC-D2B1-4707-AE63-9A4C0CA68B80}"/>
+              </a:ext>
+            </a:extLst>
+          </p:cNvPr>
+          <p:cNvPicPr>
+            <a:picLocks noChangeAspect="1"/>
+          </p:cNvPicPr>
+          <p:nvPr/>
+        </p:nvPicPr>
+        <p:blipFill>
+          <a:blip r:embed="rId4"/>
+          <a:stretch>
+            <a:fillRect/>
+          </a:stretch>
+        </p:blipFill>
+        <p:spPr>
+          <a:xfrm>
+            <a:off x="0" y="1010365"/>
+            <a:ext cx="9144000" cy="2418635"/>
+          </a:xfrm>
+          <a:prstGeom prst="rect">
+            <a:avLst/>
+          </a:prstGeom>
+        </p:spPr>
+      </p:pic>
+      <p:pic>
+        <p:nvPicPr>
+          <p:cNvPr id="4" name="Picture 3">
+            <a:extLst>
+              <a:ext uri="{FF2B5EF4-FFF2-40B4-BE49-F238E27FC236}">
+                <a16:creationId xmlns:a16="http://schemas.microsoft.com/office/drawing/2014/main" id="{B11E178B-C8B1-4C1E-9AAD-7B7BD6CE613D}"/>
+              </a:ext>
+            </a:extLst>
+          </p:cNvPr>
+          <p:cNvPicPr>
+            <a:picLocks noChangeAspect="1"/>
+          </p:cNvPicPr>
+          <p:nvPr/>
+        </p:nvPicPr>
+        <p:blipFill>
+          <a:blip r:embed="rId5"/>
+          <a:stretch>
+            <a:fillRect/>
+          </a:stretch>
+        </p:blipFill>
+        <p:spPr>
+          <a:xfrm>
+            <a:off x="0" y="3462738"/>
+            <a:ext cx="9144000" cy="2531672"/>
+          </a:xfrm>
+          <a:prstGeom prst="rect">
+            <a:avLst/>
+          </a:prstGeom>
+        </p:spPr>
+      </p:pic>
     </p:spTree>
     <p:extLst>
       <p:ext uri="{BB962C8B-B14F-4D97-AF65-F5344CB8AC3E}">
-        <p14:creationId xmlns:p14="http://schemas.microsoft.com/office/powerpoint/2010/main" val="2515677415"/>
+        <p14:creationId xmlns:p14="http://schemas.microsoft.com/office/powerpoint/2010/main" val="579389629"/>
       </p:ext>
     </p:extLst>
   </p:cSld>
@@ -10515,12 +10611,97 @@
           <a:chExt cx="0" cy="0"/>
         </a:xfrm>
       </p:grpSpPr>
+      <p:pic>
+        <p:nvPicPr>
+          <p:cNvPr id="4" name="Picture 3">
+            <a:extLst>
+              <a:ext uri="{FF2B5EF4-FFF2-40B4-BE49-F238E27FC236}">
+                <a16:creationId xmlns:a16="http://schemas.microsoft.com/office/drawing/2014/main" id="{449380A0-F828-40F6-ABA0-CB684060C995}"/>
+              </a:ext>
+            </a:extLst>
+          </p:cNvPr>
+          <p:cNvPicPr>
+            <a:picLocks noChangeAspect="1"/>
+          </p:cNvPicPr>
+          <p:nvPr/>
+        </p:nvPicPr>
+        <p:blipFill>
+          <a:blip r:embed="rId3"/>
+          <a:stretch>
+            <a:fillRect/>
+          </a:stretch>
+        </p:blipFill>
+        <p:spPr>
+          <a:xfrm>
+            <a:off x="0" y="266843"/>
+            <a:ext cx="9143999" cy="6324314"/>
+          </a:xfrm>
+          <a:prstGeom prst="rect">
+            <a:avLst/>
+          </a:prstGeom>
+        </p:spPr>
+      </p:pic>
+      <p:sp>
+        <p:nvSpPr>
+          <p:cNvPr id="6" name="TextBox 5">
+            <a:extLst>
+              <a:ext uri="{FF2B5EF4-FFF2-40B4-BE49-F238E27FC236}">
+                <a16:creationId xmlns:a16="http://schemas.microsoft.com/office/drawing/2014/main" id="{450BAF91-4632-4A48-A0BC-20AB5D0D29E5}"/>
+              </a:ext>
+            </a:extLst>
+          </p:cNvPr>
+          <p:cNvSpPr txBox="1"/>
+          <p:nvPr/>
+        </p:nvSpPr>
+        <p:spPr>
+          <a:xfrm>
+            <a:off x="543339" y="4258222"/>
+            <a:ext cx="6130416" cy="1754326"/>
+          </a:xfrm>
+          <a:prstGeom prst="rect">
+            <a:avLst/>
+          </a:prstGeom>
+          <a:solidFill>
+            <a:schemeClr val="bg1"/>
+          </a:solidFill>
+        </p:spPr>
+        <p:txBody>
+          <a:bodyPr wrap="square" rtlCol="0" anchor="ctr">
+            <a:spAutoFit/>
+          </a:bodyPr>
+          <a:lstStyle/>
+          <a:p>
+            <a:endParaRPr lang="en-US" sz="3600" dirty="0">
+              <a:latin typeface="Microsoft Sans Serif" panose="020B0604020202020204" pitchFamily="34" charset="0"/>
+              <a:ea typeface="Microsoft Sans Serif" panose="020B0604020202020204" pitchFamily="34" charset="0"/>
+              <a:cs typeface="Microsoft Sans Serif" panose="020B0604020202020204" pitchFamily="34" charset="0"/>
+            </a:endParaRPr>
+          </a:p>
+          <a:p>
+            <a:r>
+              <a:rPr lang="en-US" sz="3600" dirty="0">
+                <a:latin typeface="Microsoft Sans Serif" panose="020B0604020202020204" pitchFamily="34" charset="0"/>
+                <a:ea typeface="Microsoft Sans Serif" panose="020B0604020202020204" pitchFamily="34" charset="0"/>
+                <a:cs typeface="Microsoft Sans Serif" panose="020B0604020202020204" pitchFamily="34" charset="0"/>
+              </a:rPr>
+              <a:t> 4. Scrape Predict Repeat</a:t>
+            </a:r>
+          </a:p>
+          <a:p>
+            <a:endParaRPr lang="en-US" sz="3600" dirty="0">
+              <a:latin typeface="Microsoft Sans Serif" panose="020B0604020202020204" pitchFamily="34" charset="0"/>
+              <a:ea typeface="Microsoft Sans Serif" panose="020B0604020202020204" pitchFamily="34" charset="0"/>
+              <a:cs typeface="Microsoft Sans Serif" panose="020B0604020202020204" pitchFamily="34" charset="0"/>
+            </a:endParaRPr>
+          </a:p>
+        </p:txBody>
+      </p:sp>
       <p:sp>
         <p:nvSpPr>
           <p:cNvPr id="2" name="Slide Number Placeholder 1">
             <a:extLst>
               <a:ext uri="{FF2B5EF4-FFF2-40B4-BE49-F238E27FC236}">
-                <a16:creationId xmlns:a16="http://schemas.microsoft.com/office/drawing/2014/main" id="{8CD066AB-1AD5-4106-99BA-4665741C78F9}"/>
+                <a16:creationId xmlns:a16="http://schemas.microsoft.com/office/drawing/2014/main" id="{0C20A05A-1E61-419B-8225-50C27E807A0F}"/>
               </a:ext>
             </a:extLst>
           </p:cNvPr>
@@ -10544,57 +10725,114 @@
           </a:p>
         </p:txBody>
       </p:sp>
-      <p:pic>
-        <p:nvPicPr>
-          <p:cNvPr id="2050" name="Picture 2" descr="Eyeballing the Katy Gas Storage Hub">
+      <p:sp>
+        <p:nvSpPr>
+          <p:cNvPr id="3" name="Rectangle 2">
             <a:extLst>
               <a:ext uri="{FF2B5EF4-FFF2-40B4-BE49-F238E27FC236}">
-                <a16:creationId xmlns:a16="http://schemas.microsoft.com/office/drawing/2014/main" id="{8AC4657F-882E-495D-BEB2-ABB4E6467AF2}"/>
+                <a16:creationId xmlns:a16="http://schemas.microsoft.com/office/drawing/2014/main" id="{B58459CE-3466-455A-8FD5-9D14FA580553}"/>
               </a:ext>
             </a:extLst>
           </p:cNvPr>
-          <p:cNvPicPr>
-            <a:picLocks noChangeAspect="1" noChangeArrowheads="1"/>
-          </p:cNvPicPr>
+          <p:cNvSpPr/>
           <p:nvPr/>
-        </p:nvPicPr>
-        <p:blipFill>
-          <a:blip r:embed="rId3">
-            <a:extLst>
-              <a:ext uri="{28A0092B-C50C-407E-A947-70E740481C1C}">
-                <a14:useLocalDpi xmlns:a14="http://schemas.microsoft.com/office/drawing/2010/main" val="0"/>
-              </a:ext>
-            </a:extLst>
-          </a:blip>
-          <a:srcRect/>
-          <a:stretch>
-            <a:fillRect/>
-          </a:stretch>
-        </p:blipFill>
-        <p:spPr bwMode="auto">
+        </p:nvSpPr>
+        <p:spPr>
           <a:xfrm>
-            <a:off x="0" y="93663"/>
-            <a:ext cx="9144000" cy="6670675"/>
+            <a:off x="649357" y="4850296"/>
+            <a:ext cx="543339" cy="556591"/>
           </a:xfrm>
           <a:prstGeom prst="rect">
             <a:avLst/>
           </a:prstGeom>
           <a:noFill/>
-          <a:extLst>
-            <a:ext uri="{909E8E84-426E-40DD-AFC4-6F175D3DCCD1}">
-              <a14:hiddenFill xmlns:a14="http://schemas.microsoft.com/office/drawing/2010/main">
-                <a:solidFill>
-                  <a:srgbClr val="FFFFFF"/>
-                </a:solidFill>
-              </a14:hiddenFill>
-            </a:ext>
-          </a:extLst>
-        </p:spPr>
-      </p:pic>
+          <a:ln w="57150">
+            <a:solidFill>
+              <a:srgbClr val="E51836"/>
+            </a:solidFill>
+          </a:ln>
+        </p:spPr>
+        <p:style>
+          <a:lnRef idx="2">
+            <a:schemeClr val="accent1">
+              <a:shade val="50000"/>
+            </a:schemeClr>
+          </a:lnRef>
+          <a:fillRef idx="1">
+            <a:schemeClr val="accent1"/>
+          </a:fillRef>
+          <a:effectRef idx="0">
+            <a:schemeClr val="accent1"/>
+          </a:effectRef>
+          <a:fontRef idx="minor">
+            <a:schemeClr val="lt1"/>
+          </a:fontRef>
+        </p:style>
+        <p:txBody>
+          <a:bodyPr rtlCol="0" anchor="ctr"/>
+          <a:lstStyle/>
+          <a:p>
+            <a:pPr algn="ctr"/>
+            <a:endParaRPr lang="en-US"/>
+          </a:p>
+        </p:txBody>
+      </p:sp>
+      <p:sp>
+        <p:nvSpPr>
+          <p:cNvPr id="7" name="Rectangle 6">
+            <a:extLst>
+              <a:ext uri="{FF2B5EF4-FFF2-40B4-BE49-F238E27FC236}">
+                <a16:creationId xmlns:a16="http://schemas.microsoft.com/office/drawing/2014/main" id="{CE672193-1A1B-4AF5-A2D5-06BD5A09B613}"/>
+              </a:ext>
+            </a:extLst>
+          </p:cNvPr>
+          <p:cNvSpPr/>
+          <p:nvPr/>
+        </p:nvSpPr>
+        <p:spPr>
+          <a:xfrm>
+            <a:off x="649355" y="4572000"/>
+            <a:ext cx="5355659" cy="1166191"/>
+          </a:xfrm>
+          <a:prstGeom prst="rect">
+            <a:avLst/>
+          </a:prstGeom>
+          <a:noFill/>
+          <a:ln w="57150">
+            <a:solidFill>
+              <a:srgbClr val="E51836"/>
+            </a:solidFill>
+          </a:ln>
+        </p:spPr>
+        <p:style>
+          <a:lnRef idx="2">
+            <a:schemeClr val="accent1">
+              <a:shade val="50000"/>
+            </a:schemeClr>
+          </a:lnRef>
+          <a:fillRef idx="1">
+            <a:schemeClr val="accent1"/>
+          </a:fillRef>
+          <a:effectRef idx="0">
+            <a:schemeClr val="accent1"/>
+          </a:effectRef>
+          <a:fontRef idx="minor">
+            <a:schemeClr val="lt1"/>
+          </a:fontRef>
+        </p:style>
+        <p:txBody>
+          <a:bodyPr rtlCol="0" anchor="ctr"/>
+          <a:lstStyle/>
+          <a:p>
+            <a:pPr algn="ctr"/>
+            <a:endParaRPr lang="en-US"/>
+          </a:p>
+        </p:txBody>
+      </p:sp>
     </p:spTree>
     <p:extLst>
       <p:ext uri="{BB962C8B-B14F-4D97-AF65-F5344CB8AC3E}">
-        <p14:creationId xmlns:p14="http://schemas.microsoft.com/office/powerpoint/2010/main" val="1525703545"/>
+        <p14:creationId xmlns:p14="http://schemas.microsoft.com/office/powerpoint/2010/main" val="2515677415"/>
       </p:ext>
     </p:extLst>
   </p:cSld>
@@ -10626,7 +10864,7 @@
           <p:cNvPr id="2" name="Slide Number Placeholder 1">
             <a:extLst>
               <a:ext uri="{FF2B5EF4-FFF2-40B4-BE49-F238E27FC236}">
-                <a16:creationId xmlns:a16="http://schemas.microsoft.com/office/drawing/2014/main" id="{8C2C80CC-30CB-4787-AD1C-80588E2CB84B}"/>
+                <a16:creationId xmlns:a16="http://schemas.microsoft.com/office/drawing/2014/main" id="{8CD066AB-1AD5-4106-99BA-4665741C78F9}"/>
               </a:ext>
             </a:extLst>
           </p:cNvPr>
@@ -10652,164 +10890,55 @@
       </p:sp>
       <p:pic>
         <p:nvPicPr>
-          <p:cNvPr id="3" name="Picture 2">
+          <p:cNvPr id="2050" name="Picture 2" descr="Eyeballing the Katy Gas Storage Hub">
             <a:extLst>
               <a:ext uri="{FF2B5EF4-FFF2-40B4-BE49-F238E27FC236}">
-                <a16:creationId xmlns:a16="http://schemas.microsoft.com/office/drawing/2014/main" id="{40EF7C82-EC5D-4C48-8658-6B68A13A6068}"/>
+                <a16:creationId xmlns:a16="http://schemas.microsoft.com/office/drawing/2014/main" id="{8AC4657F-882E-495D-BEB2-ABB4E6467AF2}"/>
               </a:ext>
             </a:extLst>
           </p:cNvPr>
           <p:cNvPicPr>
-            <a:picLocks noChangeAspect="1"/>
+            <a:picLocks noChangeAspect="1" noChangeArrowheads="1"/>
           </p:cNvPicPr>
           <p:nvPr/>
         </p:nvPicPr>
         <p:blipFill>
-          <a:blip r:embed="rId3"/>
+          <a:blip r:embed="rId3">
+            <a:extLst>
+              <a:ext uri="{28A0092B-C50C-407E-A947-70E740481C1C}">
+                <a14:useLocalDpi xmlns:a14="http://schemas.microsoft.com/office/drawing/2010/main" val="0"/>
+              </a:ext>
+            </a:extLst>
+          </a:blip>
+          <a:srcRect/>
           <a:stretch>
             <a:fillRect/>
           </a:stretch>
         </p:blipFill>
-        <p:spPr>
+        <p:spPr bwMode="auto">
           <a:xfrm>
-            <a:off x="356599" y="136524"/>
-            <a:ext cx="8430802" cy="1162212"/>
+            <a:off x="0" y="93663"/>
+            <a:ext cx="9144000" cy="6670675"/>
           </a:xfrm>
           <a:prstGeom prst="rect">
             <a:avLst/>
           </a:prstGeom>
-        </p:spPr>
-      </p:pic>
-      <p:pic>
-        <p:nvPicPr>
-          <p:cNvPr id="4" name="Picture 3">
-            <a:extLst>
-              <a:ext uri="{FF2B5EF4-FFF2-40B4-BE49-F238E27FC236}">
-                <a16:creationId xmlns:a16="http://schemas.microsoft.com/office/drawing/2014/main" id="{763C5E79-0C3A-48EF-8779-AA44F51784F0}"/>
-              </a:ext>
-            </a:extLst>
-          </p:cNvPr>
-          <p:cNvPicPr>
-            <a:picLocks noChangeAspect="1"/>
-          </p:cNvPicPr>
-          <p:nvPr/>
-        </p:nvPicPr>
-        <p:blipFill>
-          <a:blip r:embed="rId4"/>
-          <a:stretch>
-            <a:fillRect/>
-          </a:stretch>
-        </p:blipFill>
-        <p:spPr>
-          <a:xfrm>
-            <a:off x="356599" y="1317355"/>
-            <a:ext cx="3500926" cy="2510188"/>
-          </a:xfrm>
-          <a:prstGeom prst="rect">
-            <a:avLst/>
-          </a:prstGeom>
-        </p:spPr>
-      </p:pic>
-      <p:pic>
-        <p:nvPicPr>
-          <p:cNvPr id="5" name="Picture 4">
-            <a:extLst>
-              <a:ext uri="{FF2B5EF4-FFF2-40B4-BE49-F238E27FC236}">
-                <a16:creationId xmlns:a16="http://schemas.microsoft.com/office/drawing/2014/main" id="{F58EE6C8-0699-414E-BE3D-2DDF6B698ECC}"/>
-              </a:ext>
-            </a:extLst>
-          </p:cNvPr>
-          <p:cNvPicPr>
-            <a:picLocks noChangeAspect="1"/>
-          </p:cNvPicPr>
-          <p:nvPr/>
-        </p:nvPicPr>
-        <p:blipFill>
-          <a:blip r:embed="rId5"/>
-          <a:stretch>
-            <a:fillRect/>
-          </a:stretch>
-        </p:blipFill>
-        <p:spPr>
-          <a:xfrm>
-            <a:off x="3746455" y="1317355"/>
-            <a:ext cx="3080044" cy="2510189"/>
-          </a:xfrm>
-          <a:prstGeom prst="rect">
-            <a:avLst/>
-          </a:prstGeom>
-        </p:spPr>
-      </p:pic>
-      <p:pic>
-        <p:nvPicPr>
-          <p:cNvPr id="6" name="Picture 5">
-            <a:extLst>
-              <a:ext uri="{FF2B5EF4-FFF2-40B4-BE49-F238E27FC236}">
-                <a16:creationId xmlns:a16="http://schemas.microsoft.com/office/drawing/2014/main" id="{BFADA45A-CE8E-4AFA-A04F-3A6CDF18F463}"/>
-              </a:ext>
-            </a:extLst>
-          </p:cNvPr>
-          <p:cNvPicPr>
-            <a:picLocks noChangeAspect="1"/>
-          </p:cNvPicPr>
-          <p:nvPr/>
-        </p:nvPicPr>
-        <p:blipFill>
-          <a:blip r:embed="rId6"/>
-          <a:stretch>
-            <a:fillRect/>
-          </a:stretch>
-        </p:blipFill>
-        <p:spPr>
-          <a:xfrm>
-            <a:off x="451863" y="3996418"/>
-            <a:ext cx="8335538" cy="2191056"/>
-          </a:xfrm>
-          <a:prstGeom prst="rect">
-            <a:avLst/>
-          </a:prstGeom>
-        </p:spPr>
-      </p:pic>
-      <p:pic>
-        <p:nvPicPr>
-          <p:cNvPr id="8" name="Picture 7" descr="Logo, company name&#10;&#10;Description automatically generated">
-            <a:extLst>
-              <a:ext uri="{FF2B5EF4-FFF2-40B4-BE49-F238E27FC236}">
-                <a16:creationId xmlns:a16="http://schemas.microsoft.com/office/drawing/2014/main" id="{22D0B69B-5F1E-4ACF-8D0D-7BC39A94BD3A}"/>
-              </a:ext>
-            </a:extLst>
-          </p:cNvPr>
-          <p:cNvPicPr>
-            <a:picLocks noChangeAspect="1"/>
-          </p:cNvPicPr>
-          <p:nvPr/>
-        </p:nvPicPr>
-        <p:blipFill>
-          <a:blip r:embed="rId7">
-            <a:extLst>
-              <a:ext uri="{28A0092B-C50C-407E-A947-70E740481C1C}">
-                <a14:useLocalDpi xmlns:a14="http://schemas.microsoft.com/office/drawing/2010/main" val="0"/>
-              </a:ext>
-            </a:extLst>
-          </a:blip>
-          <a:stretch>
-            <a:fillRect/>
-          </a:stretch>
-        </p:blipFill>
-        <p:spPr>
-          <a:xfrm>
-            <a:off x="6271388" y="1298736"/>
-            <a:ext cx="2667000" cy="1270000"/>
-          </a:xfrm>
-          <a:prstGeom prst="rect">
-            <a:avLst/>
-          </a:prstGeom>
+          <a:noFill/>
+          <a:extLst>
+            <a:ext uri="{909E8E84-426E-40DD-AFC4-6F175D3DCCD1}">
+              <a14:hiddenFill xmlns:a14="http://schemas.microsoft.com/office/drawing/2010/main">
+                <a:solidFill>
+                  <a:srgbClr val="FFFFFF"/>
+                </a:solidFill>
+              </a14:hiddenFill>
+            </a:ext>
+          </a:extLst>
         </p:spPr>
       </p:pic>
     </p:spTree>
     <p:extLst>
       <p:ext uri="{BB962C8B-B14F-4D97-AF65-F5344CB8AC3E}">
-        <p14:creationId xmlns:p14="http://schemas.microsoft.com/office/powerpoint/2010/main" val="1113855354"/>
+        <p14:creationId xmlns:p14="http://schemas.microsoft.com/office/powerpoint/2010/main" val="1525703545"/>
       </p:ext>
     </p:extLst>
   </p:cSld>
@@ -10836,12 +10965,41 @@
           <a:chExt cx="0" cy="0"/>
         </a:xfrm>
       </p:grpSpPr>
+      <p:sp>
+        <p:nvSpPr>
+          <p:cNvPr id="2" name="Slide Number Placeholder 1">
+            <a:extLst>
+              <a:ext uri="{FF2B5EF4-FFF2-40B4-BE49-F238E27FC236}">
+                <a16:creationId xmlns:a16="http://schemas.microsoft.com/office/drawing/2014/main" id="{8C2C80CC-30CB-4787-AD1C-80588E2CB84B}"/>
+              </a:ext>
+            </a:extLst>
+          </p:cNvPr>
+          <p:cNvSpPr>
+            <a:spLocks noGrp="1"/>
+          </p:cNvSpPr>
+          <p:nvPr>
+            <p:ph type="sldNum" sz="quarter" idx="12"/>
+          </p:nvPr>
+        </p:nvSpPr>
+        <p:spPr/>
+        <p:txBody>
+          <a:bodyPr/>
+          <a:lstStyle/>
+          <a:p>
+            <a:fld id="{2BD03CB1-4DB3-405C-876B-B27AD0EBE084}" type="slidenum">
+              <a:rPr lang="en-US" smtClean="0"/>
+              <a:t>18</a:t>
+            </a:fld>
+            <a:endParaRPr lang="en-US"/>
+          </a:p>
+        </p:txBody>
+      </p:sp>
       <p:pic>
         <p:nvPicPr>
-          <p:cNvPr id="4" name="Picture 3">
+          <p:cNvPr id="3" name="Picture 2">
             <a:extLst>
               <a:ext uri="{FF2B5EF4-FFF2-40B4-BE49-F238E27FC236}">
-                <a16:creationId xmlns:a16="http://schemas.microsoft.com/office/drawing/2014/main" id="{449380A0-F828-40F6-ABA0-CB684060C995}"/>
+                <a16:creationId xmlns:a16="http://schemas.microsoft.com/office/drawing/2014/main" id="{40EF7C82-EC5D-4C48-8658-6B68A13A6068}"/>
               </a:ext>
             </a:extLst>
           </p:cNvPr>
@@ -10858,201 +11016,20 @@
         </p:blipFill>
         <p:spPr>
           <a:xfrm>
-            <a:off x="0" y="0"/>
-            <a:ext cx="9143999" cy="6324314"/>
+            <a:off x="356599" y="136524"/>
+            <a:ext cx="8430802" cy="1162212"/>
           </a:xfrm>
           <a:prstGeom prst="rect">
             <a:avLst/>
           </a:prstGeom>
         </p:spPr>
       </p:pic>
-      <p:sp>
-        <p:nvSpPr>
-          <p:cNvPr id="6" name="TextBox 5">
-            <a:extLst>
-              <a:ext uri="{FF2B5EF4-FFF2-40B4-BE49-F238E27FC236}">
-                <a16:creationId xmlns:a16="http://schemas.microsoft.com/office/drawing/2014/main" id="{450BAF91-4632-4A48-A0BC-20AB5D0D29E5}"/>
-              </a:ext>
-            </a:extLst>
-          </p:cNvPr>
-          <p:cNvSpPr txBox="1"/>
-          <p:nvPr/>
-        </p:nvSpPr>
-        <p:spPr>
-          <a:xfrm>
-            <a:off x="543339" y="4535220"/>
-            <a:ext cx="6130416" cy="1200329"/>
-          </a:xfrm>
-          <a:prstGeom prst="rect">
-            <a:avLst/>
-          </a:prstGeom>
-          <a:solidFill>
-            <a:schemeClr val="bg1"/>
-          </a:solidFill>
-        </p:spPr>
-        <p:txBody>
-          <a:bodyPr wrap="square" rtlCol="0" anchor="ctr">
-            <a:spAutoFit/>
-          </a:bodyPr>
-          <a:lstStyle/>
-          <a:p>
-            <a:endParaRPr lang="en-US" sz="3600" dirty="0">
-              <a:latin typeface="Microsoft Sans Serif" panose="020B0604020202020204" pitchFamily="34" charset="0"/>
-              <a:ea typeface="Microsoft Sans Serif" panose="020B0604020202020204" pitchFamily="34" charset="0"/>
-              <a:cs typeface="Microsoft Sans Serif" panose="020B0604020202020204" pitchFamily="34" charset="0"/>
-            </a:endParaRPr>
-          </a:p>
-          <a:p>
-            <a:r>
-              <a:rPr lang="en-US" sz="3600" dirty="0">
-                <a:latin typeface="Microsoft Sans Serif" panose="020B0604020202020204" pitchFamily="34" charset="0"/>
-                <a:ea typeface="Microsoft Sans Serif" panose="020B0604020202020204" pitchFamily="34" charset="0"/>
-                <a:cs typeface="Microsoft Sans Serif" panose="020B0604020202020204" pitchFamily="34" charset="0"/>
-              </a:rPr>
-              <a:t> 4. Scrape Predict Repeat</a:t>
-            </a:r>
-          </a:p>
-        </p:txBody>
-      </p:sp>
-      <p:sp>
-        <p:nvSpPr>
-          <p:cNvPr id="2" name="Slide Number Placeholder 1">
-            <a:extLst>
-              <a:ext uri="{FF2B5EF4-FFF2-40B4-BE49-F238E27FC236}">
-                <a16:creationId xmlns:a16="http://schemas.microsoft.com/office/drawing/2014/main" id="{0C20A05A-1E61-419B-8225-50C27E807A0F}"/>
-              </a:ext>
-            </a:extLst>
-          </p:cNvPr>
-          <p:cNvSpPr>
-            <a:spLocks noGrp="1"/>
-          </p:cNvSpPr>
-          <p:nvPr>
-            <p:ph type="sldNum" sz="quarter" idx="12"/>
-          </p:nvPr>
-        </p:nvSpPr>
-        <p:spPr/>
-        <p:txBody>
-          <a:bodyPr/>
-          <a:lstStyle/>
-          <a:p>
-            <a:fld id="{2BD03CB1-4DB3-405C-876B-B27AD0EBE084}" type="slidenum">
-              <a:rPr lang="en-US" smtClean="0"/>
-              <a:t>18</a:t>
-            </a:fld>
-            <a:endParaRPr lang="en-US"/>
-          </a:p>
-        </p:txBody>
-      </p:sp>
-      <p:sp>
-        <p:nvSpPr>
-          <p:cNvPr id="3" name="Rectangle 2">
-            <a:extLst>
-              <a:ext uri="{FF2B5EF4-FFF2-40B4-BE49-F238E27FC236}">
-                <a16:creationId xmlns:a16="http://schemas.microsoft.com/office/drawing/2014/main" id="{B58459CE-3466-455A-8FD5-9D14FA580553}"/>
-              </a:ext>
-            </a:extLst>
-          </p:cNvPr>
-          <p:cNvSpPr/>
-          <p:nvPr/>
-        </p:nvSpPr>
-        <p:spPr>
-          <a:xfrm>
-            <a:off x="649357" y="4850296"/>
-            <a:ext cx="543339" cy="556591"/>
-          </a:xfrm>
-          <a:prstGeom prst="rect">
-            <a:avLst/>
-          </a:prstGeom>
-          <a:noFill/>
-          <a:ln w="57150">
-            <a:solidFill>
-              <a:srgbClr val="E51836"/>
-            </a:solidFill>
-          </a:ln>
-        </p:spPr>
-        <p:style>
-          <a:lnRef idx="2">
-            <a:schemeClr val="accent1">
-              <a:shade val="50000"/>
-            </a:schemeClr>
-          </a:lnRef>
-          <a:fillRef idx="1">
-            <a:schemeClr val="accent1"/>
-          </a:fillRef>
-          <a:effectRef idx="0">
-            <a:schemeClr val="accent1"/>
-          </a:effectRef>
-          <a:fontRef idx="minor">
-            <a:schemeClr val="lt1"/>
-          </a:fontRef>
-        </p:style>
-        <p:txBody>
-          <a:bodyPr rtlCol="0" anchor="ctr"/>
-          <a:lstStyle/>
-          <a:p>
-            <a:pPr algn="ctr"/>
-            <a:endParaRPr lang="en-US"/>
-          </a:p>
-        </p:txBody>
-      </p:sp>
-      <p:sp>
-        <p:nvSpPr>
-          <p:cNvPr id="7" name="Rectangle 6">
-            <a:extLst>
-              <a:ext uri="{FF2B5EF4-FFF2-40B4-BE49-F238E27FC236}">
-                <a16:creationId xmlns:a16="http://schemas.microsoft.com/office/drawing/2014/main" id="{CE672193-1A1B-4AF5-A2D5-06BD5A09B613}"/>
-              </a:ext>
-            </a:extLst>
-          </p:cNvPr>
-          <p:cNvSpPr/>
-          <p:nvPr/>
-        </p:nvSpPr>
-        <p:spPr>
-          <a:xfrm>
-            <a:off x="649355" y="4572000"/>
-            <a:ext cx="5355659" cy="1166191"/>
-          </a:xfrm>
-          <a:prstGeom prst="rect">
-            <a:avLst/>
-          </a:prstGeom>
-          <a:noFill/>
-          <a:ln w="57150">
-            <a:solidFill>
-              <a:srgbClr val="E51836"/>
-            </a:solidFill>
-          </a:ln>
-        </p:spPr>
-        <p:style>
-          <a:lnRef idx="2">
-            <a:schemeClr val="accent1">
-              <a:shade val="50000"/>
-            </a:schemeClr>
-          </a:lnRef>
-          <a:fillRef idx="1">
-            <a:schemeClr val="accent1"/>
-          </a:fillRef>
-          <a:effectRef idx="0">
-            <a:schemeClr val="accent1"/>
-          </a:effectRef>
-          <a:fontRef idx="minor">
-            <a:schemeClr val="lt1"/>
-          </a:fontRef>
-        </p:style>
-        <p:txBody>
-          <a:bodyPr rtlCol="0" anchor="ctr"/>
-          <a:lstStyle/>
-          <a:p>
-            <a:pPr algn="ctr"/>
-            <a:endParaRPr lang="en-US"/>
-          </a:p>
-        </p:txBody>
-      </p:sp>
       <p:pic>
         <p:nvPicPr>
-          <p:cNvPr id="8" name="Picture 7">
+          <p:cNvPr id="4" name="Picture 3">
             <a:extLst>
               <a:ext uri="{FF2B5EF4-FFF2-40B4-BE49-F238E27FC236}">
-                <a16:creationId xmlns:a16="http://schemas.microsoft.com/office/drawing/2014/main" id="{2785956A-637B-449D-BC0E-D977F02ABAE1}"/>
+                <a16:creationId xmlns:a16="http://schemas.microsoft.com/office/drawing/2014/main" id="{763C5E79-0C3A-48EF-8779-AA44F51784F0}"/>
               </a:ext>
             </a:extLst>
           </p:cNvPr>
@@ -11069,8 +11046,104 @@
         </p:blipFill>
         <p:spPr>
           <a:xfrm>
-            <a:off x="0" y="1056576"/>
-            <a:ext cx="11121848" cy="5267738"/>
+            <a:off x="356599" y="1317355"/>
+            <a:ext cx="3500926" cy="2510188"/>
+          </a:xfrm>
+          <a:prstGeom prst="rect">
+            <a:avLst/>
+          </a:prstGeom>
+        </p:spPr>
+      </p:pic>
+      <p:pic>
+        <p:nvPicPr>
+          <p:cNvPr id="5" name="Picture 4">
+            <a:extLst>
+              <a:ext uri="{FF2B5EF4-FFF2-40B4-BE49-F238E27FC236}">
+                <a16:creationId xmlns:a16="http://schemas.microsoft.com/office/drawing/2014/main" id="{F58EE6C8-0699-414E-BE3D-2DDF6B698ECC}"/>
+              </a:ext>
+            </a:extLst>
+          </p:cNvPr>
+          <p:cNvPicPr>
+            <a:picLocks noChangeAspect="1"/>
+          </p:cNvPicPr>
+          <p:nvPr/>
+        </p:nvPicPr>
+        <p:blipFill>
+          <a:blip r:embed="rId5"/>
+          <a:stretch>
+            <a:fillRect/>
+          </a:stretch>
+        </p:blipFill>
+        <p:spPr>
+          <a:xfrm>
+            <a:off x="3746455" y="1317355"/>
+            <a:ext cx="3080044" cy="2510189"/>
+          </a:xfrm>
+          <a:prstGeom prst="rect">
+            <a:avLst/>
+          </a:prstGeom>
+        </p:spPr>
+      </p:pic>
+      <p:pic>
+        <p:nvPicPr>
+          <p:cNvPr id="6" name="Picture 5">
+            <a:extLst>
+              <a:ext uri="{FF2B5EF4-FFF2-40B4-BE49-F238E27FC236}">
+                <a16:creationId xmlns:a16="http://schemas.microsoft.com/office/drawing/2014/main" id="{BFADA45A-CE8E-4AFA-A04F-3A6CDF18F463}"/>
+              </a:ext>
+            </a:extLst>
+          </p:cNvPr>
+          <p:cNvPicPr>
+            <a:picLocks noChangeAspect="1"/>
+          </p:cNvPicPr>
+          <p:nvPr/>
+        </p:nvPicPr>
+        <p:blipFill>
+          <a:blip r:embed="rId6"/>
+          <a:stretch>
+            <a:fillRect/>
+          </a:stretch>
+        </p:blipFill>
+        <p:spPr>
+          <a:xfrm>
+            <a:off x="451863" y="3996418"/>
+            <a:ext cx="8335538" cy="2191056"/>
+          </a:xfrm>
+          <a:prstGeom prst="rect">
+            <a:avLst/>
+          </a:prstGeom>
+        </p:spPr>
+      </p:pic>
+      <p:pic>
+        <p:nvPicPr>
+          <p:cNvPr id="8" name="Picture 7" descr="Logo, company name&#10;&#10;Description automatically generated">
+            <a:extLst>
+              <a:ext uri="{FF2B5EF4-FFF2-40B4-BE49-F238E27FC236}">
+                <a16:creationId xmlns:a16="http://schemas.microsoft.com/office/drawing/2014/main" id="{22D0B69B-5F1E-4ACF-8D0D-7BC39A94BD3A}"/>
+              </a:ext>
+            </a:extLst>
+          </p:cNvPr>
+          <p:cNvPicPr>
+            <a:picLocks noChangeAspect="1"/>
+          </p:cNvPicPr>
+          <p:nvPr/>
+        </p:nvPicPr>
+        <p:blipFill>
+          <a:blip r:embed="rId7">
+            <a:extLst>
+              <a:ext uri="{28A0092B-C50C-407E-A947-70E740481C1C}">
+                <a14:useLocalDpi xmlns:a14="http://schemas.microsoft.com/office/drawing/2010/main" val="0"/>
+              </a:ext>
+            </a:extLst>
+          </a:blip>
+          <a:stretch>
+            <a:fillRect/>
+          </a:stretch>
+        </p:blipFill>
+        <p:spPr>
+          <a:xfrm>
+            <a:off x="6271388" y="1298736"/>
+            <a:ext cx="2667000" cy="1270000"/>
           </a:xfrm>
           <a:prstGeom prst="rect">
             <a:avLst/>
@@ -11080,7 +11153,7 @@
     </p:spTree>
     <p:extLst>
       <p:ext uri="{BB962C8B-B14F-4D97-AF65-F5344CB8AC3E}">
-        <p14:creationId xmlns:p14="http://schemas.microsoft.com/office/powerpoint/2010/main" val="2402741211"/>
+        <p14:creationId xmlns:p14="http://schemas.microsoft.com/office/powerpoint/2010/main" val="1113855354"/>
       </p:ext>
     </p:extLst>
   </p:cSld>
@@ -11107,52 +11180,12 @@
           <a:chExt cx="0" cy="0"/>
         </a:xfrm>
       </p:grpSpPr>
-      <p:sp>
-        <p:nvSpPr>
-          <p:cNvPr id="2" name="Title 1">
-            <a:extLst>
-              <a:ext uri="{FF2B5EF4-FFF2-40B4-BE49-F238E27FC236}">
-                <a16:creationId xmlns:a16="http://schemas.microsoft.com/office/drawing/2014/main" id="{A8E5541F-7BFA-479C-B8B4-DDE116914320}"/>
-              </a:ext>
-            </a:extLst>
-          </p:cNvPr>
-          <p:cNvSpPr>
-            <a:spLocks noGrp="1"/>
-          </p:cNvSpPr>
-          <p:nvPr>
-            <p:ph type="title"/>
-          </p:nvPr>
-        </p:nvSpPr>
-        <p:spPr>
-          <a:xfrm>
-            <a:off x="522632" y="58022"/>
-            <a:ext cx="7886700" cy="705648"/>
-          </a:xfrm>
-        </p:spPr>
-        <p:txBody>
-          <a:bodyPr>
-            <a:normAutofit/>
-          </a:bodyPr>
-          <a:lstStyle/>
-          <a:p>
-            <a:r>
-              <a:rPr lang="en-US" sz="3200" dirty="0">
-                <a:latin typeface="Microsoft Sans Serif" panose="020B0604020202020204" pitchFamily="34" charset="0"/>
-                <a:ea typeface="Microsoft Sans Serif" panose="020B0604020202020204" pitchFamily="34" charset="0"/>
-                <a:cs typeface="Microsoft Sans Serif" panose="020B0604020202020204" pitchFamily="34" charset="0"/>
-              </a:rPr>
-              <a:t>Prediction</a:t>
-            </a:r>
-            <a:endParaRPr lang="en-US" sz="3200" dirty="0"/>
-          </a:p>
-        </p:txBody>
-      </p:sp>
       <p:pic>
         <p:nvPicPr>
-          <p:cNvPr id="5" name="Picture 4">
+          <p:cNvPr id="4" name="Picture 3">
             <a:extLst>
               <a:ext uri="{FF2B5EF4-FFF2-40B4-BE49-F238E27FC236}">
-                <a16:creationId xmlns:a16="http://schemas.microsoft.com/office/drawing/2014/main" id="{F112826D-8205-4543-9CA7-8C18E18B2A81}"/>
+                <a16:creationId xmlns:a16="http://schemas.microsoft.com/office/drawing/2014/main" id="{449380A0-F828-40F6-ABA0-CB684060C995}"/>
               </a:ext>
             </a:extLst>
           </p:cNvPr>
@@ -11169,8 +11202,8 @@
         </p:blipFill>
         <p:spPr>
           <a:xfrm>
-            <a:off x="0" y="6276894"/>
-            <a:ext cx="1991003" cy="581106"/>
+            <a:off x="0" y="0"/>
+            <a:ext cx="9143999" cy="6324314"/>
           </a:xfrm>
           <a:prstGeom prst="rect">
             <a:avLst/>
@@ -11179,28 +11212,103 @@
       </p:pic>
       <p:sp>
         <p:nvSpPr>
-          <p:cNvPr id="8" name="Rectangle 7">
+          <p:cNvPr id="6" name="TextBox 5">
             <a:extLst>
               <a:ext uri="{FF2B5EF4-FFF2-40B4-BE49-F238E27FC236}">
-                <a16:creationId xmlns:a16="http://schemas.microsoft.com/office/drawing/2014/main" id="{7819BA35-EE0F-4ABB-BEBA-21534EB9317F}"/>
+                <a16:creationId xmlns:a16="http://schemas.microsoft.com/office/drawing/2014/main" id="{450BAF91-4632-4A48-A0BC-20AB5D0D29E5}"/>
               </a:ext>
             </a:extLst>
           </p:cNvPr>
-          <p:cNvSpPr/>
+          <p:cNvSpPr txBox="1"/>
           <p:nvPr/>
         </p:nvSpPr>
         <p:spPr>
           <a:xfrm>
-            <a:off x="522632" y="6276894"/>
-            <a:ext cx="7992717" cy="45719"/>
+            <a:off x="543339" y="4535220"/>
+            <a:ext cx="6130416" cy="1200329"/>
           </a:xfrm>
           <a:prstGeom prst="rect">
             <a:avLst/>
           </a:prstGeom>
           <a:solidFill>
-            <a:srgbClr val="E51836"/>
+            <a:schemeClr val="bg1"/>
           </a:solidFill>
-          <a:ln>
+        </p:spPr>
+        <p:txBody>
+          <a:bodyPr wrap="square" rtlCol="0" anchor="ctr">
+            <a:spAutoFit/>
+          </a:bodyPr>
+          <a:lstStyle/>
+          <a:p>
+            <a:endParaRPr lang="en-US" sz="3600" dirty="0">
+              <a:latin typeface="Microsoft Sans Serif" panose="020B0604020202020204" pitchFamily="34" charset="0"/>
+              <a:ea typeface="Microsoft Sans Serif" panose="020B0604020202020204" pitchFamily="34" charset="0"/>
+              <a:cs typeface="Microsoft Sans Serif" panose="020B0604020202020204" pitchFamily="34" charset="0"/>
+            </a:endParaRPr>
+          </a:p>
+          <a:p>
+            <a:r>
+              <a:rPr lang="en-US" sz="3600" dirty="0">
+                <a:latin typeface="Microsoft Sans Serif" panose="020B0604020202020204" pitchFamily="34" charset="0"/>
+                <a:ea typeface="Microsoft Sans Serif" panose="020B0604020202020204" pitchFamily="34" charset="0"/>
+                <a:cs typeface="Microsoft Sans Serif" panose="020B0604020202020204" pitchFamily="34" charset="0"/>
+              </a:rPr>
+              <a:t> 4. Scrape Predict Repeat</a:t>
+            </a:r>
+          </a:p>
+        </p:txBody>
+      </p:sp>
+      <p:sp>
+        <p:nvSpPr>
+          <p:cNvPr id="2" name="Slide Number Placeholder 1">
+            <a:extLst>
+              <a:ext uri="{FF2B5EF4-FFF2-40B4-BE49-F238E27FC236}">
+                <a16:creationId xmlns:a16="http://schemas.microsoft.com/office/drawing/2014/main" id="{0C20A05A-1E61-419B-8225-50C27E807A0F}"/>
+              </a:ext>
+            </a:extLst>
+          </p:cNvPr>
+          <p:cNvSpPr>
+            <a:spLocks noGrp="1"/>
+          </p:cNvSpPr>
+          <p:nvPr>
+            <p:ph type="sldNum" sz="quarter" idx="12"/>
+          </p:nvPr>
+        </p:nvSpPr>
+        <p:spPr/>
+        <p:txBody>
+          <a:bodyPr/>
+          <a:lstStyle/>
+          <a:p>
+            <a:fld id="{2BD03CB1-4DB3-405C-876B-B27AD0EBE084}" type="slidenum">
+              <a:rPr lang="en-US" smtClean="0"/>
+              <a:t>19</a:t>
+            </a:fld>
+            <a:endParaRPr lang="en-US"/>
+          </a:p>
+        </p:txBody>
+      </p:sp>
+      <p:sp>
+        <p:nvSpPr>
+          <p:cNvPr id="3" name="Rectangle 2">
+            <a:extLst>
+              <a:ext uri="{FF2B5EF4-FFF2-40B4-BE49-F238E27FC236}">
+                <a16:creationId xmlns:a16="http://schemas.microsoft.com/office/drawing/2014/main" id="{B58459CE-3466-455A-8FD5-9D14FA580553}"/>
+              </a:ext>
+            </a:extLst>
+          </p:cNvPr>
+          <p:cNvSpPr/>
+          <p:nvPr/>
+        </p:nvSpPr>
+        <p:spPr>
+          <a:xfrm>
+            <a:off x="649357" y="4850296"/>
+            <a:ext cx="543339" cy="556591"/>
+          </a:xfrm>
+          <a:prstGeom prst="rect">
+            <a:avLst/>
+          </a:prstGeom>
+          <a:noFill/>
+          <a:ln w="57150">
             <a:solidFill>
               <a:srgbClr val="E51836"/>
             </a:solidFill>
@@ -11231,168 +11339,64 @@
           </a:p>
         </p:txBody>
       </p:sp>
-      <p:cxnSp>
-        <p:nvCxnSpPr>
-          <p:cNvPr id="10" name="Straight Connector 9">
+      <p:sp>
+        <p:nvSpPr>
+          <p:cNvPr id="7" name="Rectangle 6">
             <a:extLst>
               <a:ext uri="{FF2B5EF4-FFF2-40B4-BE49-F238E27FC236}">
-                <a16:creationId xmlns:a16="http://schemas.microsoft.com/office/drawing/2014/main" id="{2A2D717B-FED3-4573-B2FE-57087D39430D}"/>
+                <a16:creationId xmlns:a16="http://schemas.microsoft.com/office/drawing/2014/main" id="{CE672193-1A1B-4AF5-A2D5-06BD5A09B613}"/>
               </a:ext>
             </a:extLst>
           </p:cNvPr>
-          <p:cNvCxnSpPr/>
+          <p:cNvSpPr/>
           <p:nvPr/>
-        </p:nvCxnSpPr>
+        </p:nvSpPr>
         <p:spPr>
           <a:xfrm>
-            <a:off x="522632" y="763670"/>
-            <a:ext cx="7992717" cy="0"/>
-          </a:xfrm>
-          <a:prstGeom prst="line">
+            <a:off x="649355" y="4572000"/>
+            <a:ext cx="5355659" cy="1166191"/>
+          </a:xfrm>
+          <a:prstGeom prst="rect">
             <a:avLst/>
           </a:prstGeom>
-          <a:ln>
+          <a:noFill/>
+          <a:ln w="57150">
             <a:solidFill>
               <a:srgbClr val="E51836"/>
             </a:solidFill>
           </a:ln>
         </p:spPr>
         <p:style>
-          <a:lnRef idx="1">
-            <a:schemeClr val="accent1"/>
+          <a:lnRef idx="2">
+            <a:schemeClr val="accent1">
+              <a:shade val="50000"/>
+            </a:schemeClr>
           </a:lnRef>
-          <a:fillRef idx="0">
+          <a:fillRef idx="1">
             <a:schemeClr val="accent1"/>
           </a:fillRef>
           <a:effectRef idx="0">
             <a:schemeClr val="accent1"/>
           </a:effectRef>
           <a:fontRef idx="minor">
-            <a:schemeClr val="tx1"/>
+            <a:schemeClr val="lt1"/>
           </a:fontRef>
         </p:style>
-      </p:cxnSp>
-      <p:sp>
-        <p:nvSpPr>
-          <p:cNvPr id="11" name="Slide Number Placeholder 10">
-            <a:extLst>
-              <a:ext uri="{FF2B5EF4-FFF2-40B4-BE49-F238E27FC236}">
-                <a16:creationId xmlns:a16="http://schemas.microsoft.com/office/drawing/2014/main" id="{3638B894-F5CB-41EC-A4AE-32E1D6A3E77D}"/>
-              </a:ext>
-            </a:extLst>
-          </p:cNvPr>
-          <p:cNvSpPr>
-            <a:spLocks noGrp="1"/>
-          </p:cNvSpPr>
-          <p:nvPr>
-            <p:ph type="sldNum" sz="quarter" idx="12"/>
-          </p:nvPr>
-        </p:nvSpPr>
-        <p:spPr/>
-        <p:txBody>
-          <a:bodyPr/>
-          <a:lstStyle/>
-          <a:p>
-            <a:fld id="{2BD03CB1-4DB3-405C-876B-B27AD0EBE084}" type="slidenum">
-              <a:rPr lang="en-US" smtClean="0"/>
-              <a:t>19</a:t>
-            </a:fld>
+        <p:txBody>
+          <a:bodyPr rtlCol="0" anchor="ctr"/>
+          <a:lstStyle/>
+          <a:p>
+            <a:pPr algn="ctr"/>
             <a:endParaRPr lang="en-US"/>
-          </a:p>
-        </p:txBody>
-      </p:sp>
-      <p:sp>
-        <p:nvSpPr>
-          <p:cNvPr id="3" name="TextBox 2">
-            <a:extLst>
-              <a:ext uri="{FF2B5EF4-FFF2-40B4-BE49-F238E27FC236}">
-                <a16:creationId xmlns:a16="http://schemas.microsoft.com/office/drawing/2014/main" id="{02C658B5-A6EC-4802-97AA-6D3AE7F71821}"/>
-              </a:ext>
-            </a:extLst>
-          </p:cNvPr>
-          <p:cNvSpPr txBox="1"/>
-          <p:nvPr/>
-        </p:nvSpPr>
-        <p:spPr>
-          <a:xfrm>
-            <a:off x="1024200" y="1321108"/>
-            <a:ext cx="7183093" cy="738664"/>
-          </a:xfrm>
-          <a:prstGeom prst="rect">
-            <a:avLst/>
-          </a:prstGeom>
-          <a:noFill/>
-        </p:spPr>
-        <p:txBody>
-          <a:bodyPr wrap="square" rtlCol="0">
-            <a:spAutoFit/>
-          </a:bodyPr>
-          <a:lstStyle/>
-          <a:p>
-            <a:r>
-              <a:rPr lang="en-US" sz="2100" dirty="0">
-                <a:latin typeface="Microsoft Sans Serif" panose="020B0604020202020204" pitchFamily="34" charset="0"/>
-                <a:ea typeface="Microsoft Sans Serif" panose="020B0604020202020204" pitchFamily="34" charset="0"/>
-                <a:cs typeface="Microsoft Sans Serif" panose="020B0604020202020204" pitchFamily="34" charset="0"/>
-              </a:rPr>
-              <a:t>The Training score of nearly 64% gives me hope that by adding more storages we will get this much higher</a:t>
-            </a:r>
           </a:p>
         </p:txBody>
       </p:sp>
       <p:pic>
         <p:nvPicPr>
-          <p:cNvPr id="3074" name="Picture 2">
+          <p:cNvPr id="8" name="Picture 7">
             <a:extLst>
               <a:ext uri="{FF2B5EF4-FFF2-40B4-BE49-F238E27FC236}">
-                <a16:creationId xmlns:a16="http://schemas.microsoft.com/office/drawing/2014/main" id="{05937DD1-9DD3-47C4-AC65-37E299DB8CAA}"/>
-              </a:ext>
-            </a:extLst>
-          </p:cNvPr>
-          <p:cNvPicPr>
-            <a:picLocks noChangeAspect="1" noChangeArrowheads="1"/>
-          </p:cNvPicPr>
-          <p:nvPr/>
-        </p:nvPicPr>
-        <p:blipFill>
-          <a:blip r:embed="rId4">
-            <a:extLst>
-              <a:ext uri="{28A0092B-C50C-407E-A947-70E740481C1C}">
-                <a14:useLocalDpi xmlns:a14="http://schemas.microsoft.com/office/drawing/2010/main" val="0"/>
-              </a:ext>
-            </a:extLst>
-          </a:blip>
-          <a:srcRect/>
-          <a:stretch>
-            <a:fillRect/>
-          </a:stretch>
-        </p:blipFill>
-        <p:spPr bwMode="auto">
-          <a:xfrm>
-            <a:off x="1224490" y="2308499"/>
-            <a:ext cx="1438275" cy="771525"/>
-          </a:xfrm>
-          <a:prstGeom prst="rect">
-            <a:avLst/>
-          </a:prstGeom>
-          <a:noFill/>
-          <a:extLst>
-            <a:ext uri="{909E8E84-426E-40DD-AFC4-6F175D3DCCD1}">
-              <a14:hiddenFill xmlns:a14="http://schemas.microsoft.com/office/drawing/2010/main">
-                <a:solidFill>
-                  <a:srgbClr val="FFFFFF"/>
-                </a:solidFill>
-              </a14:hiddenFill>
-            </a:ext>
-          </a:extLst>
-        </p:spPr>
-      </p:pic>
-      <p:pic>
-        <p:nvPicPr>
-          <p:cNvPr id="4" name="Picture 3">
-            <a:extLst>
-              <a:ext uri="{FF2B5EF4-FFF2-40B4-BE49-F238E27FC236}">
-                <a16:creationId xmlns:a16="http://schemas.microsoft.com/office/drawing/2014/main" id="{8FA5429A-98F1-43F1-872D-1DA0696396E7}"/>
+                <a16:creationId xmlns:a16="http://schemas.microsoft.com/office/drawing/2014/main" id="{2785956A-637B-449D-BC0E-D977F02ABAE1}"/>
               </a:ext>
             </a:extLst>
           </p:cNvPr>
@@ -11402,45 +11406,15 @@
           <p:nvPr/>
         </p:nvPicPr>
         <p:blipFill>
-          <a:blip r:embed="rId5"/>
+          <a:blip r:embed="rId4"/>
           <a:stretch>
             <a:fillRect/>
           </a:stretch>
         </p:blipFill>
         <p:spPr>
           <a:xfrm>
-            <a:off x="1024200" y="4407649"/>
-            <a:ext cx="2924583" cy="390580"/>
-          </a:xfrm>
-          <a:prstGeom prst="rect">
-            <a:avLst/>
-          </a:prstGeom>
-        </p:spPr>
-      </p:pic>
-      <p:pic>
-        <p:nvPicPr>
-          <p:cNvPr id="6" name="Picture 5">
-            <a:extLst>
-              <a:ext uri="{FF2B5EF4-FFF2-40B4-BE49-F238E27FC236}">
-                <a16:creationId xmlns:a16="http://schemas.microsoft.com/office/drawing/2014/main" id="{36AB67DC-CF86-4CE1-A4EA-777BC2EA4C04}"/>
-              </a:ext>
-            </a:extLst>
-          </p:cNvPr>
-          <p:cNvPicPr>
-            <a:picLocks noChangeAspect="1"/>
-          </p:cNvPicPr>
-          <p:nvPr/>
-        </p:nvPicPr>
-        <p:blipFill>
-          <a:blip r:embed="rId6"/>
-          <a:stretch>
-            <a:fillRect/>
-          </a:stretch>
-        </p:blipFill>
-        <p:spPr>
-          <a:xfrm>
-            <a:off x="4215761" y="3259726"/>
-            <a:ext cx="3991532" cy="2686425"/>
+            <a:off x="0" y="1056576"/>
+            <a:ext cx="11121848" cy="5267738"/>
           </a:xfrm>
           <a:prstGeom prst="rect">
             <a:avLst/>
@@ -11450,7 +11424,7 @@
     </p:spTree>
     <p:extLst>
       <p:ext uri="{BB962C8B-B14F-4D97-AF65-F5344CB8AC3E}">
-        <p14:creationId xmlns:p14="http://schemas.microsoft.com/office/powerpoint/2010/main" val="3903929215"/>
+        <p14:creationId xmlns:p14="http://schemas.microsoft.com/office/powerpoint/2010/main" val="2402741211"/>
       </p:ext>
     </p:extLst>
   </p:cSld>
@@ -11816,6 +11790,376 @@
           <a:chExt cx="0" cy="0"/>
         </a:xfrm>
       </p:grpSpPr>
+      <p:sp>
+        <p:nvSpPr>
+          <p:cNvPr id="2" name="Title 1">
+            <a:extLst>
+              <a:ext uri="{FF2B5EF4-FFF2-40B4-BE49-F238E27FC236}">
+                <a16:creationId xmlns:a16="http://schemas.microsoft.com/office/drawing/2014/main" id="{A8E5541F-7BFA-479C-B8B4-DDE116914320}"/>
+              </a:ext>
+            </a:extLst>
+          </p:cNvPr>
+          <p:cNvSpPr>
+            <a:spLocks noGrp="1"/>
+          </p:cNvSpPr>
+          <p:nvPr>
+            <p:ph type="title"/>
+          </p:nvPr>
+        </p:nvSpPr>
+        <p:spPr>
+          <a:xfrm>
+            <a:off x="522632" y="58022"/>
+            <a:ext cx="7886700" cy="705648"/>
+          </a:xfrm>
+        </p:spPr>
+        <p:txBody>
+          <a:bodyPr>
+            <a:normAutofit/>
+          </a:bodyPr>
+          <a:lstStyle/>
+          <a:p>
+            <a:r>
+              <a:rPr lang="en-US" sz="3200" dirty="0">
+                <a:latin typeface="Microsoft Sans Serif" panose="020B0604020202020204" pitchFamily="34" charset="0"/>
+                <a:ea typeface="Microsoft Sans Serif" panose="020B0604020202020204" pitchFamily="34" charset="0"/>
+                <a:cs typeface="Microsoft Sans Serif" panose="020B0604020202020204" pitchFamily="34" charset="0"/>
+              </a:rPr>
+              <a:t>Prediction</a:t>
+            </a:r>
+            <a:endParaRPr lang="en-US" sz="3200" dirty="0"/>
+          </a:p>
+        </p:txBody>
+      </p:sp>
+      <p:pic>
+        <p:nvPicPr>
+          <p:cNvPr id="5" name="Picture 4">
+            <a:extLst>
+              <a:ext uri="{FF2B5EF4-FFF2-40B4-BE49-F238E27FC236}">
+                <a16:creationId xmlns:a16="http://schemas.microsoft.com/office/drawing/2014/main" id="{F112826D-8205-4543-9CA7-8C18E18B2A81}"/>
+              </a:ext>
+            </a:extLst>
+          </p:cNvPr>
+          <p:cNvPicPr>
+            <a:picLocks noChangeAspect="1"/>
+          </p:cNvPicPr>
+          <p:nvPr/>
+        </p:nvPicPr>
+        <p:blipFill>
+          <a:blip r:embed="rId3"/>
+          <a:stretch>
+            <a:fillRect/>
+          </a:stretch>
+        </p:blipFill>
+        <p:spPr>
+          <a:xfrm>
+            <a:off x="0" y="6276894"/>
+            <a:ext cx="1991003" cy="581106"/>
+          </a:xfrm>
+          <a:prstGeom prst="rect">
+            <a:avLst/>
+          </a:prstGeom>
+        </p:spPr>
+      </p:pic>
+      <p:sp>
+        <p:nvSpPr>
+          <p:cNvPr id="8" name="Rectangle 7">
+            <a:extLst>
+              <a:ext uri="{FF2B5EF4-FFF2-40B4-BE49-F238E27FC236}">
+                <a16:creationId xmlns:a16="http://schemas.microsoft.com/office/drawing/2014/main" id="{7819BA35-EE0F-4ABB-BEBA-21534EB9317F}"/>
+              </a:ext>
+            </a:extLst>
+          </p:cNvPr>
+          <p:cNvSpPr/>
+          <p:nvPr/>
+        </p:nvSpPr>
+        <p:spPr>
+          <a:xfrm>
+            <a:off x="522632" y="6276894"/>
+            <a:ext cx="7992717" cy="45719"/>
+          </a:xfrm>
+          <a:prstGeom prst="rect">
+            <a:avLst/>
+          </a:prstGeom>
+          <a:solidFill>
+            <a:srgbClr val="E51836"/>
+          </a:solidFill>
+          <a:ln>
+            <a:solidFill>
+              <a:srgbClr val="E51836"/>
+            </a:solidFill>
+          </a:ln>
+        </p:spPr>
+        <p:style>
+          <a:lnRef idx="2">
+            <a:schemeClr val="accent1">
+              <a:shade val="50000"/>
+            </a:schemeClr>
+          </a:lnRef>
+          <a:fillRef idx="1">
+            <a:schemeClr val="accent1"/>
+          </a:fillRef>
+          <a:effectRef idx="0">
+            <a:schemeClr val="accent1"/>
+          </a:effectRef>
+          <a:fontRef idx="minor">
+            <a:schemeClr val="lt1"/>
+          </a:fontRef>
+        </p:style>
+        <p:txBody>
+          <a:bodyPr rtlCol="0" anchor="ctr"/>
+          <a:lstStyle/>
+          <a:p>
+            <a:pPr algn="ctr"/>
+            <a:endParaRPr lang="en-US"/>
+          </a:p>
+        </p:txBody>
+      </p:sp>
+      <p:cxnSp>
+        <p:nvCxnSpPr>
+          <p:cNvPr id="10" name="Straight Connector 9">
+            <a:extLst>
+              <a:ext uri="{FF2B5EF4-FFF2-40B4-BE49-F238E27FC236}">
+                <a16:creationId xmlns:a16="http://schemas.microsoft.com/office/drawing/2014/main" id="{2A2D717B-FED3-4573-B2FE-57087D39430D}"/>
+              </a:ext>
+            </a:extLst>
+          </p:cNvPr>
+          <p:cNvCxnSpPr/>
+          <p:nvPr/>
+        </p:nvCxnSpPr>
+        <p:spPr>
+          <a:xfrm>
+            <a:off x="522632" y="763670"/>
+            <a:ext cx="7992717" cy="0"/>
+          </a:xfrm>
+          <a:prstGeom prst="line">
+            <a:avLst/>
+          </a:prstGeom>
+          <a:ln>
+            <a:solidFill>
+              <a:srgbClr val="E51836"/>
+            </a:solidFill>
+          </a:ln>
+        </p:spPr>
+        <p:style>
+          <a:lnRef idx="1">
+            <a:schemeClr val="accent1"/>
+          </a:lnRef>
+          <a:fillRef idx="0">
+            <a:schemeClr val="accent1"/>
+          </a:fillRef>
+          <a:effectRef idx="0">
+            <a:schemeClr val="accent1"/>
+          </a:effectRef>
+          <a:fontRef idx="minor">
+            <a:schemeClr val="tx1"/>
+          </a:fontRef>
+        </p:style>
+      </p:cxnSp>
+      <p:sp>
+        <p:nvSpPr>
+          <p:cNvPr id="11" name="Slide Number Placeholder 10">
+            <a:extLst>
+              <a:ext uri="{FF2B5EF4-FFF2-40B4-BE49-F238E27FC236}">
+                <a16:creationId xmlns:a16="http://schemas.microsoft.com/office/drawing/2014/main" id="{3638B894-F5CB-41EC-A4AE-32E1D6A3E77D}"/>
+              </a:ext>
+            </a:extLst>
+          </p:cNvPr>
+          <p:cNvSpPr>
+            <a:spLocks noGrp="1"/>
+          </p:cNvSpPr>
+          <p:nvPr>
+            <p:ph type="sldNum" sz="quarter" idx="12"/>
+          </p:nvPr>
+        </p:nvSpPr>
+        <p:spPr/>
+        <p:txBody>
+          <a:bodyPr/>
+          <a:lstStyle/>
+          <a:p>
+            <a:fld id="{2BD03CB1-4DB3-405C-876B-B27AD0EBE084}" type="slidenum">
+              <a:rPr lang="en-US" smtClean="0"/>
+              <a:t>20</a:t>
+            </a:fld>
+            <a:endParaRPr lang="en-US"/>
+          </a:p>
+        </p:txBody>
+      </p:sp>
+      <p:sp>
+        <p:nvSpPr>
+          <p:cNvPr id="3" name="TextBox 2">
+            <a:extLst>
+              <a:ext uri="{FF2B5EF4-FFF2-40B4-BE49-F238E27FC236}">
+                <a16:creationId xmlns:a16="http://schemas.microsoft.com/office/drawing/2014/main" id="{02C658B5-A6EC-4802-97AA-6D3AE7F71821}"/>
+              </a:ext>
+            </a:extLst>
+          </p:cNvPr>
+          <p:cNvSpPr txBox="1"/>
+          <p:nvPr/>
+        </p:nvSpPr>
+        <p:spPr>
+          <a:xfrm>
+            <a:off x="1024200" y="1321108"/>
+            <a:ext cx="7183093" cy="738664"/>
+          </a:xfrm>
+          <a:prstGeom prst="rect">
+            <a:avLst/>
+          </a:prstGeom>
+          <a:noFill/>
+        </p:spPr>
+        <p:txBody>
+          <a:bodyPr wrap="square" rtlCol="0">
+            <a:spAutoFit/>
+          </a:bodyPr>
+          <a:lstStyle/>
+          <a:p>
+            <a:r>
+              <a:rPr lang="en-US" sz="2100" dirty="0">
+                <a:latin typeface="Microsoft Sans Serif" panose="020B0604020202020204" pitchFamily="34" charset="0"/>
+                <a:ea typeface="Microsoft Sans Serif" panose="020B0604020202020204" pitchFamily="34" charset="0"/>
+                <a:cs typeface="Microsoft Sans Serif" panose="020B0604020202020204" pitchFamily="34" charset="0"/>
+              </a:rPr>
+              <a:t>The Training score of nearly 64% gives me hope that by adding more storages we will get this much higher</a:t>
+            </a:r>
+          </a:p>
+        </p:txBody>
+      </p:sp>
+      <p:pic>
+        <p:nvPicPr>
+          <p:cNvPr id="3074" name="Picture 2">
+            <a:extLst>
+              <a:ext uri="{FF2B5EF4-FFF2-40B4-BE49-F238E27FC236}">
+                <a16:creationId xmlns:a16="http://schemas.microsoft.com/office/drawing/2014/main" id="{05937DD1-9DD3-47C4-AC65-37E299DB8CAA}"/>
+              </a:ext>
+            </a:extLst>
+          </p:cNvPr>
+          <p:cNvPicPr>
+            <a:picLocks noChangeAspect="1" noChangeArrowheads="1"/>
+          </p:cNvPicPr>
+          <p:nvPr/>
+        </p:nvPicPr>
+        <p:blipFill>
+          <a:blip r:embed="rId4">
+            <a:extLst>
+              <a:ext uri="{28A0092B-C50C-407E-A947-70E740481C1C}">
+                <a14:useLocalDpi xmlns:a14="http://schemas.microsoft.com/office/drawing/2010/main" val="0"/>
+              </a:ext>
+            </a:extLst>
+          </a:blip>
+          <a:srcRect/>
+          <a:stretch>
+            <a:fillRect/>
+          </a:stretch>
+        </p:blipFill>
+        <p:spPr bwMode="auto">
+          <a:xfrm>
+            <a:off x="1224490" y="2308499"/>
+            <a:ext cx="1438275" cy="771525"/>
+          </a:xfrm>
+          <a:prstGeom prst="rect">
+            <a:avLst/>
+          </a:prstGeom>
+          <a:noFill/>
+          <a:extLst>
+            <a:ext uri="{909E8E84-426E-40DD-AFC4-6F175D3DCCD1}">
+              <a14:hiddenFill xmlns:a14="http://schemas.microsoft.com/office/drawing/2010/main">
+                <a:solidFill>
+                  <a:srgbClr val="FFFFFF"/>
+                </a:solidFill>
+              </a14:hiddenFill>
+            </a:ext>
+          </a:extLst>
+        </p:spPr>
+      </p:pic>
+      <p:pic>
+        <p:nvPicPr>
+          <p:cNvPr id="4" name="Picture 3">
+            <a:extLst>
+              <a:ext uri="{FF2B5EF4-FFF2-40B4-BE49-F238E27FC236}">
+                <a16:creationId xmlns:a16="http://schemas.microsoft.com/office/drawing/2014/main" id="{8FA5429A-98F1-43F1-872D-1DA0696396E7}"/>
+              </a:ext>
+            </a:extLst>
+          </p:cNvPr>
+          <p:cNvPicPr>
+            <a:picLocks noChangeAspect="1"/>
+          </p:cNvPicPr>
+          <p:nvPr/>
+        </p:nvPicPr>
+        <p:blipFill>
+          <a:blip r:embed="rId5"/>
+          <a:stretch>
+            <a:fillRect/>
+          </a:stretch>
+        </p:blipFill>
+        <p:spPr>
+          <a:xfrm>
+            <a:off x="1024200" y="4407649"/>
+            <a:ext cx="2924583" cy="390580"/>
+          </a:xfrm>
+          <a:prstGeom prst="rect">
+            <a:avLst/>
+          </a:prstGeom>
+        </p:spPr>
+      </p:pic>
+      <p:pic>
+        <p:nvPicPr>
+          <p:cNvPr id="6" name="Picture 5">
+            <a:extLst>
+              <a:ext uri="{FF2B5EF4-FFF2-40B4-BE49-F238E27FC236}">
+                <a16:creationId xmlns:a16="http://schemas.microsoft.com/office/drawing/2014/main" id="{36AB67DC-CF86-4CE1-A4EA-777BC2EA4C04}"/>
+              </a:ext>
+            </a:extLst>
+          </p:cNvPr>
+          <p:cNvPicPr>
+            <a:picLocks noChangeAspect="1"/>
+          </p:cNvPicPr>
+          <p:nvPr/>
+        </p:nvPicPr>
+        <p:blipFill>
+          <a:blip r:embed="rId6"/>
+          <a:stretch>
+            <a:fillRect/>
+          </a:stretch>
+        </p:blipFill>
+        <p:spPr>
+          <a:xfrm>
+            <a:off x="4215761" y="3259726"/>
+            <a:ext cx="3991532" cy="2686425"/>
+          </a:xfrm>
+          <a:prstGeom prst="rect">
+            <a:avLst/>
+          </a:prstGeom>
+        </p:spPr>
+      </p:pic>
+    </p:spTree>
+    <p:extLst>
+      <p:ext uri="{BB962C8B-B14F-4D97-AF65-F5344CB8AC3E}">
+        <p14:creationId xmlns:p14="http://schemas.microsoft.com/office/powerpoint/2010/main" val="3903929215"/>
+      </p:ext>
+    </p:extLst>
+  </p:cSld>
+  <p:clrMapOvr>
+    <a:masterClrMapping/>
+  </p:clrMapOvr>
+</p:sld>
+</file>
+
+<file path=ppt/slides/slide21.xml><?xml version="1.0" encoding="utf-8"?>
+<p:sld xmlns:a="http://schemas.openxmlformats.org/drawingml/2006/main" xmlns:r="http://schemas.openxmlformats.org/officeDocument/2006/relationships" xmlns:p="http://schemas.openxmlformats.org/presentationml/2006/main">
+  <p:cSld>
+    <p:spTree>
+      <p:nvGrpSpPr>
+        <p:cNvPr id="1" name=""/>
+        <p:cNvGrpSpPr/>
+        <p:nvPr/>
+      </p:nvGrpSpPr>
+      <p:grpSpPr>
+        <a:xfrm>
+          <a:off x="0" y="0"/>
+          <a:ext cx="0" cy="0"/>
+          <a:chOff x="0" y="0"/>
+          <a:chExt cx="0" cy="0"/>
+        </a:xfrm>
+      </p:grpSpPr>
       <p:pic>
         <p:nvPicPr>
           <p:cNvPr id="4" name="Picture 3">
@@ -11924,7 +12268,7 @@
           <a:p>
             <a:fld id="{2BD03CB1-4DB3-405C-876B-B27AD0EBE084}" type="slidenum">
               <a:rPr lang="en-US" smtClean="0"/>
-              <a:t>20</a:t>
+              <a:t>21</a:t>
             </a:fld>
             <a:endParaRPr lang="en-US"/>
           </a:p>
@@ -12064,145 +12408,31 @@
           <a:chExt cx="0" cy="0"/>
         </a:xfrm>
       </p:grpSpPr>
-      <p:pic>
-        <p:nvPicPr>
-          <p:cNvPr id="4" name="Picture 3">
+      <p:sp>
+        <p:nvSpPr>
+          <p:cNvPr id="6" name="Rectangle 5">
             <a:extLst>
               <a:ext uri="{FF2B5EF4-FFF2-40B4-BE49-F238E27FC236}">
-                <a16:creationId xmlns:a16="http://schemas.microsoft.com/office/drawing/2014/main" id="{449380A0-F828-40F6-ABA0-CB684060C995}"/>
+                <a16:creationId xmlns:a16="http://schemas.microsoft.com/office/drawing/2014/main" id="{EDEA0463-AE94-4A9C-BB56-B67BD7E4D21F}"/>
               </a:ext>
             </a:extLst>
           </p:cNvPr>
-          <p:cNvPicPr>
-            <a:picLocks noChangeAspect="1"/>
-          </p:cNvPicPr>
+          <p:cNvSpPr/>
           <p:nvPr/>
-        </p:nvPicPr>
-        <p:blipFill>
-          <a:blip r:embed="rId3"/>
-          <a:stretch>
-            <a:fillRect/>
-          </a:stretch>
-        </p:blipFill>
+        </p:nvSpPr>
         <p:spPr>
           <a:xfrm>
-            <a:off x="0" y="266843"/>
-            <a:ext cx="9143999" cy="6324314"/>
-          </a:xfrm>
-          <a:prstGeom prst="rect">
-            <a:avLst/>
-          </a:prstGeom>
-        </p:spPr>
-      </p:pic>
-      <p:sp>
-        <p:nvSpPr>
-          <p:cNvPr id="6" name="TextBox 5">
-            <a:extLst>
-              <a:ext uri="{FF2B5EF4-FFF2-40B4-BE49-F238E27FC236}">
-                <a16:creationId xmlns:a16="http://schemas.microsoft.com/office/drawing/2014/main" id="{450BAF91-4632-4A48-A0BC-20AB5D0D29E5}"/>
-              </a:ext>
-            </a:extLst>
-          </p:cNvPr>
-          <p:cNvSpPr txBox="1"/>
-          <p:nvPr/>
-        </p:nvSpPr>
-        <p:spPr>
-          <a:xfrm>
-            <a:off x="543339" y="4258222"/>
-            <a:ext cx="5380383" cy="1754326"/>
+            <a:off x="0" y="2663687"/>
+            <a:ext cx="9144000" cy="2001068"/>
           </a:xfrm>
           <a:prstGeom prst="rect">
             <a:avLst/>
           </a:prstGeom>
           <a:solidFill>
-            <a:schemeClr val="bg1"/>
+            <a:srgbClr val="E51836"/>
           </a:solidFill>
-        </p:spPr>
-        <p:txBody>
-          <a:bodyPr wrap="square" rtlCol="0" anchor="ctr">
-            <a:spAutoFit/>
-          </a:bodyPr>
-          <a:lstStyle/>
-          <a:p>
-            <a:endParaRPr lang="en-US" sz="3600" dirty="0">
-              <a:latin typeface="Microsoft Sans Serif" panose="020B0604020202020204" pitchFamily="34" charset="0"/>
-              <a:ea typeface="Microsoft Sans Serif" panose="020B0604020202020204" pitchFamily="34" charset="0"/>
-              <a:cs typeface="Microsoft Sans Serif" panose="020B0604020202020204" pitchFamily="34" charset="0"/>
-            </a:endParaRPr>
-          </a:p>
-          <a:p>
-            <a:r>
-              <a:rPr lang="en-US" sz="3600" dirty="0">
-                <a:latin typeface="Microsoft Sans Serif" panose="020B0604020202020204" pitchFamily="34" charset="0"/>
-                <a:ea typeface="Microsoft Sans Serif" panose="020B0604020202020204" pitchFamily="34" charset="0"/>
-                <a:cs typeface="Microsoft Sans Serif" panose="020B0604020202020204" pitchFamily="34" charset="0"/>
-              </a:rPr>
-              <a:t> 1. Project Overview</a:t>
-            </a:r>
-          </a:p>
-          <a:p>
-            <a:endParaRPr lang="en-US" sz="3600" dirty="0">
-              <a:latin typeface="Microsoft Sans Serif" panose="020B0604020202020204" pitchFamily="34" charset="0"/>
-              <a:ea typeface="Microsoft Sans Serif" panose="020B0604020202020204" pitchFamily="34" charset="0"/>
-              <a:cs typeface="Microsoft Sans Serif" panose="020B0604020202020204" pitchFamily="34" charset="0"/>
-            </a:endParaRPr>
-          </a:p>
-        </p:txBody>
-      </p:sp>
-      <p:sp>
-        <p:nvSpPr>
-          <p:cNvPr id="2" name="Slide Number Placeholder 1">
-            <a:extLst>
-              <a:ext uri="{FF2B5EF4-FFF2-40B4-BE49-F238E27FC236}">
-                <a16:creationId xmlns:a16="http://schemas.microsoft.com/office/drawing/2014/main" id="{0C20A05A-1E61-419B-8225-50C27E807A0F}"/>
-              </a:ext>
-            </a:extLst>
-          </p:cNvPr>
-          <p:cNvSpPr>
-            <a:spLocks noGrp="1"/>
-          </p:cNvSpPr>
-          <p:nvPr>
-            <p:ph type="sldNum" sz="quarter" idx="12"/>
-          </p:nvPr>
-        </p:nvSpPr>
-        <p:spPr/>
-        <p:txBody>
-          <a:bodyPr/>
-          <a:lstStyle/>
-          <a:p>
-            <a:fld id="{2BD03CB1-4DB3-405C-876B-B27AD0EBE084}" type="slidenum">
-              <a:rPr lang="en-US" smtClean="0"/>
-              <a:t>3</a:t>
-            </a:fld>
-            <a:endParaRPr lang="en-US"/>
-          </a:p>
-        </p:txBody>
-      </p:sp>
-      <p:sp>
-        <p:nvSpPr>
-          <p:cNvPr id="3" name="Rectangle 2">
-            <a:extLst>
-              <a:ext uri="{FF2B5EF4-FFF2-40B4-BE49-F238E27FC236}">
-                <a16:creationId xmlns:a16="http://schemas.microsoft.com/office/drawing/2014/main" id="{B58459CE-3466-455A-8FD5-9D14FA580553}"/>
-              </a:ext>
-            </a:extLst>
-          </p:cNvPr>
-          <p:cNvSpPr/>
-          <p:nvPr/>
-        </p:nvSpPr>
-        <p:spPr>
-          <a:xfrm>
-            <a:off x="649357" y="4850296"/>
-            <a:ext cx="543339" cy="556591"/>
-          </a:xfrm>
-          <a:prstGeom prst="rect">
-            <a:avLst/>
-          </a:prstGeom>
-          <a:noFill/>
-          <a:ln w="57150">
-            <a:solidFill>
-              <a:srgbClr val="E51836"/>
-            </a:solidFill>
+          <a:ln>
+            <a:noFill/>
           </a:ln>
         </p:spPr>
         <p:style>
@@ -12232,10 +12462,80 @@
       </p:sp>
       <p:sp>
         <p:nvSpPr>
-          <p:cNvPr id="7" name="Rectangle 6">
+          <p:cNvPr id="2" name="Title 1">
             <a:extLst>
               <a:ext uri="{FF2B5EF4-FFF2-40B4-BE49-F238E27FC236}">
-                <a16:creationId xmlns:a16="http://schemas.microsoft.com/office/drawing/2014/main" id="{A4E93410-D7E6-4425-8026-3EB6015F5A5D}"/>
+                <a16:creationId xmlns:a16="http://schemas.microsoft.com/office/drawing/2014/main" id="{A8E5541F-7BFA-479C-B8B4-DDE116914320}"/>
+              </a:ext>
+            </a:extLst>
+          </p:cNvPr>
+          <p:cNvSpPr>
+            <a:spLocks noGrp="1"/>
+          </p:cNvSpPr>
+          <p:nvPr>
+            <p:ph type="title"/>
+          </p:nvPr>
+        </p:nvSpPr>
+        <p:spPr>
+          <a:xfrm>
+            <a:off x="522632" y="58022"/>
+            <a:ext cx="7886700" cy="705648"/>
+          </a:xfrm>
+        </p:spPr>
+        <p:txBody>
+          <a:bodyPr>
+            <a:normAutofit/>
+          </a:bodyPr>
+          <a:lstStyle/>
+          <a:p>
+            <a:r>
+              <a:rPr lang="en-US" sz="3200" dirty="0">
+                <a:latin typeface="Microsoft Sans Serif" panose="020B0604020202020204" pitchFamily="34" charset="0"/>
+                <a:ea typeface="Microsoft Sans Serif" panose="020B0604020202020204" pitchFamily="34" charset="0"/>
+                <a:cs typeface="Microsoft Sans Serif" panose="020B0604020202020204" pitchFamily="34" charset="0"/>
+              </a:rPr>
+              <a:t>Technology</a:t>
+            </a:r>
+            <a:endParaRPr lang="en-US" sz="3200" dirty="0"/>
+          </a:p>
+        </p:txBody>
+      </p:sp>
+      <p:pic>
+        <p:nvPicPr>
+          <p:cNvPr id="5" name="Picture 4">
+            <a:extLst>
+              <a:ext uri="{FF2B5EF4-FFF2-40B4-BE49-F238E27FC236}">
+                <a16:creationId xmlns:a16="http://schemas.microsoft.com/office/drawing/2014/main" id="{F112826D-8205-4543-9CA7-8C18E18B2A81}"/>
+              </a:ext>
+            </a:extLst>
+          </p:cNvPr>
+          <p:cNvPicPr>
+            <a:picLocks noChangeAspect="1"/>
+          </p:cNvPicPr>
+          <p:nvPr/>
+        </p:nvPicPr>
+        <p:blipFill>
+          <a:blip r:embed="rId3"/>
+          <a:stretch>
+            <a:fillRect/>
+          </a:stretch>
+        </p:blipFill>
+        <p:spPr>
+          <a:xfrm>
+            <a:off x="0" y="6276894"/>
+            <a:ext cx="1991003" cy="581106"/>
+          </a:xfrm>
+          <a:prstGeom prst="rect">
+            <a:avLst/>
+          </a:prstGeom>
+        </p:spPr>
+      </p:pic>
+      <p:sp>
+        <p:nvSpPr>
+          <p:cNvPr id="8" name="Rectangle 7">
+            <a:extLst>
+              <a:ext uri="{FF2B5EF4-FFF2-40B4-BE49-F238E27FC236}">
+                <a16:creationId xmlns:a16="http://schemas.microsoft.com/office/drawing/2014/main" id="{7819BA35-EE0F-4ABB-BEBA-21534EB9317F}"/>
               </a:ext>
             </a:extLst>
           </p:cNvPr>
@@ -12244,14 +12544,16 @@
         </p:nvSpPr>
         <p:spPr>
           <a:xfrm>
-            <a:off x="649356" y="4572000"/>
-            <a:ext cx="4863548" cy="1166191"/>
+            <a:off x="522632" y="6276894"/>
+            <a:ext cx="7992717" cy="45719"/>
           </a:xfrm>
           <a:prstGeom prst="rect">
             <a:avLst/>
           </a:prstGeom>
-          <a:noFill/>
-          <a:ln w="57150">
+          <a:solidFill>
+            <a:srgbClr val="E51836"/>
+          </a:solidFill>
+          <a:ln>
             <a:solidFill>
               <a:srgbClr val="E51836"/>
             </a:solidFill>
@@ -12282,10 +12584,342 @@
           </a:p>
         </p:txBody>
       </p:sp>
+      <p:cxnSp>
+        <p:nvCxnSpPr>
+          <p:cNvPr id="10" name="Straight Connector 9">
+            <a:extLst>
+              <a:ext uri="{FF2B5EF4-FFF2-40B4-BE49-F238E27FC236}">
+                <a16:creationId xmlns:a16="http://schemas.microsoft.com/office/drawing/2014/main" id="{2A2D717B-FED3-4573-B2FE-57087D39430D}"/>
+              </a:ext>
+            </a:extLst>
+          </p:cNvPr>
+          <p:cNvCxnSpPr/>
+          <p:nvPr/>
+        </p:nvCxnSpPr>
+        <p:spPr>
+          <a:xfrm>
+            <a:off x="522632" y="763670"/>
+            <a:ext cx="7992717" cy="0"/>
+          </a:xfrm>
+          <a:prstGeom prst="line">
+            <a:avLst/>
+          </a:prstGeom>
+          <a:ln>
+            <a:solidFill>
+              <a:srgbClr val="E51836"/>
+            </a:solidFill>
+          </a:ln>
+        </p:spPr>
+        <p:style>
+          <a:lnRef idx="1">
+            <a:schemeClr val="accent1"/>
+          </a:lnRef>
+          <a:fillRef idx="0">
+            <a:schemeClr val="accent1"/>
+          </a:fillRef>
+          <a:effectRef idx="0">
+            <a:schemeClr val="accent1"/>
+          </a:effectRef>
+          <a:fontRef idx="minor">
+            <a:schemeClr val="tx1"/>
+          </a:fontRef>
+        </p:style>
+      </p:cxnSp>
+      <p:sp>
+        <p:nvSpPr>
+          <p:cNvPr id="11" name="Slide Number Placeholder 10">
+            <a:extLst>
+              <a:ext uri="{FF2B5EF4-FFF2-40B4-BE49-F238E27FC236}">
+                <a16:creationId xmlns:a16="http://schemas.microsoft.com/office/drawing/2014/main" id="{3638B894-F5CB-41EC-A4AE-32E1D6A3E77D}"/>
+              </a:ext>
+            </a:extLst>
+          </p:cNvPr>
+          <p:cNvSpPr>
+            <a:spLocks noGrp="1"/>
+          </p:cNvSpPr>
+          <p:nvPr>
+            <p:ph type="sldNum" sz="quarter" idx="12"/>
+          </p:nvPr>
+        </p:nvSpPr>
+        <p:spPr/>
+        <p:txBody>
+          <a:bodyPr/>
+          <a:lstStyle/>
+          <a:p>
+            <a:fld id="{2BD03CB1-4DB3-405C-876B-B27AD0EBE084}" type="slidenum">
+              <a:rPr lang="en-US" smtClean="0"/>
+              <a:t>3</a:t>
+            </a:fld>
+            <a:endParaRPr lang="en-US"/>
+          </a:p>
+        </p:txBody>
+      </p:sp>
+      <p:sp>
+        <p:nvSpPr>
+          <p:cNvPr id="3" name="TextBox 2">
+            <a:extLst>
+              <a:ext uri="{FF2B5EF4-FFF2-40B4-BE49-F238E27FC236}">
+                <a16:creationId xmlns:a16="http://schemas.microsoft.com/office/drawing/2014/main" id="{0D9D706C-89F6-42E3-9F88-F604D3BA7B97}"/>
+              </a:ext>
+            </a:extLst>
+          </p:cNvPr>
+          <p:cNvSpPr txBox="1"/>
+          <p:nvPr/>
+        </p:nvSpPr>
+        <p:spPr>
+          <a:xfrm>
+            <a:off x="2408880" y="846697"/>
+            <a:ext cx="4114203" cy="369332"/>
+          </a:xfrm>
+          <a:prstGeom prst="rect">
+            <a:avLst/>
+          </a:prstGeom>
+          <a:noFill/>
+        </p:spPr>
+        <p:txBody>
+          <a:bodyPr wrap="none" rtlCol="0">
+            <a:spAutoFit/>
+          </a:bodyPr>
+          <a:lstStyle/>
+          <a:p>
+            <a:r>
+              <a:rPr lang="en-US" i="1" dirty="0"/>
+              <a:t>Handcrafted Analytics and Py’s since 2020</a:t>
+            </a:r>
+          </a:p>
+        </p:txBody>
+      </p:sp>
+      <p:pic>
+        <p:nvPicPr>
+          <p:cNvPr id="12" name="Picture 11">
+            <a:extLst>
+              <a:ext uri="{FF2B5EF4-FFF2-40B4-BE49-F238E27FC236}">
+                <a16:creationId xmlns:a16="http://schemas.microsoft.com/office/drawing/2014/main" id="{B8ADBC99-C240-458E-916A-49EFBEC86772}"/>
+              </a:ext>
+            </a:extLst>
+          </p:cNvPr>
+          <p:cNvPicPr>
+            <a:picLocks noChangeAspect="1"/>
+          </p:cNvPicPr>
+          <p:nvPr/>
+        </p:nvPicPr>
+        <p:blipFill>
+          <a:blip r:embed="rId4"/>
+          <a:stretch>
+            <a:fillRect/>
+          </a:stretch>
+        </p:blipFill>
+        <p:spPr>
+          <a:xfrm>
+            <a:off x="308928" y="2820043"/>
+            <a:ext cx="859343" cy="844178"/>
+          </a:xfrm>
+          <a:prstGeom prst="rect">
+            <a:avLst/>
+          </a:prstGeom>
+        </p:spPr>
+      </p:pic>
+      <p:pic>
+        <p:nvPicPr>
+          <p:cNvPr id="13" name="Picture 12">
+            <a:extLst>
+              <a:ext uri="{FF2B5EF4-FFF2-40B4-BE49-F238E27FC236}">
+                <a16:creationId xmlns:a16="http://schemas.microsoft.com/office/drawing/2014/main" id="{10F59E16-CB59-4B95-A43A-0B7FF7035900}"/>
+              </a:ext>
+            </a:extLst>
+          </p:cNvPr>
+          <p:cNvPicPr>
+            <a:picLocks noChangeAspect="1"/>
+          </p:cNvPicPr>
+          <p:nvPr/>
+        </p:nvPicPr>
+        <p:blipFill>
+          <a:blip r:embed="rId5"/>
+          <a:stretch>
+            <a:fillRect/>
+          </a:stretch>
+        </p:blipFill>
+        <p:spPr>
+          <a:xfrm>
+            <a:off x="1183146" y="3703553"/>
+            <a:ext cx="1052485" cy="819264"/>
+          </a:xfrm>
+          <a:prstGeom prst="rect">
+            <a:avLst/>
+          </a:prstGeom>
+        </p:spPr>
+      </p:pic>
+      <p:pic>
+        <p:nvPicPr>
+          <p:cNvPr id="14" name="Picture 13">
+            <a:extLst>
+              <a:ext uri="{FF2B5EF4-FFF2-40B4-BE49-F238E27FC236}">
+                <a16:creationId xmlns:a16="http://schemas.microsoft.com/office/drawing/2014/main" id="{F345CDBC-F59D-4963-90ED-49ADC92CCD48}"/>
+              </a:ext>
+            </a:extLst>
+          </p:cNvPr>
+          <p:cNvPicPr>
+            <a:picLocks noChangeAspect="1"/>
+          </p:cNvPicPr>
+          <p:nvPr/>
+        </p:nvPicPr>
+        <p:blipFill>
+          <a:blip r:embed="rId6"/>
+          <a:stretch>
+            <a:fillRect/>
+          </a:stretch>
+        </p:blipFill>
+        <p:spPr>
+          <a:xfrm>
+            <a:off x="2281348" y="2844957"/>
+            <a:ext cx="685896" cy="819264"/>
+          </a:xfrm>
+          <a:prstGeom prst="rect">
+            <a:avLst/>
+          </a:prstGeom>
+        </p:spPr>
+      </p:pic>
+      <p:pic>
+        <p:nvPicPr>
+          <p:cNvPr id="15" name="Picture 14">
+            <a:extLst>
+              <a:ext uri="{FF2B5EF4-FFF2-40B4-BE49-F238E27FC236}">
+                <a16:creationId xmlns:a16="http://schemas.microsoft.com/office/drawing/2014/main" id="{641769DE-0F3A-4257-B469-7E11B51B6154}"/>
+              </a:ext>
+            </a:extLst>
+          </p:cNvPr>
+          <p:cNvPicPr>
+            <a:picLocks noChangeAspect="1"/>
+          </p:cNvPicPr>
+          <p:nvPr/>
+        </p:nvPicPr>
+        <p:blipFill>
+          <a:blip r:embed="rId7"/>
+          <a:stretch>
+            <a:fillRect/>
+          </a:stretch>
+        </p:blipFill>
+        <p:spPr>
+          <a:xfrm>
+            <a:off x="3062567" y="3701094"/>
+            <a:ext cx="1199049" cy="631264"/>
+          </a:xfrm>
+          <a:prstGeom prst="rect">
+            <a:avLst/>
+          </a:prstGeom>
+        </p:spPr>
+      </p:pic>
+      <p:pic>
+        <p:nvPicPr>
+          <p:cNvPr id="16" name="Picture 15">
+            <a:extLst>
+              <a:ext uri="{FF2B5EF4-FFF2-40B4-BE49-F238E27FC236}">
+                <a16:creationId xmlns:a16="http://schemas.microsoft.com/office/drawing/2014/main" id="{A388C5BE-EF2C-46AE-AD28-03EFF79D4288}"/>
+              </a:ext>
+            </a:extLst>
+          </p:cNvPr>
+          <p:cNvPicPr>
+            <a:picLocks noChangeAspect="1"/>
+          </p:cNvPicPr>
+          <p:nvPr/>
+        </p:nvPicPr>
+        <p:blipFill>
+          <a:blip r:embed="rId8"/>
+          <a:stretch>
+            <a:fillRect/>
+          </a:stretch>
+        </p:blipFill>
+        <p:spPr>
+          <a:xfrm>
+            <a:off x="4322501" y="3205131"/>
+            <a:ext cx="2200582" cy="447738"/>
+          </a:xfrm>
+          <a:prstGeom prst="rect">
+            <a:avLst/>
+          </a:prstGeom>
+        </p:spPr>
+      </p:pic>
+      <p:pic>
+        <p:nvPicPr>
+          <p:cNvPr id="17" name="Picture 16">
+            <a:extLst>
+              <a:ext uri="{FF2B5EF4-FFF2-40B4-BE49-F238E27FC236}">
+                <a16:creationId xmlns:a16="http://schemas.microsoft.com/office/drawing/2014/main" id="{5B03A528-CDF0-44C0-A788-229F2739E5F7}"/>
+              </a:ext>
+            </a:extLst>
+          </p:cNvPr>
+          <p:cNvPicPr>
+            <a:picLocks noChangeAspect="1"/>
+          </p:cNvPicPr>
+          <p:nvPr/>
+        </p:nvPicPr>
+        <p:blipFill>
+          <a:blip r:embed="rId9"/>
+          <a:stretch>
+            <a:fillRect/>
+          </a:stretch>
+        </p:blipFill>
+        <p:spPr>
+          <a:xfrm>
+            <a:off x="6599998" y="3700853"/>
+            <a:ext cx="809738" cy="666843"/>
+          </a:xfrm>
+          <a:prstGeom prst="rect">
+            <a:avLst/>
+          </a:prstGeom>
+        </p:spPr>
+      </p:pic>
+      <p:pic>
+        <p:nvPicPr>
+          <p:cNvPr id="18" name="Picture 2">
+            <a:extLst>
+              <a:ext uri="{FF2B5EF4-FFF2-40B4-BE49-F238E27FC236}">
+                <a16:creationId xmlns:a16="http://schemas.microsoft.com/office/drawing/2014/main" id="{8CC6B86F-A40F-4DED-B4EE-9059ECF68A6E}"/>
+              </a:ext>
+            </a:extLst>
+          </p:cNvPr>
+          <p:cNvPicPr>
+            <a:picLocks noChangeAspect="1" noChangeArrowheads="1"/>
+          </p:cNvPicPr>
+          <p:nvPr/>
+        </p:nvPicPr>
+        <p:blipFill>
+          <a:blip r:embed="rId10">
+            <a:extLst>
+              <a:ext uri="{28A0092B-C50C-407E-A947-70E740481C1C}">
+                <a14:useLocalDpi xmlns:a14="http://schemas.microsoft.com/office/drawing/2010/main" val="0"/>
+              </a:ext>
+            </a:extLst>
+          </a:blip>
+          <a:srcRect/>
+          <a:stretch>
+            <a:fillRect/>
+          </a:stretch>
+        </p:blipFill>
+        <p:spPr bwMode="auto">
+          <a:xfrm>
+            <a:off x="7543126" y="2892696"/>
+            <a:ext cx="1438275" cy="771525"/>
+          </a:xfrm>
+          <a:prstGeom prst="rect">
+            <a:avLst/>
+          </a:prstGeom>
+          <a:noFill/>
+          <a:extLst>
+            <a:ext uri="{909E8E84-426E-40DD-AFC4-6F175D3DCCD1}">
+              <a14:hiddenFill xmlns:a14="http://schemas.microsoft.com/office/drawing/2010/main">
+                <a:solidFill>
+                  <a:srgbClr val="FFFFFF"/>
+                </a:solidFill>
+              </a14:hiddenFill>
+            </a:ext>
+          </a:extLst>
+        </p:spPr>
+      </p:pic>
     </p:spTree>
     <p:extLst>
       <p:ext uri="{BB962C8B-B14F-4D97-AF65-F5344CB8AC3E}">
-        <p14:creationId xmlns:p14="http://schemas.microsoft.com/office/powerpoint/2010/main" val="3575503935"/>
+        <p14:creationId xmlns:p14="http://schemas.microsoft.com/office/powerpoint/2010/main" val="2926255613"/>
       </p:ext>
     </p:extLst>
   </p:cSld>
@@ -12312,52 +12946,12 @@
           <a:chExt cx="0" cy="0"/>
         </a:xfrm>
       </p:grpSpPr>
-      <p:sp>
-        <p:nvSpPr>
-          <p:cNvPr id="2" name="Title 1">
-            <a:extLst>
-              <a:ext uri="{FF2B5EF4-FFF2-40B4-BE49-F238E27FC236}">
-                <a16:creationId xmlns:a16="http://schemas.microsoft.com/office/drawing/2014/main" id="{A8E5541F-7BFA-479C-B8B4-DDE116914320}"/>
-              </a:ext>
-            </a:extLst>
-          </p:cNvPr>
-          <p:cNvSpPr>
-            <a:spLocks noGrp="1"/>
-          </p:cNvSpPr>
-          <p:nvPr>
-            <p:ph type="title"/>
-          </p:nvPr>
-        </p:nvSpPr>
-        <p:spPr>
-          <a:xfrm>
-            <a:off x="522632" y="58022"/>
-            <a:ext cx="7886700" cy="705648"/>
-          </a:xfrm>
-        </p:spPr>
-        <p:txBody>
-          <a:bodyPr>
-            <a:normAutofit/>
-          </a:bodyPr>
-          <a:lstStyle/>
-          <a:p>
-            <a:r>
-              <a:rPr lang="en-US" sz="3200" dirty="0">
-                <a:latin typeface="Microsoft Sans Serif" panose="020B0604020202020204" pitchFamily="34" charset="0"/>
-                <a:ea typeface="Microsoft Sans Serif" panose="020B0604020202020204" pitchFamily="34" charset="0"/>
-                <a:cs typeface="Microsoft Sans Serif" panose="020B0604020202020204" pitchFamily="34" charset="0"/>
-              </a:rPr>
-              <a:t>Hypothesis</a:t>
-            </a:r>
-            <a:endParaRPr lang="en-US" sz="3200" dirty="0"/>
-          </a:p>
-        </p:txBody>
-      </p:sp>
       <p:pic>
         <p:nvPicPr>
-          <p:cNvPr id="5" name="Picture 4">
+          <p:cNvPr id="4" name="Picture 3">
             <a:extLst>
               <a:ext uri="{FF2B5EF4-FFF2-40B4-BE49-F238E27FC236}">
-                <a16:creationId xmlns:a16="http://schemas.microsoft.com/office/drawing/2014/main" id="{F112826D-8205-4543-9CA7-8C18E18B2A81}"/>
+                <a16:creationId xmlns:a16="http://schemas.microsoft.com/office/drawing/2014/main" id="{449380A0-F828-40F6-ABA0-CB684060C995}"/>
               </a:ext>
             </a:extLst>
           </p:cNvPr>
@@ -12374,8 +12968,8 @@
         </p:blipFill>
         <p:spPr>
           <a:xfrm>
-            <a:off x="0" y="6276894"/>
-            <a:ext cx="1991003" cy="581106"/>
+            <a:off x="0" y="266843"/>
+            <a:ext cx="9143999" cy="6324314"/>
           </a:xfrm>
           <a:prstGeom prst="rect">
             <a:avLst/>
@@ -12384,28 +12978,110 @@
       </p:pic>
       <p:sp>
         <p:nvSpPr>
-          <p:cNvPr id="8" name="Rectangle 7">
+          <p:cNvPr id="6" name="TextBox 5">
             <a:extLst>
               <a:ext uri="{FF2B5EF4-FFF2-40B4-BE49-F238E27FC236}">
-                <a16:creationId xmlns:a16="http://schemas.microsoft.com/office/drawing/2014/main" id="{7819BA35-EE0F-4ABB-BEBA-21534EB9317F}"/>
+                <a16:creationId xmlns:a16="http://schemas.microsoft.com/office/drawing/2014/main" id="{450BAF91-4632-4A48-A0BC-20AB5D0D29E5}"/>
               </a:ext>
             </a:extLst>
           </p:cNvPr>
-          <p:cNvSpPr/>
+          <p:cNvSpPr txBox="1"/>
           <p:nvPr/>
         </p:nvSpPr>
         <p:spPr>
           <a:xfrm>
-            <a:off x="522632" y="6276894"/>
-            <a:ext cx="7992717" cy="45719"/>
+            <a:off x="543339" y="4258222"/>
+            <a:ext cx="5380383" cy="1754326"/>
           </a:xfrm>
           <a:prstGeom prst="rect">
             <a:avLst/>
           </a:prstGeom>
           <a:solidFill>
-            <a:srgbClr val="E51836"/>
+            <a:schemeClr val="bg1"/>
           </a:solidFill>
-          <a:ln>
+        </p:spPr>
+        <p:txBody>
+          <a:bodyPr wrap="square" rtlCol="0" anchor="ctr">
+            <a:spAutoFit/>
+          </a:bodyPr>
+          <a:lstStyle/>
+          <a:p>
+            <a:endParaRPr lang="en-US" sz="3600" dirty="0">
+              <a:latin typeface="Microsoft Sans Serif" panose="020B0604020202020204" pitchFamily="34" charset="0"/>
+              <a:ea typeface="Microsoft Sans Serif" panose="020B0604020202020204" pitchFamily="34" charset="0"/>
+              <a:cs typeface="Microsoft Sans Serif" panose="020B0604020202020204" pitchFamily="34" charset="0"/>
+            </a:endParaRPr>
+          </a:p>
+          <a:p>
+            <a:r>
+              <a:rPr lang="en-US" sz="3600" dirty="0">
+                <a:latin typeface="Microsoft Sans Serif" panose="020B0604020202020204" pitchFamily="34" charset="0"/>
+                <a:ea typeface="Microsoft Sans Serif" panose="020B0604020202020204" pitchFamily="34" charset="0"/>
+                <a:cs typeface="Microsoft Sans Serif" panose="020B0604020202020204" pitchFamily="34" charset="0"/>
+              </a:rPr>
+              <a:t> 1. Project Overview</a:t>
+            </a:r>
+          </a:p>
+          <a:p>
+            <a:endParaRPr lang="en-US" sz="3600" dirty="0">
+              <a:latin typeface="Microsoft Sans Serif" panose="020B0604020202020204" pitchFamily="34" charset="0"/>
+              <a:ea typeface="Microsoft Sans Serif" panose="020B0604020202020204" pitchFamily="34" charset="0"/>
+              <a:cs typeface="Microsoft Sans Serif" panose="020B0604020202020204" pitchFamily="34" charset="0"/>
+            </a:endParaRPr>
+          </a:p>
+        </p:txBody>
+      </p:sp>
+      <p:sp>
+        <p:nvSpPr>
+          <p:cNvPr id="2" name="Slide Number Placeholder 1">
+            <a:extLst>
+              <a:ext uri="{FF2B5EF4-FFF2-40B4-BE49-F238E27FC236}">
+                <a16:creationId xmlns:a16="http://schemas.microsoft.com/office/drawing/2014/main" id="{0C20A05A-1E61-419B-8225-50C27E807A0F}"/>
+              </a:ext>
+            </a:extLst>
+          </p:cNvPr>
+          <p:cNvSpPr>
+            <a:spLocks noGrp="1"/>
+          </p:cNvSpPr>
+          <p:nvPr>
+            <p:ph type="sldNum" sz="quarter" idx="12"/>
+          </p:nvPr>
+        </p:nvSpPr>
+        <p:spPr/>
+        <p:txBody>
+          <a:bodyPr/>
+          <a:lstStyle/>
+          <a:p>
+            <a:fld id="{2BD03CB1-4DB3-405C-876B-B27AD0EBE084}" type="slidenum">
+              <a:rPr lang="en-US" smtClean="0"/>
+              <a:t>4</a:t>
+            </a:fld>
+            <a:endParaRPr lang="en-US"/>
+          </a:p>
+        </p:txBody>
+      </p:sp>
+      <p:sp>
+        <p:nvSpPr>
+          <p:cNvPr id="3" name="Rectangle 2">
+            <a:extLst>
+              <a:ext uri="{FF2B5EF4-FFF2-40B4-BE49-F238E27FC236}">
+                <a16:creationId xmlns:a16="http://schemas.microsoft.com/office/drawing/2014/main" id="{B58459CE-3466-455A-8FD5-9D14FA580553}"/>
+              </a:ext>
+            </a:extLst>
+          </p:cNvPr>
+          <p:cNvSpPr/>
+          <p:nvPr/>
+        </p:nvSpPr>
+        <p:spPr>
+          <a:xfrm>
+            <a:off x="649357" y="4850296"/>
+            <a:ext cx="543339" cy="556591"/>
+          </a:xfrm>
+          <a:prstGeom prst="rect">
+            <a:avLst/>
+          </a:prstGeom>
+          <a:noFill/>
+          <a:ln w="57150">
             <a:solidFill>
               <a:srgbClr val="E51836"/>
             </a:solidFill>
@@ -12436,172 +13112,62 @@
           </a:p>
         </p:txBody>
       </p:sp>
-      <p:cxnSp>
-        <p:nvCxnSpPr>
-          <p:cNvPr id="10" name="Straight Connector 9">
+      <p:sp>
+        <p:nvSpPr>
+          <p:cNvPr id="7" name="Rectangle 6">
             <a:extLst>
               <a:ext uri="{FF2B5EF4-FFF2-40B4-BE49-F238E27FC236}">
-                <a16:creationId xmlns:a16="http://schemas.microsoft.com/office/drawing/2014/main" id="{2A2D717B-FED3-4573-B2FE-57087D39430D}"/>
+                <a16:creationId xmlns:a16="http://schemas.microsoft.com/office/drawing/2014/main" id="{A4E93410-D7E6-4425-8026-3EB6015F5A5D}"/>
               </a:ext>
             </a:extLst>
           </p:cNvPr>
-          <p:cNvCxnSpPr/>
+          <p:cNvSpPr/>
           <p:nvPr/>
-        </p:nvCxnSpPr>
+        </p:nvSpPr>
         <p:spPr>
           <a:xfrm>
-            <a:off x="522632" y="763670"/>
-            <a:ext cx="7992717" cy="0"/>
-          </a:xfrm>
-          <a:prstGeom prst="line">
+            <a:off x="649356" y="4572000"/>
+            <a:ext cx="4863548" cy="1166191"/>
+          </a:xfrm>
+          <a:prstGeom prst="rect">
             <a:avLst/>
           </a:prstGeom>
-          <a:ln>
+          <a:noFill/>
+          <a:ln w="57150">
             <a:solidFill>
               <a:srgbClr val="E51836"/>
             </a:solidFill>
           </a:ln>
         </p:spPr>
         <p:style>
-          <a:lnRef idx="1">
-            <a:schemeClr val="accent1"/>
+          <a:lnRef idx="2">
+            <a:schemeClr val="accent1">
+              <a:shade val="50000"/>
+            </a:schemeClr>
           </a:lnRef>
-          <a:fillRef idx="0">
+          <a:fillRef idx="1">
             <a:schemeClr val="accent1"/>
           </a:fillRef>
           <a:effectRef idx="0">
             <a:schemeClr val="accent1"/>
           </a:effectRef>
           <a:fontRef idx="minor">
-            <a:schemeClr val="tx1"/>
+            <a:schemeClr val="lt1"/>
           </a:fontRef>
         </p:style>
-      </p:cxnSp>
-      <p:sp>
-        <p:nvSpPr>
-          <p:cNvPr id="11" name="Slide Number Placeholder 10">
-            <a:extLst>
-              <a:ext uri="{FF2B5EF4-FFF2-40B4-BE49-F238E27FC236}">
-                <a16:creationId xmlns:a16="http://schemas.microsoft.com/office/drawing/2014/main" id="{3638B894-F5CB-41EC-A4AE-32E1D6A3E77D}"/>
-              </a:ext>
-            </a:extLst>
-          </p:cNvPr>
-          <p:cNvSpPr>
-            <a:spLocks noGrp="1"/>
-          </p:cNvSpPr>
-          <p:nvPr>
-            <p:ph type="sldNum" sz="quarter" idx="12"/>
-          </p:nvPr>
-        </p:nvSpPr>
-        <p:spPr/>
-        <p:txBody>
-          <a:bodyPr/>
-          <a:lstStyle/>
-          <a:p>
-            <a:fld id="{2BD03CB1-4DB3-405C-876B-B27AD0EBE084}" type="slidenum">
-              <a:rPr lang="en-US" smtClean="0"/>
-              <a:t>4</a:t>
-            </a:fld>
+        <p:txBody>
+          <a:bodyPr rtlCol="0" anchor="ctr"/>
+          <a:lstStyle/>
+          <a:p>
+            <a:pPr algn="ctr"/>
             <a:endParaRPr lang="en-US"/>
           </a:p>
         </p:txBody>
       </p:sp>
-      <p:sp>
-        <p:nvSpPr>
-          <p:cNvPr id="3" name="TextBox 2">
-            <a:extLst>
-              <a:ext uri="{FF2B5EF4-FFF2-40B4-BE49-F238E27FC236}">
-                <a16:creationId xmlns:a16="http://schemas.microsoft.com/office/drawing/2014/main" id="{02C658B5-A6EC-4802-97AA-6D3AE7F71821}"/>
-              </a:ext>
-            </a:extLst>
-          </p:cNvPr>
-          <p:cNvSpPr txBox="1"/>
-          <p:nvPr/>
-        </p:nvSpPr>
-        <p:spPr>
-          <a:xfrm>
-            <a:off x="522632" y="1103917"/>
-            <a:ext cx="7992717" cy="1200329"/>
-          </a:xfrm>
-          <a:prstGeom prst="rect">
-            <a:avLst/>
-          </a:prstGeom>
-          <a:noFill/>
-        </p:spPr>
-        <p:txBody>
-          <a:bodyPr wrap="square" rtlCol="0">
-            <a:spAutoFit/>
-          </a:bodyPr>
-          <a:lstStyle/>
-          <a:p>
-            <a:pPr algn="ctr"/>
-            <a:r>
-              <a:rPr lang="en-US" sz="2400" i="1" dirty="0">
-                <a:latin typeface="Microsoft Sans Serif" panose="020B0604020202020204" pitchFamily="34" charset="0"/>
-                <a:ea typeface="Microsoft Sans Serif" panose="020B0604020202020204" pitchFamily="34" charset="0"/>
-                <a:cs typeface="Microsoft Sans Serif" panose="020B0604020202020204" pitchFamily="34" charset="0"/>
-              </a:rPr>
-              <a:t>“There is enough public information scattered around the internet that can be used to predict fundamental demand numbers for natural gas”</a:t>
-            </a:r>
-            <a:endParaRPr lang="en-US" sz="2100" i="1" dirty="0">
-              <a:latin typeface="Microsoft Sans Serif" panose="020B0604020202020204" pitchFamily="34" charset="0"/>
-              <a:ea typeface="Microsoft Sans Serif" panose="020B0604020202020204" pitchFamily="34" charset="0"/>
-              <a:cs typeface="Microsoft Sans Serif" panose="020B0604020202020204" pitchFamily="34" charset="0"/>
-            </a:endParaRPr>
-          </a:p>
-        </p:txBody>
-      </p:sp>
-      <p:pic>
-        <p:nvPicPr>
-          <p:cNvPr id="4" name="Picture 2" descr="U.S. Natural Gas Power Generation Hits Record | OilPrice.com">
-            <a:extLst>
-              <a:ext uri="{FF2B5EF4-FFF2-40B4-BE49-F238E27FC236}">
-                <a16:creationId xmlns:a16="http://schemas.microsoft.com/office/drawing/2014/main" id="{3FB09B2B-5532-4E03-BB30-179DF8DD424E}"/>
-              </a:ext>
-            </a:extLst>
-          </p:cNvPr>
-          <p:cNvPicPr>
-            <a:picLocks noChangeAspect="1" noChangeArrowheads="1"/>
-          </p:cNvPicPr>
-          <p:nvPr/>
-        </p:nvPicPr>
-        <p:blipFill>
-          <a:blip r:embed="rId4">
-            <a:extLst>
-              <a:ext uri="{28A0092B-C50C-407E-A947-70E740481C1C}">
-                <a14:useLocalDpi xmlns:a14="http://schemas.microsoft.com/office/drawing/2010/main" val="0"/>
-              </a:ext>
-            </a:extLst>
-          </a:blip>
-          <a:srcRect/>
-          <a:stretch>
-            <a:fillRect/>
-          </a:stretch>
-        </p:blipFill>
-        <p:spPr bwMode="auto">
-          <a:xfrm>
-            <a:off x="1152525" y="3236830"/>
-            <a:ext cx="6838950" cy="2857500"/>
-          </a:xfrm>
-          <a:prstGeom prst="rect">
-            <a:avLst/>
-          </a:prstGeom>
-          <a:noFill/>
-          <a:extLst>
-            <a:ext uri="{909E8E84-426E-40DD-AFC4-6F175D3DCCD1}">
-              <a14:hiddenFill xmlns:a14="http://schemas.microsoft.com/office/drawing/2010/main">
-                <a:solidFill>
-                  <a:srgbClr val="FFFFFF"/>
-                </a:solidFill>
-              </a14:hiddenFill>
-            </a:ext>
-          </a:extLst>
-        </p:spPr>
-      </p:pic>
     </p:spTree>
     <p:extLst>
       <p:ext uri="{BB962C8B-B14F-4D97-AF65-F5344CB8AC3E}">
-        <p14:creationId xmlns:p14="http://schemas.microsoft.com/office/powerpoint/2010/main" val="2294815504"/>
+        <p14:creationId xmlns:p14="http://schemas.microsoft.com/office/powerpoint/2010/main" val="3575503935"/>
       </p:ext>
     </p:extLst>
   </p:cSld>
@@ -12662,7 +13228,7 @@
                 <a:ea typeface="Microsoft Sans Serif" panose="020B0604020202020204" pitchFamily="34" charset="0"/>
                 <a:cs typeface="Microsoft Sans Serif" panose="020B0604020202020204" pitchFamily="34" charset="0"/>
               </a:rPr>
-              <a:t>The Parameters of Powerburn</a:t>
+              <a:t>Hypothesis</a:t>
             </a:r>
             <a:endParaRPr lang="en-US" sz="3200" dirty="0"/>
           </a:p>
@@ -12824,10 +13390,10 @@
       </p:sp>
       <p:sp>
         <p:nvSpPr>
-          <p:cNvPr id="7" name="TextBox 6">
+          <p:cNvPr id="3" name="TextBox 2">
             <a:extLst>
               <a:ext uri="{FF2B5EF4-FFF2-40B4-BE49-F238E27FC236}">
-                <a16:creationId xmlns:a16="http://schemas.microsoft.com/office/drawing/2014/main" id="{647CFEC4-6802-41A3-BD3F-B0D02A1D7D36}"/>
+                <a16:creationId xmlns:a16="http://schemas.microsoft.com/office/drawing/2014/main" id="{02C658B5-A6EC-4802-97AA-6D3AE7F71821}"/>
               </a:ext>
             </a:extLst>
           </p:cNvPr>
@@ -12836,8 +13402,8 @@
         </p:nvSpPr>
         <p:spPr>
           <a:xfrm>
-            <a:off x="570877" y="5724998"/>
-            <a:ext cx="7775783" cy="369332"/>
+            <a:off x="522632" y="1103917"/>
+            <a:ext cx="7992717" cy="1200329"/>
           </a:xfrm>
           <a:prstGeom prst="rect">
             <a:avLst/>
@@ -12845,213 +13411,34 @@
           <a:noFill/>
         </p:spPr>
         <p:txBody>
-          <a:bodyPr wrap="none" rtlCol="0">
-            <a:spAutoFit/>
-          </a:bodyPr>
-          <a:lstStyle/>
-          <a:p>
-            <a:r>
-              <a:rPr lang="en-US" dirty="0"/>
-              <a:t>*We analyzed different limitations on Powerburn to then estimate the forward #.</a:t>
-            </a:r>
-          </a:p>
-        </p:txBody>
-      </p:sp>
-      <p:pic>
-        <p:nvPicPr>
-          <p:cNvPr id="6" name="Picture 5">
-            <a:extLst>
-              <a:ext uri="{FF2B5EF4-FFF2-40B4-BE49-F238E27FC236}">
-                <a16:creationId xmlns:a16="http://schemas.microsoft.com/office/drawing/2014/main" id="{13811F3C-3F49-4408-9C18-E93A3A4DF66C}"/>
-              </a:ext>
-            </a:extLst>
-          </p:cNvPr>
-          <p:cNvPicPr>
-            <a:picLocks noChangeAspect="1"/>
-          </p:cNvPicPr>
-          <p:nvPr/>
-        </p:nvPicPr>
-        <p:blipFill>
-          <a:blip r:embed="rId4"/>
-          <a:stretch>
-            <a:fillRect/>
-          </a:stretch>
-        </p:blipFill>
-        <p:spPr>
-          <a:xfrm>
-            <a:off x="637175" y="4695058"/>
-            <a:ext cx="859343" cy="844178"/>
-          </a:xfrm>
-          <a:prstGeom prst="rect">
-            <a:avLst/>
-          </a:prstGeom>
-        </p:spPr>
-      </p:pic>
-      <p:pic>
-        <p:nvPicPr>
-          <p:cNvPr id="9" name="Picture 8">
-            <a:extLst>
-              <a:ext uri="{FF2B5EF4-FFF2-40B4-BE49-F238E27FC236}">
-                <a16:creationId xmlns:a16="http://schemas.microsoft.com/office/drawing/2014/main" id="{D34CF676-983B-4850-87D6-E16E8BB63830}"/>
-              </a:ext>
-            </a:extLst>
-          </p:cNvPr>
-          <p:cNvPicPr>
-            <a:picLocks noChangeAspect="1"/>
-          </p:cNvPicPr>
-          <p:nvPr/>
-        </p:nvPicPr>
-        <p:blipFill>
-          <a:blip r:embed="rId5"/>
-          <a:stretch>
-            <a:fillRect/>
-          </a:stretch>
-        </p:blipFill>
-        <p:spPr>
-          <a:xfrm>
-            <a:off x="3459314" y="4810208"/>
-            <a:ext cx="685896" cy="819264"/>
-          </a:xfrm>
-          <a:prstGeom prst="rect">
-            <a:avLst/>
-          </a:prstGeom>
-        </p:spPr>
-      </p:pic>
-      <p:pic>
-        <p:nvPicPr>
-          <p:cNvPr id="12" name="Picture 11">
-            <a:extLst>
-              <a:ext uri="{FF2B5EF4-FFF2-40B4-BE49-F238E27FC236}">
-                <a16:creationId xmlns:a16="http://schemas.microsoft.com/office/drawing/2014/main" id="{FD1B8922-DDDA-4BA6-BCFB-A6B901C09DB6}"/>
-              </a:ext>
-            </a:extLst>
-          </p:cNvPr>
-          <p:cNvPicPr>
-            <a:picLocks noChangeAspect="1"/>
-          </p:cNvPicPr>
-          <p:nvPr/>
-        </p:nvPicPr>
-        <p:blipFill>
-          <a:blip r:embed="rId6"/>
-          <a:stretch>
-            <a:fillRect/>
-          </a:stretch>
-        </p:blipFill>
-        <p:spPr>
-          <a:xfrm>
-            <a:off x="6266559" y="4995971"/>
-            <a:ext cx="2200582" cy="447738"/>
-          </a:xfrm>
-          <a:prstGeom prst="rect">
-            <a:avLst/>
-          </a:prstGeom>
-        </p:spPr>
-      </p:pic>
-      <p:pic>
-        <p:nvPicPr>
-          <p:cNvPr id="13" name="Picture 12">
-            <a:extLst>
-              <a:ext uri="{FF2B5EF4-FFF2-40B4-BE49-F238E27FC236}">
-                <a16:creationId xmlns:a16="http://schemas.microsoft.com/office/drawing/2014/main" id="{F90995BB-FCB9-46AF-8E01-9A8D756A62B8}"/>
-              </a:ext>
-            </a:extLst>
-          </p:cNvPr>
-          <p:cNvPicPr>
-            <a:picLocks noChangeAspect="1"/>
-          </p:cNvPicPr>
-          <p:nvPr/>
-        </p:nvPicPr>
-        <p:blipFill>
-          <a:blip r:embed="rId7"/>
-          <a:stretch>
-            <a:fillRect/>
-          </a:stretch>
-        </p:blipFill>
-        <p:spPr>
-          <a:xfrm>
-            <a:off x="1966285" y="4765090"/>
-            <a:ext cx="1052485" cy="819264"/>
-          </a:xfrm>
-          <a:prstGeom prst="rect">
-            <a:avLst/>
-          </a:prstGeom>
-        </p:spPr>
-      </p:pic>
-      <p:pic>
-        <p:nvPicPr>
-          <p:cNvPr id="15" name="Picture 14">
-            <a:extLst>
-              <a:ext uri="{FF2B5EF4-FFF2-40B4-BE49-F238E27FC236}">
-                <a16:creationId xmlns:a16="http://schemas.microsoft.com/office/drawing/2014/main" id="{2D77546F-1344-4900-ABBC-82763C3E967B}"/>
-              </a:ext>
-            </a:extLst>
-          </p:cNvPr>
-          <p:cNvPicPr>
-            <a:picLocks noChangeAspect="1"/>
-          </p:cNvPicPr>
-          <p:nvPr/>
-        </p:nvPicPr>
-        <p:blipFill>
-          <a:blip r:embed="rId8"/>
-          <a:stretch>
-            <a:fillRect/>
-          </a:stretch>
-        </p:blipFill>
-        <p:spPr>
-          <a:xfrm>
-            <a:off x="4681275" y="4864525"/>
-            <a:ext cx="1199049" cy="631264"/>
-          </a:xfrm>
-          <a:prstGeom prst="rect">
-            <a:avLst/>
-          </a:prstGeom>
-        </p:spPr>
-      </p:pic>
-      <p:sp>
-        <p:nvSpPr>
-          <p:cNvPr id="16" name="TextBox 15">
-            <a:extLst>
-              <a:ext uri="{FF2B5EF4-FFF2-40B4-BE49-F238E27FC236}">
-                <a16:creationId xmlns:a16="http://schemas.microsoft.com/office/drawing/2014/main" id="{F7D3FC72-96A1-4852-A7AD-A165973552B0}"/>
-              </a:ext>
-            </a:extLst>
-          </p:cNvPr>
-          <p:cNvSpPr txBox="1"/>
-          <p:nvPr/>
-        </p:nvSpPr>
-        <p:spPr>
-          <a:xfrm>
-            <a:off x="570877" y="981512"/>
-            <a:ext cx="7838455" cy="369332"/>
-          </a:xfrm>
-          <a:prstGeom prst="rect">
-            <a:avLst/>
-          </a:prstGeom>
-          <a:noFill/>
-        </p:spPr>
-        <p:txBody>
           <a:bodyPr wrap="square" rtlCol="0">
             <a:spAutoFit/>
           </a:bodyPr>
           <a:lstStyle/>
           <a:p>
-            <a:r>
-              <a:rPr lang="en-US" b="1" dirty="0"/>
-              <a:t>Powerburn</a:t>
-            </a:r>
-            <a:r>
-              <a:rPr lang="en-US" dirty="0"/>
-              <a:t> is natural gas burned for the purpose of electricity generation.</a:t>
-            </a:r>
+            <a:pPr algn="ctr"/>
+            <a:r>
+              <a:rPr lang="en-US" sz="2400" i="1" dirty="0">
+                <a:latin typeface="Microsoft Sans Serif" panose="020B0604020202020204" pitchFamily="34" charset="0"/>
+                <a:ea typeface="Microsoft Sans Serif" panose="020B0604020202020204" pitchFamily="34" charset="0"/>
+                <a:cs typeface="Microsoft Sans Serif" panose="020B0604020202020204" pitchFamily="34" charset="0"/>
+              </a:rPr>
+              <a:t>“There is enough public information scattered around the internet that can be used to predict fundamental demand numbers for natural gas”</a:t>
+            </a:r>
+            <a:endParaRPr lang="en-US" sz="2100" i="1" dirty="0">
+              <a:latin typeface="Microsoft Sans Serif" panose="020B0604020202020204" pitchFamily="34" charset="0"/>
+              <a:ea typeface="Microsoft Sans Serif" panose="020B0604020202020204" pitchFamily="34" charset="0"/>
+              <a:cs typeface="Microsoft Sans Serif" panose="020B0604020202020204" pitchFamily="34" charset="0"/>
+            </a:endParaRPr>
           </a:p>
         </p:txBody>
       </p:sp>
       <p:pic>
         <p:nvPicPr>
-          <p:cNvPr id="2050" name="Picture 2" descr="Electricity sector of the United States - Wikipedia">
+          <p:cNvPr id="4" name="Picture 2" descr="U.S. Natural Gas Power Generation Hits Record | OilPrice.com">
             <a:extLst>
               <a:ext uri="{FF2B5EF4-FFF2-40B4-BE49-F238E27FC236}">
-                <a16:creationId xmlns:a16="http://schemas.microsoft.com/office/drawing/2014/main" id="{E79BB703-AE26-4D87-B8CD-99B7810F4E40}"/>
+                <a16:creationId xmlns:a16="http://schemas.microsoft.com/office/drawing/2014/main" id="{3FB09B2B-5532-4E03-BB30-179DF8DD424E}"/>
               </a:ext>
             </a:extLst>
           </p:cNvPr>
@@ -13061,7 +13448,7 @@
           <p:nvPr/>
         </p:nvPicPr>
         <p:blipFill>
-          <a:blip r:embed="rId9">
+          <a:blip r:embed="rId4">
             <a:extLst>
               <a:ext uri="{28A0092B-C50C-407E-A947-70E740481C1C}">
                 <a14:useLocalDpi xmlns:a14="http://schemas.microsoft.com/office/drawing/2010/main" val="0"/>
@@ -13075,8 +13462,8 @@
         </p:blipFill>
         <p:spPr bwMode="auto">
           <a:xfrm>
-            <a:off x="1105377" y="1506641"/>
-            <a:ext cx="6933245" cy="2731699"/>
+            <a:off x="1152525" y="3236830"/>
+            <a:ext cx="6838950" cy="2857500"/>
           </a:xfrm>
           <a:prstGeom prst="rect">
             <a:avLst/>
@@ -13093,40 +13480,10 @@
           </a:extLst>
         </p:spPr>
       </p:pic>
-      <p:pic>
-        <p:nvPicPr>
-          <p:cNvPr id="3" name="Picture 2">
-            <a:extLst>
-              <a:ext uri="{FF2B5EF4-FFF2-40B4-BE49-F238E27FC236}">
-                <a16:creationId xmlns:a16="http://schemas.microsoft.com/office/drawing/2014/main" id="{D735BDEA-7A6A-4123-9971-94D387D01F4C}"/>
-              </a:ext>
-            </a:extLst>
-          </p:cNvPr>
-          <p:cNvPicPr>
-            <a:picLocks noChangeAspect="1"/>
-          </p:cNvPicPr>
-          <p:nvPr/>
-        </p:nvPicPr>
-        <p:blipFill>
-          <a:blip r:embed="rId10"/>
-          <a:stretch>
-            <a:fillRect/>
-          </a:stretch>
-        </p:blipFill>
-        <p:spPr>
-          <a:xfrm>
-            <a:off x="7536922" y="4028215"/>
-            <a:ext cx="809738" cy="666843"/>
-          </a:xfrm>
-          <a:prstGeom prst="rect">
-            <a:avLst/>
-          </a:prstGeom>
-        </p:spPr>
-      </p:pic>
     </p:spTree>
     <p:extLst>
       <p:ext uri="{BB962C8B-B14F-4D97-AF65-F5344CB8AC3E}">
-        <p14:creationId xmlns:p14="http://schemas.microsoft.com/office/powerpoint/2010/main" val="754788539"/>
+        <p14:creationId xmlns:p14="http://schemas.microsoft.com/office/powerpoint/2010/main" val="2294815504"/>
       </p:ext>
     </p:extLst>
   </p:cSld>
@@ -13187,7 +13544,7 @@
                 <a:ea typeface="Microsoft Sans Serif" panose="020B0604020202020204" pitchFamily="34" charset="0"/>
                 <a:cs typeface="Microsoft Sans Serif" panose="020B0604020202020204" pitchFamily="34" charset="0"/>
               </a:rPr>
-              <a:t>Parameters Code</a:t>
+              <a:t>The Parameters of Powerburn</a:t>
             </a:r>
             <a:endParaRPr lang="en-US" sz="3200" dirty="0"/>
           </a:p>
@@ -13347,217 +13704,131 @@
           </a:p>
         </p:txBody>
       </p:sp>
+      <p:sp>
+        <p:nvSpPr>
+          <p:cNvPr id="7" name="TextBox 6">
+            <a:extLst>
+              <a:ext uri="{FF2B5EF4-FFF2-40B4-BE49-F238E27FC236}">
+                <a16:creationId xmlns:a16="http://schemas.microsoft.com/office/drawing/2014/main" id="{647CFEC4-6802-41A3-BD3F-B0D02A1D7D36}"/>
+              </a:ext>
+            </a:extLst>
+          </p:cNvPr>
+          <p:cNvSpPr txBox="1"/>
+          <p:nvPr/>
+        </p:nvSpPr>
+        <p:spPr>
+          <a:xfrm>
+            <a:off x="570877" y="5724998"/>
+            <a:ext cx="7775783" cy="369332"/>
+          </a:xfrm>
+          <a:prstGeom prst="rect">
+            <a:avLst/>
+          </a:prstGeom>
+          <a:noFill/>
+        </p:spPr>
+        <p:txBody>
+          <a:bodyPr wrap="none" rtlCol="0">
+            <a:spAutoFit/>
+          </a:bodyPr>
+          <a:lstStyle/>
+          <a:p>
+            <a:r>
+              <a:rPr lang="en-US" dirty="0"/>
+              <a:t>*We analyzed different limitations on Powerburn to then estimate the forward #.</a:t>
+            </a:r>
+          </a:p>
+        </p:txBody>
+      </p:sp>
+      <p:sp>
+        <p:nvSpPr>
+          <p:cNvPr id="16" name="TextBox 15">
+            <a:extLst>
+              <a:ext uri="{FF2B5EF4-FFF2-40B4-BE49-F238E27FC236}">
+                <a16:creationId xmlns:a16="http://schemas.microsoft.com/office/drawing/2014/main" id="{F7D3FC72-96A1-4852-A7AD-A165973552B0}"/>
+              </a:ext>
+            </a:extLst>
+          </p:cNvPr>
+          <p:cNvSpPr txBox="1"/>
+          <p:nvPr/>
+        </p:nvSpPr>
+        <p:spPr>
+          <a:xfrm>
+            <a:off x="570877" y="981512"/>
+            <a:ext cx="7838455" cy="369332"/>
+          </a:xfrm>
+          <a:prstGeom prst="rect">
+            <a:avLst/>
+          </a:prstGeom>
+          <a:noFill/>
+        </p:spPr>
+        <p:txBody>
+          <a:bodyPr wrap="square" rtlCol="0">
+            <a:spAutoFit/>
+          </a:bodyPr>
+          <a:lstStyle/>
+          <a:p>
+            <a:r>
+              <a:rPr lang="en-US" b="1" dirty="0"/>
+              <a:t>Powerburn</a:t>
+            </a:r>
+            <a:r>
+              <a:rPr lang="en-US" dirty="0"/>
+              <a:t> is natural gas burned for the purpose of electricity generation.</a:t>
+            </a:r>
+          </a:p>
+        </p:txBody>
+      </p:sp>
       <p:pic>
         <p:nvPicPr>
-          <p:cNvPr id="6" name="Picture 5">
+          <p:cNvPr id="2050" name="Picture 2" descr="Electricity sector of the United States - Wikipedia">
             <a:extLst>
               <a:ext uri="{FF2B5EF4-FFF2-40B4-BE49-F238E27FC236}">
-                <a16:creationId xmlns:a16="http://schemas.microsoft.com/office/drawing/2014/main" id="{8138E8C2-9BDE-4EAA-98D0-EEB885C5A18E}"/>
+                <a16:creationId xmlns:a16="http://schemas.microsoft.com/office/drawing/2014/main" id="{E79BB703-AE26-4D87-B8CD-99B7810F4E40}"/>
               </a:ext>
             </a:extLst>
           </p:cNvPr>
           <p:cNvPicPr>
-            <a:picLocks noChangeAspect="1"/>
+            <a:picLocks noChangeAspect="1" noChangeArrowheads="1"/>
           </p:cNvPicPr>
           <p:nvPr/>
         </p:nvPicPr>
         <p:blipFill>
-          <a:blip r:embed="rId4"/>
+          <a:blip r:embed="rId4">
+            <a:extLst>
+              <a:ext uri="{28A0092B-C50C-407E-A947-70E740481C1C}">
+                <a14:useLocalDpi xmlns:a14="http://schemas.microsoft.com/office/drawing/2010/main" val="0"/>
+              </a:ext>
+            </a:extLst>
+          </a:blip>
+          <a:srcRect/>
           <a:stretch>
             <a:fillRect/>
           </a:stretch>
         </p:blipFill>
-        <p:spPr>
+        <p:spPr bwMode="auto">
           <a:xfrm>
-            <a:off x="0" y="801765"/>
-            <a:ext cx="9144000" cy="2678789"/>
-          </a:xfrm>
-          <a:prstGeom prst="rect">
-            <a:avLst/>
-          </a:prstGeom>
-        </p:spPr>
-      </p:pic>
-      <p:sp>
-        <p:nvSpPr>
-          <p:cNvPr id="7" name="Arrow: Right 6">
-            <a:extLst>
-              <a:ext uri="{FF2B5EF4-FFF2-40B4-BE49-F238E27FC236}">
-                <a16:creationId xmlns:a16="http://schemas.microsoft.com/office/drawing/2014/main" id="{4A18F2C9-DCAB-496A-A6C2-1B64CFA6FF76}"/>
-              </a:ext>
-            </a:extLst>
-          </p:cNvPr>
-          <p:cNvSpPr/>
-          <p:nvPr/>
-        </p:nvSpPr>
-        <p:spPr>
-          <a:xfrm rot="10800000">
-            <a:off x="1656389" y="2500152"/>
-            <a:ext cx="1021525" cy="928848"/>
-          </a:xfrm>
-          <a:prstGeom prst="rightArrow">
-            <a:avLst>
-              <a:gd name="adj1" fmla="val 50000"/>
-              <a:gd name="adj2" fmla="val 63822"/>
-            </a:avLst>
-          </a:prstGeom>
-          <a:solidFill>
-            <a:srgbClr val="E51836"/>
-          </a:solidFill>
-          <a:ln>
-            <a:solidFill>
-              <a:srgbClr val="E51836"/>
-            </a:solidFill>
-          </a:ln>
-        </p:spPr>
-        <p:style>
-          <a:lnRef idx="2">
-            <a:schemeClr val="accent1">
-              <a:shade val="50000"/>
-            </a:schemeClr>
-          </a:lnRef>
-          <a:fillRef idx="1">
-            <a:schemeClr val="accent1"/>
-          </a:fillRef>
-          <a:effectRef idx="0">
-            <a:schemeClr val="accent1"/>
-          </a:effectRef>
-          <a:fontRef idx="minor">
-            <a:schemeClr val="lt1"/>
-          </a:fontRef>
-        </p:style>
-        <p:txBody>
-          <a:bodyPr rtlCol="0" anchor="ctr"/>
-          <a:lstStyle/>
-          <a:p>
-            <a:pPr algn="ctr"/>
-            <a:endParaRPr lang="en-US"/>
-          </a:p>
-        </p:txBody>
-      </p:sp>
-      <p:sp>
-        <p:nvSpPr>
-          <p:cNvPr id="3" name="TextBox 2">
-            <a:extLst>
-              <a:ext uri="{FF2B5EF4-FFF2-40B4-BE49-F238E27FC236}">
-                <a16:creationId xmlns:a16="http://schemas.microsoft.com/office/drawing/2014/main" id="{02C658B5-A6EC-4802-97AA-6D3AE7F71821}"/>
-              </a:ext>
-            </a:extLst>
-          </p:cNvPr>
-          <p:cNvSpPr txBox="1"/>
-          <p:nvPr/>
-        </p:nvSpPr>
-        <p:spPr>
-          <a:xfrm>
-            <a:off x="2921108" y="2641410"/>
-            <a:ext cx="5594241" cy="646331"/>
+            <a:off x="1105377" y="1506641"/>
+            <a:ext cx="6933245" cy="2731699"/>
           </a:xfrm>
           <a:prstGeom prst="rect">
             <a:avLst/>
           </a:prstGeom>
           <a:noFill/>
-          <a:ln>
-            <a:solidFill>
-              <a:srgbClr val="E51836"/>
-            </a:solidFill>
-          </a:ln>
-        </p:spPr>
-        <p:txBody>
-          <a:bodyPr wrap="square" rtlCol="0" anchor="ctr">
-            <a:spAutoFit/>
-          </a:bodyPr>
-          <a:lstStyle/>
-          <a:p>
-            <a:pPr algn="ctr"/>
-            <a:r>
-              <a:rPr lang="en-US" dirty="0">
-                <a:latin typeface="Microsoft Sans Serif" panose="020B0604020202020204" pitchFamily="34" charset="0"/>
-                <a:ea typeface="Microsoft Sans Serif" panose="020B0604020202020204" pitchFamily="34" charset="0"/>
-                <a:cs typeface="Microsoft Sans Serif" panose="020B0604020202020204" pitchFamily="34" charset="0"/>
-              </a:rPr>
-              <a:t>Going to the EIA website to bring in monthly data of Powerburn.</a:t>
-            </a:r>
-          </a:p>
-        </p:txBody>
-      </p:sp>
-      <p:pic>
-        <p:nvPicPr>
-          <p:cNvPr id="9" name="Picture 8">
-            <a:extLst>
-              <a:ext uri="{FF2B5EF4-FFF2-40B4-BE49-F238E27FC236}">
-                <a16:creationId xmlns:a16="http://schemas.microsoft.com/office/drawing/2014/main" id="{819F8CA0-99D6-4906-AE77-DD773CAD944B}"/>
-              </a:ext>
-            </a:extLst>
-          </p:cNvPr>
-          <p:cNvPicPr>
-            <a:picLocks noChangeAspect="1"/>
-          </p:cNvPicPr>
-          <p:nvPr/>
-        </p:nvPicPr>
-        <p:blipFill>
-          <a:blip r:embed="rId5"/>
-          <a:stretch>
-            <a:fillRect/>
-          </a:stretch>
-        </p:blipFill>
-        <p:spPr>
-          <a:xfrm>
-            <a:off x="6674530" y="3560010"/>
-            <a:ext cx="1624239" cy="2453030"/>
-          </a:xfrm>
-          <a:prstGeom prst="rect">
-            <a:avLst/>
-          </a:prstGeom>
+          <a:extLst>
+            <a:ext uri="{909E8E84-426E-40DD-AFC4-6F175D3DCCD1}">
+              <a14:hiddenFill xmlns:a14="http://schemas.microsoft.com/office/drawing/2010/main">
+                <a:solidFill>
+                  <a:srgbClr val="FFFFFF"/>
+                </a:solidFill>
+              </a14:hiddenFill>
+            </a:ext>
+          </a:extLst>
         </p:spPr>
       </p:pic>
-      <p:sp>
-        <p:nvSpPr>
-          <p:cNvPr id="14" name="TextBox 13">
-            <a:extLst>
-              <a:ext uri="{FF2B5EF4-FFF2-40B4-BE49-F238E27FC236}">
-                <a16:creationId xmlns:a16="http://schemas.microsoft.com/office/drawing/2014/main" id="{5451865A-520B-408A-97CB-CE2AB0150A0D}"/>
-              </a:ext>
-            </a:extLst>
-          </p:cNvPr>
-          <p:cNvSpPr txBox="1"/>
-          <p:nvPr/>
-        </p:nvSpPr>
-        <p:spPr>
-          <a:xfrm>
-            <a:off x="635108" y="4097978"/>
-            <a:ext cx="5594241" cy="369332"/>
-          </a:xfrm>
-          <a:prstGeom prst="rect">
-            <a:avLst/>
-          </a:prstGeom>
-          <a:noFill/>
-          <a:ln>
-            <a:solidFill>
-              <a:srgbClr val="E51836"/>
-            </a:solidFill>
-          </a:ln>
-        </p:spPr>
-        <p:txBody>
-          <a:bodyPr wrap="square" rtlCol="0" anchor="ctr">
-            <a:spAutoFit/>
-          </a:bodyPr>
-          <a:lstStyle/>
-          <a:p>
-            <a:pPr algn="ctr"/>
-            <a:r>
-              <a:rPr lang="en-US" dirty="0">
-                <a:latin typeface="Microsoft Sans Serif" panose="020B0604020202020204" pitchFamily="34" charset="0"/>
-                <a:ea typeface="Microsoft Sans Serif" panose="020B0604020202020204" pitchFamily="34" charset="0"/>
-                <a:cs typeface="Microsoft Sans Serif" panose="020B0604020202020204" pitchFamily="34" charset="0"/>
-              </a:rPr>
-              <a:t>EIA govt info pulls both Production &amp; Powerburn</a:t>
-            </a:r>
-          </a:p>
-        </p:txBody>
-      </p:sp>
     </p:spTree>
     <p:extLst>
       <p:ext uri="{BB962C8B-B14F-4D97-AF65-F5344CB8AC3E}">
-        <p14:creationId xmlns:p14="http://schemas.microsoft.com/office/powerpoint/2010/main" val="1567978888"/>
+        <p14:creationId xmlns:p14="http://schemas.microsoft.com/office/powerpoint/2010/main" val="754788539"/>
       </p:ext>
     </p:extLst>
   </p:cSld>
@@ -13780,10 +14051,10 @@
       </p:sp>
       <p:pic>
         <p:nvPicPr>
-          <p:cNvPr id="4" name="Picture 3">
+          <p:cNvPr id="6" name="Picture 5">
             <a:extLst>
               <a:ext uri="{FF2B5EF4-FFF2-40B4-BE49-F238E27FC236}">
-                <a16:creationId xmlns:a16="http://schemas.microsoft.com/office/drawing/2014/main" id="{3B40CB4D-F7BE-4862-A609-2F5E66EAAE9F}"/>
+                <a16:creationId xmlns:a16="http://schemas.microsoft.com/office/drawing/2014/main" id="{8138E8C2-9BDE-4EAA-98D0-EEB885C5A18E}"/>
               </a:ext>
             </a:extLst>
           </p:cNvPr>
@@ -13800,18 +14071,195 @@
         </p:blipFill>
         <p:spPr>
           <a:xfrm>
-            <a:off x="0" y="828261"/>
-            <a:ext cx="9144000" cy="5201478"/>
+            <a:off x="0" y="801765"/>
+            <a:ext cx="9144000" cy="2678789"/>
           </a:xfrm>
           <a:prstGeom prst="rect">
             <a:avLst/>
           </a:prstGeom>
         </p:spPr>
       </p:pic>
+      <p:sp>
+        <p:nvSpPr>
+          <p:cNvPr id="7" name="Arrow: Right 6">
+            <a:extLst>
+              <a:ext uri="{FF2B5EF4-FFF2-40B4-BE49-F238E27FC236}">
+                <a16:creationId xmlns:a16="http://schemas.microsoft.com/office/drawing/2014/main" id="{4A18F2C9-DCAB-496A-A6C2-1B64CFA6FF76}"/>
+              </a:ext>
+            </a:extLst>
+          </p:cNvPr>
+          <p:cNvSpPr/>
+          <p:nvPr/>
+        </p:nvSpPr>
+        <p:spPr>
+          <a:xfrm rot="10800000">
+            <a:off x="1656389" y="2500152"/>
+            <a:ext cx="1021525" cy="928848"/>
+          </a:xfrm>
+          <a:prstGeom prst="rightArrow">
+            <a:avLst>
+              <a:gd name="adj1" fmla="val 50000"/>
+              <a:gd name="adj2" fmla="val 63822"/>
+            </a:avLst>
+          </a:prstGeom>
+          <a:solidFill>
+            <a:srgbClr val="E51836"/>
+          </a:solidFill>
+          <a:ln>
+            <a:solidFill>
+              <a:srgbClr val="E51836"/>
+            </a:solidFill>
+          </a:ln>
+        </p:spPr>
+        <p:style>
+          <a:lnRef idx="2">
+            <a:schemeClr val="accent1">
+              <a:shade val="50000"/>
+            </a:schemeClr>
+          </a:lnRef>
+          <a:fillRef idx="1">
+            <a:schemeClr val="accent1"/>
+          </a:fillRef>
+          <a:effectRef idx="0">
+            <a:schemeClr val="accent1"/>
+          </a:effectRef>
+          <a:fontRef idx="minor">
+            <a:schemeClr val="lt1"/>
+          </a:fontRef>
+        </p:style>
+        <p:txBody>
+          <a:bodyPr rtlCol="0" anchor="ctr"/>
+          <a:lstStyle/>
+          <a:p>
+            <a:pPr algn="ctr"/>
+            <a:endParaRPr lang="en-US"/>
+          </a:p>
+        </p:txBody>
+      </p:sp>
+      <p:sp>
+        <p:nvSpPr>
+          <p:cNvPr id="3" name="TextBox 2">
+            <a:extLst>
+              <a:ext uri="{FF2B5EF4-FFF2-40B4-BE49-F238E27FC236}">
+                <a16:creationId xmlns:a16="http://schemas.microsoft.com/office/drawing/2014/main" id="{02C658B5-A6EC-4802-97AA-6D3AE7F71821}"/>
+              </a:ext>
+            </a:extLst>
+          </p:cNvPr>
+          <p:cNvSpPr txBox="1"/>
+          <p:nvPr/>
+        </p:nvSpPr>
+        <p:spPr>
+          <a:xfrm>
+            <a:off x="2921108" y="2641410"/>
+            <a:ext cx="5594241" cy="646331"/>
+          </a:xfrm>
+          <a:prstGeom prst="rect">
+            <a:avLst/>
+          </a:prstGeom>
+          <a:noFill/>
+          <a:ln>
+            <a:solidFill>
+              <a:srgbClr val="E51836"/>
+            </a:solidFill>
+          </a:ln>
+        </p:spPr>
+        <p:txBody>
+          <a:bodyPr wrap="square" rtlCol="0" anchor="ctr">
+            <a:spAutoFit/>
+          </a:bodyPr>
+          <a:lstStyle/>
+          <a:p>
+            <a:pPr algn="ctr"/>
+            <a:r>
+              <a:rPr lang="en-US" dirty="0">
+                <a:latin typeface="Microsoft Sans Serif" panose="020B0604020202020204" pitchFamily="34" charset="0"/>
+                <a:ea typeface="Microsoft Sans Serif" panose="020B0604020202020204" pitchFamily="34" charset="0"/>
+                <a:cs typeface="Microsoft Sans Serif" panose="020B0604020202020204" pitchFamily="34" charset="0"/>
+              </a:rPr>
+              <a:t>Going to the EIA website to bring in monthly data of Powerburn.</a:t>
+            </a:r>
+          </a:p>
+        </p:txBody>
+      </p:sp>
+      <p:pic>
+        <p:nvPicPr>
+          <p:cNvPr id="9" name="Picture 8">
+            <a:extLst>
+              <a:ext uri="{FF2B5EF4-FFF2-40B4-BE49-F238E27FC236}">
+                <a16:creationId xmlns:a16="http://schemas.microsoft.com/office/drawing/2014/main" id="{819F8CA0-99D6-4906-AE77-DD773CAD944B}"/>
+              </a:ext>
+            </a:extLst>
+          </p:cNvPr>
+          <p:cNvPicPr>
+            <a:picLocks noChangeAspect="1"/>
+          </p:cNvPicPr>
+          <p:nvPr/>
+        </p:nvPicPr>
+        <p:blipFill>
+          <a:blip r:embed="rId5"/>
+          <a:stretch>
+            <a:fillRect/>
+          </a:stretch>
+        </p:blipFill>
+        <p:spPr>
+          <a:xfrm>
+            <a:off x="6674530" y="3560010"/>
+            <a:ext cx="1624239" cy="2453030"/>
+          </a:xfrm>
+          <a:prstGeom prst="rect">
+            <a:avLst/>
+          </a:prstGeom>
+        </p:spPr>
+      </p:pic>
+      <p:sp>
+        <p:nvSpPr>
+          <p:cNvPr id="14" name="TextBox 13">
+            <a:extLst>
+              <a:ext uri="{FF2B5EF4-FFF2-40B4-BE49-F238E27FC236}">
+                <a16:creationId xmlns:a16="http://schemas.microsoft.com/office/drawing/2014/main" id="{5451865A-520B-408A-97CB-CE2AB0150A0D}"/>
+              </a:ext>
+            </a:extLst>
+          </p:cNvPr>
+          <p:cNvSpPr txBox="1"/>
+          <p:nvPr/>
+        </p:nvSpPr>
+        <p:spPr>
+          <a:xfrm>
+            <a:off x="635108" y="4097978"/>
+            <a:ext cx="5594241" cy="369332"/>
+          </a:xfrm>
+          <a:prstGeom prst="rect">
+            <a:avLst/>
+          </a:prstGeom>
+          <a:noFill/>
+          <a:ln>
+            <a:solidFill>
+              <a:srgbClr val="E51836"/>
+            </a:solidFill>
+          </a:ln>
+        </p:spPr>
+        <p:txBody>
+          <a:bodyPr wrap="square" rtlCol="0" anchor="ctr">
+            <a:spAutoFit/>
+          </a:bodyPr>
+          <a:lstStyle/>
+          <a:p>
+            <a:pPr algn="ctr"/>
+            <a:r>
+              <a:rPr lang="en-US" dirty="0">
+                <a:latin typeface="Microsoft Sans Serif" panose="020B0604020202020204" pitchFamily="34" charset="0"/>
+                <a:ea typeface="Microsoft Sans Serif" panose="020B0604020202020204" pitchFamily="34" charset="0"/>
+                <a:cs typeface="Microsoft Sans Serif" panose="020B0604020202020204" pitchFamily="34" charset="0"/>
+              </a:rPr>
+              <a:t>EIA govt info pulls both Production &amp; Powerburn</a:t>
+            </a:r>
+          </a:p>
+        </p:txBody>
+      </p:sp>
     </p:spTree>
     <p:extLst>
       <p:ext uri="{BB962C8B-B14F-4D97-AF65-F5344CB8AC3E}">
-        <p14:creationId xmlns:p14="http://schemas.microsoft.com/office/powerpoint/2010/main" val="808815001"/>
+        <p14:creationId xmlns:p14="http://schemas.microsoft.com/office/powerpoint/2010/main" val="1567978888"/>
       </p:ext>
     </p:extLst>
   </p:cSld>
@@ -13872,7 +14320,7 @@
                 <a:ea typeface="Microsoft Sans Serif" panose="020B0604020202020204" pitchFamily="34" charset="0"/>
                 <a:cs typeface="Microsoft Sans Serif" panose="020B0604020202020204" pitchFamily="34" charset="0"/>
               </a:rPr>
-              <a:t>Parameters Code – Adding Data</a:t>
+              <a:t>Parameters Code</a:t>
             </a:r>
             <a:endParaRPr lang="en-US" sz="3200" dirty="0"/>
           </a:p>
@@ -14034,10 +14482,10 @@
       </p:sp>
       <p:pic>
         <p:nvPicPr>
-          <p:cNvPr id="3" name="Picture 2">
+          <p:cNvPr id="4" name="Picture 3">
             <a:extLst>
               <a:ext uri="{FF2B5EF4-FFF2-40B4-BE49-F238E27FC236}">
-                <a16:creationId xmlns:a16="http://schemas.microsoft.com/office/drawing/2014/main" id="{50DCF0C2-B79E-4F7B-9359-754CAFE14130}"/>
+                <a16:creationId xmlns:a16="http://schemas.microsoft.com/office/drawing/2014/main" id="{3B40CB4D-F7BE-4862-A609-2F5E66EAAE9F}"/>
               </a:ext>
             </a:extLst>
           </p:cNvPr>
@@ -14054,208 +14502,8 @@
         </p:blipFill>
         <p:spPr>
           <a:xfrm>
-            <a:off x="5408538" y="1031107"/>
-            <a:ext cx="3000794" cy="438211"/>
-          </a:xfrm>
-          <a:prstGeom prst="rect">
-            <a:avLst/>
-          </a:prstGeom>
-        </p:spPr>
-      </p:pic>
-      <p:sp>
-        <p:nvSpPr>
-          <p:cNvPr id="6" name="TextBox 5">
-            <a:extLst>
-              <a:ext uri="{FF2B5EF4-FFF2-40B4-BE49-F238E27FC236}">
-                <a16:creationId xmlns:a16="http://schemas.microsoft.com/office/drawing/2014/main" id="{BC9ABE04-6561-4443-A7DE-C5650F6F29F0}"/>
-              </a:ext>
-            </a:extLst>
-          </p:cNvPr>
-          <p:cNvSpPr txBox="1"/>
-          <p:nvPr/>
-        </p:nvSpPr>
-        <p:spPr>
-          <a:xfrm>
-            <a:off x="522632" y="1031107"/>
-            <a:ext cx="4658968" cy="1200329"/>
-          </a:xfrm>
-          <a:prstGeom prst="rect">
-            <a:avLst/>
-          </a:prstGeom>
-          <a:noFill/>
-        </p:spPr>
-        <p:txBody>
-          <a:bodyPr wrap="square" rtlCol="0">
-            <a:spAutoFit/>
-          </a:bodyPr>
-          <a:lstStyle/>
-          <a:p>
-            <a:r>
-              <a:rPr lang="en-US" dirty="0"/>
-              <a:t>How much gas will be used to create electricity?</a:t>
-            </a:r>
-          </a:p>
-          <a:p>
-            <a:r>
-              <a:rPr lang="en-US" dirty="0"/>
-              <a:t>	Price of underlying (choice)</a:t>
-            </a:r>
-          </a:p>
-          <a:p>
-            <a:r>
-              <a:rPr lang="en-US" dirty="0"/>
-              <a:t>		Coal &amp; Natural Gas</a:t>
-            </a:r>
-          </a:p>
-          <a:p>
-            <a:r>
-              <a:rPr lang="en-US" dirty="0"/>
-              <a:t>	Included Production (growth)</a:t>
-            </a:r>
-          </a:p>
-        </p:txBody>
-      </p:sp>
-      <p:pic>
-        <p:nvPicPr>
-          <p:cNvPr id="1026" name="Picture 2" descr="Free Frowny Face Pictures, Download Free Clip Art, Free Clip Art on Clipart  Library">
-            <a:extLst>
-              <a:ext uri="{FF2B5EF4-FFF2-40B4-BE49-F238E27FC236}">
-                <a16:creationId xmlns:a16="http://schemas.microsoft.com/office/drawing/2014/main" id="{3B58F3FF-3494-4D07-8C60-037BC9B14F2C}"/>
-              </a:ext>
-            </a:extLst>
-          </p:cNvPr>
-          <p:cNvPicPr>
-            <a:picLocks noChangeAspect="1" noChangeArrowheads="1"/>
-          </p:cNvPicPr>
-          <p:nvPr/>
-        </p:nvPicPr>
-        <p:blipFill>
-          <a:blip r:embed="rId5">
-            <a:extLst>
-              <a:ext uri="{28A0092B-C50C-407E-A947-70E740481C1C}">
-                <a14:useLocalDpi xmlns:a14="http://schemas.microsoft.com/office/drawing/2010/main" val="0"/>
-              </a:ext>
-            </a:extLst>
-          </a:blip>
-          <a:srcRect/>
-          <a:stretch>
-            <a:fillRect/>
-          </a:stretch>
-        </p:blipFill>
-        <p:spPr bwMode="auto">
-          <a:xfrm>
-            <a:off x="5856422" y="1625265"/>
-            <a:ext cx="2105025" cy="1752600"/>
-          </a:xfrm>
-          <a:prstGeom prst="rect">
-            <a:avLst/>
-          </a:prstGeom>
-          <a:noFill/>
-          <a:extLst>
-            <a:ext uri="{909E8E84-426E-40DD-AFC4-6F175D3DCCD1}">
-              <a14:hiddenFill xmlns:a14="http://schemas.microsoft.com/office/drawing/2010/main">
-                <a:solidFill>
-                  <a:srgbClr val="FFFFFF"/>
-                </a:solidFill>
-              </a14:hiddenFill>
-            </a:ext>
-          </a:extLst>
-        </p:spPr>
-      </p:pic>
-      <p:sp>
-        <p:nvSpPr>
-          <p:cNvPr id="7" name="TextBox 6">
-            <a:extLst>
-              <a:ext uri="{FF2B5EF4-FFF2-40B4-BE49-F238E27FC236}">
-                <a16:creationId xmlns:a16="http://schemas.microsoft.com/office/drawing/2014/main" id="{3BC36852-69B7-4318-9EFC-ACAC8CE84E14}"/>
-              </a:ext>
-            </a:extLst>
-          </p:cNvPr>
-          <p:cNvSpPr txBox="1"/>
-          <p:nvPr/>
-        </p:nvSpPr>
-        <p:spPr>
-          <a:xfrm>
-            <a:off x="522632" y="2501565"/>
-            <a:ext cx="5333790" cy="584775"/>
-          </a:xfrm>
-          <a:prstGeom prst="rect">
-            <a:avLst/>
-          </a:prstGeom>
-          <a:noFill/>
-        </p:spPr>
-        <p:txBody>
-          <a:bodyPr wrap="square" rtlCol="0">
-            <a:spAutoFit/>
-          </a:bodyPr>
-          <a:lstStyle/>
-          <a:p>
-            <a:r>
-              <a:rPr lang="en-US" sz="3200" dirty="0"/>
-              <a:t>MAKE IT BETTER?</a:t>
-            </a:r>
-          </a:p>
-        </p:txBody>
-      </p:sp>
-      <p:sp>
-        <p:nvSpPr>
-          <p:cNvPr id="9" name="TextBox 8">
-            <a:extLst>
-              <a:ext uri="{FF2B5EF4-FFF2-40B4-BE49-F238E27FC236}">
-                <a16:creationId xmlns:a16="http://schemas.microsoft.com/office/drawing/2014/main" id="{445D9EF0-B41F-4A7C-8848-B18093A3EE2A}"/>
-              </a:ext>
-            </a:extLst>
-          </p:cNvPr>
-          <p:cNvSpPr txBox="1"/>
-          <p:nvPr/>
-        </p:nvSpPr>
-        <p:spPr>
-          <a:xfrm>
-            <a:off x="522632" y="3279648"/>
-            <a:ext cx="5333790" cy="369332"/>
-          </a:xfrm>
-          <a:prstGeom prst="rect">
-            <a:avLst/>
-          </a:prstGeom>
-          <a:noFill/>
-        </p:spPr>
-        <p:txBody>
-          <a:bodyPr wrap="square" rtlCol="0">
-            <a:spAutoFit/>
-          </a:bodyPr>
-          <a:lstStyle/>
-          <a:p>
-            <a:r>
-              <a:rPr lang="en-US" dirty="0"/>
-              <a:t>Temperature!  </a:t>
-            </a:r>
-          </a:p>
-        </p:txBody>
-      </p:sp>
-      <p:pic>
-        <p:nvPicPr>
-          <p:cNvPr id="12" name="Picture 11">
-            <a:extLst>
-              <a:ext uri="{FF2B5EF4-FFF2-40B4-BE49-F238E27FC236}">
-                <a16:creationId xmlns:a16="http://schemas.microsoft.com/office/drawing/2014/main" id="{34FF8BCB-BBC9-4A7C-B550-57925278CD1F}"/>
-              </a:ext>
-            </a:extLst>
-          </p:cNvPr>
-          <p:cNvPicPr>
-            <a:picLocks noChangeAspect="1"/>
-          </p:cNvPicPr>
-          <p:nvPr/>
-        </p:nvPicPr>
-        <p:blipFill>
-          <a:blip r:embed="rId6"/>
-          <a:stretch>
-            <a:fillRect/>
-          </a:stretch>
-        </p:blipFill>
-        <p:spPr>
-          <a:xfrm>
-            <a:off x="60960" y="3759471"/>
-            <a:ext cx="8454389" cy="707738"/>
+            <a:off x="0" y="828261"/>
+            <a:ext cx="9144000" cy="5201478"/>
           </a:xfrm>
           <a:prstGeom prst="rect">
             <a:avLst/>
@@ -14265,7 +14513,7 @@
     </p:spTree>
     <p:extLst>
       <p:ext uri="{BB962C8B-B14F-4D97-AF65-F5344CB8AC3E}">
-        <p14:creationId xmlns:p14="http://schemas.microsoft.com/office/powerpoint/2010/main" val="3923058403"/>
+        <p14:creationId xmlns:p14="http://schemas.microsoft.com/office/powerpoint/2010/main" val="808815001"/>
       </p:ext>
     </p:extLst>
   </p:cSld>
@@ -14292,12 +14540,52 @@
           <a:chExt cx="0" cy="0"/>
         </a:xfrm>
       </p:grpSpPr>
+      <p:sp>
+        <p:nvSpPr>
+          <p:cNvPr id="2" name="Title 1">
+            <a:extLst>
+              <a:ext uri="{FF2B5EF4-FFF2-40B4-BE49-F238E27FC236}">
+                <a16:creationId xmlns:a16="http://schemas.microsoft.com/office/drawing/2014/main" id="{A8E5541F-7BFA-479C-B8B4-DDE116914320}"/>
+              </a:ext>
+            </a:extLst>
+          </p:cNvPr>
+          <p:cNvSpPr>
+            <a:spLocks noGrp="1"/>
+          </p:cNvSpPr>
+          <p:nvPr>
+            <p:ph type="title"/>
+          </p:nvPr>
+        </p:nvSpPr>
+        <p:spPr>
+          <a:xfrm>
+            <a:off x="522632" y="58022"/>
+            <a:ext cx="7886700" cy="705648"/>
+          </a:xfrm>
+        </p:spPr>
+        <p:txBody>
+          <a:bodyPr>
+            <a:normAutofit/>
+          </a:bodyPr>
+          <a:lstStyle/>
+          <a:p>
+            <a:r>
+              <a:rPr lang="en-US" sz="3200" dirty="0">
+                <a:latin typeface="Microsoft Sans Serif" panose="020B0604020202020204" pitchFamily="34" charset="0"/>
+                <a:ea typeface="Microsoft Sans Serif" panose="020B0604020202020204" pitchFamily="34" charset="0"/>
+                <a:cs typeface="Microsoft Sans Serif" panose="020B0604020202020204" pitchFamily="34" charset="0"/>
+              </a:rPr>
+              <a:t>Parameters Code – Adding Data</a:t>
+            </a:r>
+            <a:endParaRPr lang="en-US" sz="3200" dirty="0"/>
+          </a:p>
+        </p:txBody>
+      </p:sp>
       <p:pic>
         <p:nvPicPr>
-          <p:cNvPr id="4" name="Picture 3">
+          <p:cNvPr id="5" name="Picture 4">
             <a:extLst>
               <a:ext uri="{FF2B5EF4-FFF2-40B4-BE49-F238E27FC236}">
-                <a16:creationId xmlns:a16="http://schemas.microsoft.com/office/drawing/2014/main" id="{449380A0-F828-40F6-ABA0-CB684060C995}"/>
+                <a16:creationId xmlns:a16="http://schemas.microsoft.com/office/drawing/2014/main" id="{F112826D-8205-4543-9CA7-8C18E18B2A81}"/>
               </a:ext>
             </a:extLst>
           </p:cNvPr>
@@ -14314,8 +14602,8 @@
         </p:blipFill>
         <p:spPr>
           <a:xfrm>
-            <a:off x="0" y="266843"/>
-            <a:ext cx="9143999" cy="6324314"/>
+            <a:off x="0" y="6276894"/>
+            <a:ext cx="1991003" cy="581106"/>
           </a:xfrm>
           <a:prstGeom prst="rect">
             <a:avLst/>
@@ -14324,110 +14612,28 @@
       </p:pic>
       <p:sp>
         <p:nvSpPr>
-          <p:cNvPr id="6" name="TextBox 5">
+          <p:cNvPr id="8" name="Rectangle 7">
             <a:extLst>
               <a:ext uri="{FF2B5EF4-FFF2-40B4-BE49-F238E27FC236}">
-                <a16:creationId xmlns:a16="http://schemas.microsoft.com/office/drawing/2014/main" id="{450BAF91-4632-4A48-A0BC-20AB5D0D29E5}"/>
+                <a16:creationId xmlns:a16="http://schemas.microsoft.com/office/drawing/2014/main" id="{7819BA35-EE0F-4ABB-BEBA-21534EB9317F}"/>
               </a:ext>
             </a:extLst>
           </p:cNvPr>
-          <p:cNvSpPr txBox="1"/>
+          <p:cNvSpPr/>
           <p:nvPr/>
         </p:nvSpPr>
         <p:spPr>
           <a:xfrm>
-            <a:off x="543339" y="4258222"/>
-            <a:ext cx="5380383" cy="1754326"/>
+            <a:off x="522632" y="6276894"/>
+            <a:ext cx="7992717" cy="45719"/>
           </a:xfrm>
           <a:prstGeom prst="rect">
             <a:avLst/>
           </a:prstGeom>
           <a:solidFill>
-            <a:schemeClr val="bg1"/>
+            <a:srgbClr val="E51836"/>
           </a:solidFill>
-        </p:spPr>
-        <p:txBody>
-          <a:bodyPr wrap="square" rtlCol="0" anchor="ctr">
-            <a:spAutoFit/>
-          </a:bodyPr>
-          <a:lstStyle/>
-          <a:p>
-            <a:endParaRPr lang="en-US" sz="3600" dirty="0">
-              <a:latin typeface="Microsoft Sans Serif" panose="020B0604020202020204" pitchFamily="34" charset="0"/>
-              <a:ea typeface="Microsoft Sans Serif" panose="020B0604020202020204" pitchFamily="34" charset="0"/>
-              <a:cs typeface="Microsoft Sans Serif" panose="020B0604020202020204" pitchFamily="34" charset="0"/>
-            </a:endParaRPr>
-          </a:p>
-          <a:p>
-            <a:r>
-              <a:rPr lang="en-US" sz="3600" dirty="0">
-                <a:latin typeface="Microsoft Sans Serif" panose="020B0604020202020204" pitchFamily="34" charset="0"/>
-                <a:ea typeface="Microsoft Sans Serif" panose="020B0604020202020204" pitchFamily="34" charset="0"/>
-                <a:cs typeface="Microsoft Sans Serif" panose="020B0604020202020204" pitchFamily="34" charset="0"/>
-              </a:rPr>
-              <a:t> 2. Prediction</a:t>
-            </a:r>
-          </a:p>
-          <a:p>
-            <a:endParaRPr lang="en-US" sz="3600" dirty="0">
-              <a:latin typeface="Microsoft Sans Serif" panose="020B0604020202020204" pitchFamily="34" charset="0"/>
-              <a:ea typeface="Microsoft Sans Serif" panose="020B0604020202020204" pitchFamily="34" charset="0"/>
-              <a:cs typeface="Microsoft Sans Serif" panose="020B0604020202020204" pitchFamily="34" charset="0"/>
-            </a:endParaRPr>
-          </a:p>
-        </p:txBody>
-      </p:sp>
-      <p:sp>
-        <p:nvSpPr>
-          <p:cNvPr id="2" name="Slide Number Placeholder 1">
-            <a:extLst>
-              <a:ext uri="{FF2B5EF4-FFF2-40B4-BE49-F238E27FC236}">
-                <a16:creationId xmlns:a16="http://schemas.microsoft.com/office/drawing/2014/main" id="{0C20A05A-1E61-419B-8225-50C27E807A0F}"/>
-              </a:ext>
-            </a:extLst>
-          </p:cNvPr>
-          <p:cNvSpPr>
-            <a:spLocks noGrp="1"/>
-          </p:cNvSpPr>
-          <p:nvPr>
-            <p:ph type="sldNum" sz="quarter" idx="12"/>
-          </p:nvPr>
-        </p:nvSpPr>
-        <p:spPr/>
-        <p:txBody>
-          <a:bodyPr/>
-          <a:lstStyle/>
-          <a:p>
-            <a:fld id="{2BD03CB1-4DB3-405C-876B-B27AD0EBE084}" type="slidenum">
-              <a:rPr lang="en-US" smtClean="0"/>
-              <a:t>9</a:t>
-            </a:fld>
-            <a:endParaRPr lang="en-US"/>
-          </a:p>
-        </p:txBody>
-      </p:sp>
-      <p:sp>
-        <p:nvSpPr>
-          <p:cNvPr id="3" name="Rectangle 2">
-            <a:extLst>
-              <a:ext uri="{FF2B5EF4-FFF2-40B4-BE49-F238E27FC236}">
-                <a16:creationId xmlns:a16="http://schemas.microsoft.com/office/drawing/2014/main" id="{B58459CE-3466-455A-8FD5-9D14FA580553}"/>
-              </a:ext>
-            </a:extLst>
-          </p:cNvPr>
-          <p:cNvSpPr/>
-          <p:nvPr/>
-        </p:nvSpPr>
-        <p:spPr>
-          <a:xfrm>
-            <a:off x="649357" y="4850296"/>
-            <a:ext cx="543339" cy="556591"/>
-          </a:xfrm>
-          <a:prstGeom prst="rect">
-            <a:avLst/>
-          </a:prstGeom>
-          <a:noFill/>
-          <a:ln w="57150">
+          <a:ln>
             <a:solidFill>
               <a:srgbClr val="E51836"/>
             </a:solidFill>
@@ -14458,62 +14664,310 @@
           </a:p>
         </p:txBody>
       </p:sp>
-      <p:sp>
-        <p:nvSpPr>
-          <p:cNvPr id="7" name="Rectangle 6">
+      <p:cxnSp>
+        <p:nvCxnSpPr>
+          <p:cNvPr id="10" name="Straight Connector 9">
             <a:extLst>
               <a:ext uri="{FF2B5EF4-FFF2-40B4-BE49-F238E27FC236}">
-                <a16:creationId xmlns:a16="http://schemas.microsoft.com/office/drawing/2014/main" id="{CE672193-1A1B-4AF5-A2D5-06BD5A09B613}"/>
+                <a16:creationId xmlns:a16="http://schemas.microsoft.com/office/drawing/2014/main" id="{2A2D717B-FED3-4573-B2FE-57087D39430D}"/>
               </a:ext>
             </a:extLst>
           </p:cNvPr>
-          <p:cNvSpPr/>
+          <p:cNvCxnSpPr/>
           <p:nvPr/>
-        </p:nvSpPr>
+        </p:nvCxnSpPr>
         <p:spPr>
           <a:xfrm>
-            <a:off x="649356" y="4572000"/>
-            <a:ext cx="4863548" cy="1166191"/>
-          </a:xfrm>
-          <a:prstGeom prst="rect">
+            <a:off x="522632" y="763670"/>
+            <a:ext cx="7992717" cy="0"/>
+          </a:xfrm>
+          <a:prstGeom prst="line">
             <a:avLst/>
           </a:prstGeom>
-          <a:noFill/>
-          <a:ln w="57150">
+          <a:ln>
             <a:solidFill>
               <a:srgbClr val="E51836"/>
             </a:solidFill>
           </a:ln>
         </p:spPr>
         <p:style>
-          <a:lnRef idx="2">
-            <a:schemeClr val="accent1">
-              <a:shade val="50000"/>
-            </a:schemeClr>
+          <a:lnRef idx="1">
+            <a:schemeClr val="accent1"/>
           </a:lnRef>
-          <a:fillRef idx="1">
+          <a:fillRef idx="0">
             <a:schemeClr val="accent1"/>
           </a:fillRef>
           <a:effectRef idx="0">
             <a:schemeClr val="accent1"/>
           </a:effectRef>
           <a:fontRef idx="minor">
-            <a:schemeClr val="lt1"/>
+            <a:schemeClr val="tx1"/>
           </a:fontRef>
         </p:style>
-        <p:txBody>
-          <a:bodyPr rtlCol="0" anchor="ctr"/>
-          <a:lstStyle/>
-          <a:p>
-            <a:pPr algn="ctr"/>
+      </p:cxnSp>
+      <p:sp>
+        <p:nvSpPr>
+          <p:cNvPr id="11" name="Slide Number Placeholder 10">
+            <a:extLst>
+              <a:ext uri="{FF2B5EF4-FFF2-40B4-BE49-F238E27FC236}">
+                <a16:creationId xmlns:a16="http://schemas.microsoft.com/office/drawing/2014/main" id="{3638B894-F5CB-41EC-A4AE-32E1D6A3E77D}"/>
+              </a:ext>
+            </a:extLst>
+          </p:cNvPr>
+          <p:cNvSpPr>
+            <a:spLocks noGrp="1"/>
+          </p:cNvSpPr>
+          <p:nvPr>
+            <p:ph type="sldNum" sz="quarter" idx="12"/>
+          </p:nvPr>
+        </p:nvSpPr>
+        <p:spPr/>
+        <p:txBody>
+          <a:bodyPr/>
+          <a:lstStyle/>
+          <a:p>
+            <a:fld id="{2BD03CB1-4DB3-405C-876B-B27AD0EBE084}" type="slidenum">
+              <a:rPr lang="en-US" smtClean="0"/>
+              <a:t>9</a:t>
+            </a:fld>
             <a:endParaRPr lang="en-US"/>
           </a:p>
         </p:txBody>
       </p:sp>
+      <p:pic>
+        <p:nvPicPr>
+          <p:cNvPr id="3" name="Picture 2">
+            <a:extLst>
+              <a:ext uri="{FF2B5EF4-FFF2-40B4-BE49-F238E27FC236}">
+                <a16:creationId xmlns:a16="http://schemas.microsoft.com/office/drawing/2014/main" id="{50DCF0C2-B79E-4F7B-9359-754CAFE14130}"/>
+              </a:ext>
+            </a:extLst>
+          </p:cNvPr>
+          <p:cNvPicPr>
+            <a:picLocks noChangeAspect="1"/>
+          </p:cNvPicPr>
+          <p:nvPr/>
+        </p:nvPicPr>
+        <p:blipFill>
+          <a:blip r:embed="rId4"/>
+          <a:stretch>
+            <a:fillRect/>
+          </a:stretch>
+        </p:blipFill>
+        <p:spPr>
+          <a:xfrm>
+            <a:off x="5408538" y="1031107"/>
+            <a:ext cx="3000794" cy="438211"/>
+          </a:xfrm>
+          <a:prstGeom prst="rect">
+            <a:avLst/>
+          </a:prstGeom>
+        </p:spPr>
+      </p:pic>
+      <p:sp>
+        <p:nvSpPr>
+          <p:cNvPr id="6" name="TextBox 5">
+            <a:extLst>
+              <a:ext uri="{FF2B5EF4-FFF2-40B4-BE49-F238E27FC236}">
+                <a16:creationId xmlns:a16="http://schemas.microsoft.com/office/drawing/2014/main" id="{BC9ABE04-6561-4443-A7DE-C5650F6F29F0}"/>
+              </a:ext>
+            </a:extLst>
+          </p:cNvPr>
+          <p:cNvSpPr txBox="1"/>
+          <p:nvPr/>
+        </p:nvSpPr>
+        <p:spPr>
+          <a:xfrm>
+            <a:off x="522632" y="1031107"/>
+            <a:ext cx="4658968" cy="1200329"/>
+          </a:xfrm>
+          <a:prstGeom prst="rect">
+            <a:avLst/>
+          </a:prstGeom>
+          <a:noFill/>
+        </p:spPr>
+        <p:txBody>
+          <a:bodyPr wrap="square" rtlCol="0">
+            <a:spAutoFit/>
+          </a:bodyPr>
+          <a:lstStyle/>
+          <a:p>
+            <a:r>
+              <a:rPr lang="en-US" dirty="0"/>
+              <a:t>How much gas will be used to create electricity?</a:t>
+            </a:r>
+          </a:p>
+          <a:p>
+            <a:r>
+              <a:rPr lang="en-US" dirty="0"/>
+              <a:t>	Price of underlying (choice)</a:t>
+            </a:r>
+          </a:p>
+          <a:p>
+            <a:r>
+              <a:rPr lang="en-US" dirty="0"/>
+              <a:t>		Coal &amp; Natural Gas</a:t>
+            </a:r>
+          </a:p>
+          <a:p>
+            <a:r>
+              <a:rPr lang="en-US" dirty="0"/>
+              <a:t>	Included Production (growth)</a:t>
+            </a:r>
+          </a:p>
+        </p:txBody>
+      </p:sp>
+      <p:pic>
+        <p:nvPicPr>
+          <p:cNvPr id="1026" name="Picture 2" descr="Free Frowny Face Pictures, Download Free Clip Art, Free Clip Art on Clipart  Library">
+            <a:extLst>
+              <a:ext uri="{FF2B5EF4-FFF2-40B4-BE49-F238E27FC236}">
+                <a16:creationId xmlns:a16="http://schemas.microsoft.com/office/drawing/2014/main" id="{3B58F3FF-3494-4D07-8C60-037BC9B14F2C}"/>
+              </a:ext>
+            </a:extLst>
+          </p:cNvPr>
+          <p:cNvPicPr>
+            <a:picLocks noChangeAspect="1" noChangeArrowheads="1"/>
+          </p:cNvPicPr>
+          <p:nvPr/>
+        </p:nvPicPr>
+        <p:blipFill>
+          <a:blip r:embed="rId5">
+            <a:extLst>
+              <a:ext uri="{28A0092B-C50C-407E-A947-70E740481C1C}">
+                <a14:useLocalDpi xmlns:a14="http://schemas.microsoft.com/office/drawing/2010/main" val="0"/>
+              </a:ext>
+            </a:extLst>
+          </a:blip>
+          <a:srcRect/>
+          <a:stretch>
+            <a:fillRect/>
+          </a:stretch>
+        </p:blipFill>
+        <p:spPr bwMode="auto">
+          <a:xfrm>
+            <a:off x="5856422" y="1625265"/>
+            <a:ext cx="2105025" cy="1752600"/>
+          </a:xfrm>
+          <a:prstGeom prst="rect">
+            <a:avLst/>
+          </a:prstGeom>
+          <a:noFill/>
+          <a:extLst>
+            <a:ext uri="{909E8E84-426E-40DD-AFC4-6F175D3DCCD1}">
+              <a14:hiddenFill xmlns:a14="http://schemas.microsoft.com/office/drawing/2010/main">
+                <a:solidFill>
+                  <a:srgbClr val="FFFFFF"/>
+                </a:solidFill>
+              </a14:hiddenFill>
+            </a:ext>
+          </a:extLst>
+        </p:spPr>
+      </p:pic>
+      <p:sp>
+        <p:nvSpPr>
+          <p:cNvPr id="7" name="TextBox 6">
+            <a:extLst>
+              <a:ext uri="{FF2B5EF4-FFF2-40B4-BE49-F238E27FC236}">
+                <a16:creationId xmlns:a16="http://schemas.microsoft.com/office/drawing/2014/main" id="{3BC36852-69B7-4318-9EFC-ACAC8CE84E14}"/>
+              </a:ext>
+            </a:extLst>
+          </p:cNvPr>
+          <p:cNvSpPr txBox="1"/>
+          <p:nvPr/>
+        </p:nvSpPr>
+        <p:spPr>
+          <a:xfrm>
+            <a:off x="522632" y="2501565"/>
+            <a:ext cx="5333790" cy="584775"/>
+          </a:xfrm>
+          <a:prstGeom prst="rect">
+            <a:avLst/>
+          </a:prstGeom>
+          <a:noFill/>
+        </p:spPr>
+        <p:txBody>
+          <a:bodyPr wrap="square" rtlCol="0">
+            <a:spAutoFit/>
+          </a:bodyPr>
+          <a:lstStyle/>
+          <a:p>
+            <a:r>
+              <a:rPr lang="en-US" sz="3200" dirty="0"/>
+              <a:t>MAKE IT BETTER?</a:t>
+            </a:r>
+          </a:p>
+        </p:txBody>
+      </p:sp>
+      <p:sp>
+        <p:nvSpPr>
+          <p:cNvPr id="9" name="TextBox 8">
+            <a:extLst>
+              <a:ext uri="{FF2B5EF4-FFF2-40B4-BE49-F238E27FC236}">
+                <a16:creationId xmlns:a16="http://schemas.microsoft.com/office/drawing/2014/main" id="{445D9EF0-B41F-4A7C-8848-B18093A3EE2A}"/>
+              </a:ext>
+            </a:extLst>
+          </p:cNvPr>
+          <p:cNvSpPr txBox="1"/>
+          <p:nvPr/>
+        </p:nvSpPr>
+        <p:spPr>
+          <a:xfrm>
+            <a:off x="522632" y="3279648"/>
+            <a:ext cx="5333790" cy="369332"/>
+          </a:xfrm>
+          <a:prstGeom prst="rect">
+            <a:avLst/>
+          </a:prstGeom>
+          <a:noFill/>
+        </p:spPr>
+        <p:txBody>
+          <a:bodyPr wrap="square" rtlCol="0">
+            <a:spAutoFit/>
+          </a:bodyPr>
+          <a:lstStyle/>
+          <a:p>
+            <a:r>
+              <a:rPr lang="en-US" dirty="0"/>
+              <a:t>Temperature!  </a:t>
+            </a:r>
+          </a:p>
+        </p:txBody>
+      </p:sp>
+      <p:pic>
+        <p:nvPicPr>
+          <p:cNvPr id="12" name="Picture 11">
+            <a:extLst>
+              <a:ext uri="{FF2B5EF4-FFF2-40B4-BE49-F238E27FC236}">
+                <a16:creationId xmlns:a16="http://schemas.microsoft.com/office/drawing/2014/main" id="{34FF8BCB-BBC9-4A7C-B550-57925278CD1F}"/>
+              </a:ext>
+            </a:extLst>
+          </p:cNvPr>
+          <p:cNvPicPr>
+            <a:picLocks noChangeAspect="1"/>
+          </p:cNvPicPr>
+          <p:nvPr/>
+        </p:nvPicPr>
+        <p:blipFill>
+          <a:blip r:embed="rId6"/>
+          <a:stretch>
+            <a:fillRect/>
+          </a:stretch>
+        </p:blipFill>
+        <p:spPr>
+          <a:xfrm>
+            <a:off x="60960" y="3759471"/>
+            <a:ext cx="8454389" cy="707738"/>
+          </a:xfrm>
+          <a:prstGeom prst="rect">
+            <a:avLst/>
+          </a:prstGeom>
+        </p:spPr>
+      </p:pic>
     </p:spTree>
     <p:extLst>
       <p:ext uri="{BB962C8B-B14F-4D97-AF65-F5344CB8AC3E}">
-        <p14:creationId xmlns:p14="http://schemas.microsoft.com/office/powerpoint/2010/main" val="3613910301"/>
+        <p14:creationId xmlns:p14="http://schemas.microsoft.com/office/powerpoint/2010/main" val="3923058403"/>
       </p:ext>
     </p:extLst>
   </p:cSld>
